--- a/docs/Architecture.pptx
+++ b/docs/Architecture.pptx
@@ -6,8 +6,23 @@
   </p:sldMasterIdLst>
   <p:sldIdLst>
     <p:sldId id="256" r:id="rId2"/>
-    <p:sldId id="257" r:id="rId3"/>
-    <p:sldId id="258" r:id="rId4"/>
+    <p:sldId id="271" r:id="rId3"/>
+    <p:sldId id="275" r:id="rId4"/>
+    <p:sldId id="268" r:id="rId5"/>
+    <p:sldId id="266" r:id="rId6"/>
+    <p:sldId id="270" r:id="rId7"/>
+    <p:sldId id="269" r:id="rId8"/>
+    <p:sldId id="273" r:id="rId9"/>
+    <p:sldId id="260" r:id="rId10"/>
+    <p:sldId id="257" r:id="rId11"/>
+    <p:sldId id="261" r:id="rId12"/>
+    <p:sldId id="276" r:id="rId13"/>
+    <p:sldId id="259" r:id="rId14"/>
+    <p:sldId id="262" r:id="rId15"/>
+    <p:sldId id="264" r:id="rId16"/>
+    <p:sldId id="263" r:id="rId17"/>
+    <p:sldId id="274" r:id="rId18"/>
+    <p:sldId id="265" r:id="rId19"/>
   </p:sldIdLst>
   <p:sldSz cx="9144000" cy="6858000" type="screen4x3"/>
   <p:notesSz cx="6858000" cy="9144000"/>
@@ -2575,7 +2590,7 @@
   <p:cSld>
     <p:bg>
       <p:bgRef idx="1001">
-        <a:schemeClr val="bg1"/>
+        <a:schemeClr val="bg2"/>
       </p:bgRef>
     </p:bg>
     <p:spTree>
@@ -3136,13 +3151,54 @@
           <a:lstStyle/>
           <a:p>
             <a:r>
-              <a:rPr lang="en-US" dirty="0" smtClean="0"/>
-              <a:t>Race for Live</a:t>
+              <a:rPr lang="en-US" dirty="0" err="1" smtClean="0"/>
+              <a:t>InstantRun</a:t>
             </a:r>
             <a:endParaRPr lang="en-US" dirty="0"/>
           </a:p>
         </p:txBody>
       </p:sp>
+      <p:pic>
+        <p:nvPicPr>
+          <p:cNvPr id="6146" name="Picture 2" descr="Race for Life"/>
+          <p:cNvPicPr>
+            <a:picLocks noChangeAspect="1" noChangeArrowheads="1"/>
+          </p:cNvPicPr>
+          <p:nvPr/>
+        </p:nvPicPr>
+        <p:blipFill>
+          <a:blip r:embed="rId2">
+            <a:extLst>
+              <a:ext uri="{28A0092B-C50C-407E-A947-70E740481C1C}">
+                <a14:useLocalDpi xmlns:a14="http://schemas.microsoft.com/office/drawing/2010/main" val="0"/>
+              </a:ext>
+            </a:extLst>
+          </a:blip>
+          <a:srcRect/>
+          <a:stretch>
+            <a:fillRect/>
+          </a:stretch>
+        </p:blipFill>
+        <p:spPr bwMode="auto">
+          <a:xfrm>
+            <a:off x="155575" y="46197"/>
+            <a:ext cx="2019300" cy="838201"/>
+          </a:xfrm>
+          <a:prstGeom prst="rect">
+            <a:avLst/>
+          </a:prstGeom>
+          <a:noFill/>
+          <a:extLst>
+            <a:ext uri="{909E8E84-426E-40DD-AFC4-6F175D3DCCD1}">
+              <a14:hiddenFill xmlns:a14="http://schemas.microsoft.com/office/drawing/2010/main">
+                <a:solidFill>
+                  <a:srgbClr val="FFFFFF"/>
+                </a:solidFill>
+              </a14:hiddenFill>
+            </a:ext>
+          </a:extLst>
+        </p:spPr>
+      </p:pic>
     </p:spTree>
     <p:extLst>
       <p:ext uri="{BB962C8B-B14F-4D97-AF65-F5344CB8AC3E}">
@@ -3153,10 +3209,17 @@
   <p:clrMapOvr>
     <a:masterClrMapping/>
   </p:clrMapOvr>
+  <p:timing>
+    <p:tnLst>
+      <p:par>
+        <p:cTn id="1" dur="indefinite" restart="never" nodeType="tmRoot"/>
+      </p:par>
+    </p:tnLst>
+  </p:timing>
 </p:sld>
 </file>
 
-<file path=ppt/slides/slide2.xml><?xml version="1.0" encoding="utf-8"?>
+<file path=ppt/slides/slide10.xml><?xml version="1.0" encoding="utf-8"?>
 <p:sld xmlns:a="http://schemas.openxmlformats.org/drawingml/2006/main" xmlns:r="http://schemas.openxmlformats.org/officeDocument/2006/relationships" xmlns:p="http://schemas.openxmlformats.org/presentationml/2006/main">
   <p:cSld>
     <p:spTree>
@@ -3885,7 +3948,7 @@
         <p:spPr>
           <a:xfrm>
             <a:off x="4142315" y="548680"/>
-            <a:ext cx="2135265" cy="369332"/>
+            <a:ext cx="1684820" cy="369332"/>
           </a:xfrm>
           <a:prstGeom prst="rect">
             <a:avLst/>
@@ -3900,7 +3963,7 @@
           <a:p>
             <a:r>
               <a:rPr lang="en-US" dirty="0" smtClean="0"/>
-              <a:t>www.raceforlife.com</a:t>
+              <a:t>instantrun.uk.to</a:t>
             </a:r>
             <a:endParaRPr lang="en-US" dirty="0"/>
           </a:p>
@@ -4189,8 +4252,8 @@
         </p:nvSpPr>
         <p:spPr>
           <a:xfrm>
-            <a:off x="677831" y="548680"/>
-            <a:ext cx="2237985" cy="369332"/>
+            <a:off x="677831" y="971436"/>
+            <a:ext cx="2239972" cy="369332"/>
           </a:xfrm>
           <a:prstGeom prst="rect">
             <a:avLst/>
@@ -4205,7 +4268,7 @@
           <a:p>
             <a:r>
               <a:rPr lang="en-US" dirty="0" smtClean="0"/>
-              <a:t>media.raceforlife.com</a:t>
+              <a:t>Static.instantrun.uk.to</a:t>
             </a:r>
             <a:endParaRPr lang="en-US" dirty="0"/>
           </a:p>
@@ -4263,7 +4326,7 @@
         </p:blipFill>
         <p:spPr>
           <a:xfrm>
-            <a:off x="3264416" y="367586"/>
+            <a:off x="3203848" y="537240"/>
             <a:ext cx="731520" cy="731520"/>
           </a:xfrm>
           <a:prstGeom prst="rect">
@@ -4282,8 +4345,8 @@
         </p:nvCxnSpPr>
         <p:spPr>
           <a:xfrm flipH="1">
-            <a:off x="1778414" y="918012"/>
-            <a:ext cx="18410" cy="1286852"/>
+            <a:off x="1778414" y="1340768"/>
+            <a:ext cx="19403" cy="864096"/>
           </a:xfrm>
           <a:prstGeom prst="straightConnector1">
             <a:avLst/>
@@ -4413,19 +4476,19 @@
       </p:cxnSp>
       <p:cxnSp>
         <p:nvCxnSpPr>
-          <p:cNvPr id="71" name="Straight Arrow Connector 70"/>
+          <p:cNvPr id="83" name="Elbow Connector 82"/>
           <p:cNvCxnSpPr>
-            <a:stCxn id="14" idx="1"/>
-            <a:endCxn id="5" idx="3"/>
+            <a:stCxn id="37" idx="3"/>
+            <a:endCxn id="51" idx="0"/>
           </p:cNvCxnSpPr>
           <p:nvPr/>
         </p:nvCxnSpPr>
         <p:spPr>
-          <a:xfrm flipH="1">
-            <a:off x="2144174" y="3087804"/>
-            <a:ext cx="1851762" cy="1910360"/>
-          </a:xfrm>
-          <a:prstGeom prst="straightConnector1">
+          <a:xfrm>
+            <a:off x="5827135" y="733346"/>
+            <a:ext cx="984629" cy="213232"/>
+          </a:xfrm>
+          <a:prstGeom prst="bentConnector2">
             <a:avLst/>
           </a:prstGeom>
           <a:ln>
@@ -4447,42 +4510,6 @@
           </a:fontRef>
         </p:style>
       </p:cxnSp>
-      <p:cxnSp>
-        <p:nvCxnSpPr>
-          <p:cNvPr id="83" name="Elbow Connector 82"/>
-          <p:cNvCxnSpPr>
-            <a:stCxn id="37" idx="3"/>
-            <a:endCxn id="51" idx="0"/>
-          </p:cNvCxnSpPr>
-          <p:nvPr/>
-        </p:nvCxnSpPr>
-        <p:spPr>
-          <a:xfrm>
-            <a:off x="6277580" y="733346"/>
-            <a:ext cx="534184" cy="213232"/>
-          </a:xfrm>
-          <a:prstGeom prst="bentConnector2">
-            <a:avLst/>
-          </a:prstGeom>
-          <a:ln>
-            <a:tailEnd type="arrow"/>
-          </a:ln>
-        </p:spPr>
-        <p:style>
-          <a:lnRef idx="1">
-            <a:schemeClr val="accent1"/>
-          </a:lnRef>
-          <a:fillRef idx="0">
-            <a:schemeClr val="accent1"/>
-          </a:fillRef>
-          <a:effectRef idx="0">
-            <a:schemeClr val="accent1"/>
-          </a:effectRef>
-          <a:fontRef idx="minor">
-            <a:schemeClr val="tx1"/>
-          </a:fontRef>
-        </p:style>
-      </p:cxnSp>
       <p:sp>
         <p:nvSpPr>
           <p:cNvPr id="85" name="TextBox 84"/>
@@ -4492,7 +4519,7 @@
         <p:spPr>
           <a:xfrm>
             <a:off x="6876256" y="1537047"/>
-            <a:ext cx="1064715" cy="307777"/>
+            <a:ext cx="550151" cy="307777"/>
           </a:xfrm>
           <a:prstGeom prst="rect">
             <a:avLst/>
@@ -4506,8 +4533,12 @@
           <a:lstStyle/>
           <a:p>
             <a:r>
+              <a:rPr lang="en-US" sz="1400" dirty="0"/>
+              <a:t>9</a:t>
+            </a:r>
+            <a:r>
               <a:rPr lang="en-US" sz="1400" dirty="0" smtClean="0"/>
-              <a:t>8080 / 8443</a:t>
+              <a:t>080</a:t>
             </a:r>
             <a:endParaRPr lang="en-US" sz="1400" dirty="0"/>
           </a:p>
@@ -4573,6 +4604,47 @@
           </a:p>
         </p:txBody>
       </p:sp>
+      <p:pic>
+        <p:nvPicPr>
+          <p:cNvPr id="49" name="Picture 2" descr="Race for Life"/>
+          <p:cNvPicPr>
+            <a:picLocks noChangeAspect="1" noChangeArrowheads="1"/>
+          </p:cNvPicPr>
+          <p:nvPr/>
+        </p:nvPicPr>
+        <p:blipFill>
+          <a:blip r:embed="rId12">
+            <a:extLst>
+              <a:ext uri="{28A0092B-C50C-407E-A947-70E740481C1C}">
+                <a14:useLocalDpi xmlns:a14="http://schemas.microsoft.com/office/drawing/2010/main" val="0"/>
+              </a:ext>
+            </a:extLst>
+          </a:blip>
+          <a:srcRect/>
+          <a:stretch>
+            <a:fillRect/>
+          </a:stretch>
+        </p:blipFill>
+        <p:spPr bwMode="auto">
+          <a:xfrm>
+            <a:off x="155575" y="46197"/>
+            <a:ext cx="2019300" cy="838201"/>
+          </a:xfrm>
+          <a:prstGeom prst="rect">
+            <a:avLst/>
+          </a:prstGeom>
+          <a:noFill/>
+          <a:extLst>
+            <a:ext uri="{909E8E84-426E-40DD-AFC4-6F175D3DCCD1}">
+              <a14:hiddenFill xmlns:a14="http://schemas.microsoft.com/office/drawing/2010/main">
+                <a:solidFill>
+                  <a:srgbClr val="FFFFFF"/>
+                </a:solidFill>
+              </a14:hiddenFill>
+            </a:ext>
+          </a:extLst>
+        </p:spPr>
+      </p:pic>
     </p:spTree>
     <p:extLst>
       <p:ext uri="{BB962C8B-B14F-4D97-AF65-F5344CB8AC3E}">
@@ -4583,6 +4655,1762 @@
   <p:clrMapOvr>
     <a:masterClrMapping/>
   </p:clrMapOvr>
+  <p:timing>
+    <p:tnLst>
+      <p:par>
+        <p:cTn id="1" dur="indefinite" restart="never" nodeType="tmRoot"/>
+      </p:par>
+    </p:tnLst>
+  </p:timing>
+</p:sld>
+</file>
+
+<file path=ppt/slides/slide11.xml><?xml version="1.0" encoding="utf-8"?>
+<p:sld xmlns:a="http://schemas.openxmlformats.org/drawingml/2006/main" xmlns:r="http://schemas.openxmlformats.org/officeDocument/2006/relationships" xmlns:p="http://schemas.openxmlformats.org/presentationml/2006/main">
+  <p:cSld>
+    <p:spTree>
+      <p:nvGrpSpPr>
+        <p:cNvPr id="1" name=""/>
+        <p:cNvGrpSpPr/>
+        <p:nvPr/>
+      </p:nvGrpSpPr>
+      <p:grpSpPr>
+        <a:xfrm>
+          <a:off x="0" y="0"/>
+          <a:ext cx="0" cy="0"/>
+          <a:chOff x="0" y="0"/>
+          <a:chExt cx="0" cy="0"/>
+        </a:xfrm>
+      </p:grpSpPr>
+      <p:sp>
+        <p:nvSpPr>
+          <p:cNvPr id="4" name="Title 3"/>
+          <p:cNvSpPr>
+            <a:spLocks noGrp="1"/>
+          </p:cNvSpPr>
+          <p:nvPr>
+            <p:ph type="title"/>
+          </p:nvPr>
+        </p:nvSpPr>
+        <p:spPr/>
+        <p:txBody>
+          <a:bodyPr/>
+          <a:lstStyle/>
+          <a:p>
+            <a:r>
+              <a:rPr lang="en-US" dirty="0" smtClean="0"/>
+              <a:t>Registration process</a:t>
+            </a:r>
+            <a:endParaRPr lang="en-US" dirty="0"/>
+          </a:p>
+        </p:txBody>
+      </p:sp>
+      <p:sp>
+        <p:nvSpPr>
+          <p:cNvPr id="5" name="Text Placeholder 4"/>
+          <p:cNvSpPr>
+            <a:spLocks noGrp="1"/>
+          </p:cNvSpPr>
+          <p:nvPr>
+            <p:ph type="body" idx="1"/>
+          </p:nvPr>
+        </p:nvSpPr>
+        <p:spPr/>
+        <p:txBody>
+          <a:bodyPr/>
+          <a:lstStyle/>
+          <a:p>
+            <a:endParaRPr lang="en-US"/>
+          </a:p>
+        </p:txBody>
+      </p:sp>
+    </p:spTree>
+    <p:extLst>
+      <p:ext uri="{BB962C8B-B14F-4D97-AF65-F5344CB8AC3E}">
+        <p14:creationId xmlns:p14="http://schemas.microsoft.com/office/powerpoint/2010/main" val="1702006234"/>
+      </p:ext>
+    </p:extLst>
+  </p:cSld>
+  <p:clrMapOvr>
+    <a:masterClrMapping/>
+  </p:clrMapOvr>
+  <p:timing>
+    <p:tnLst>
+      <p:par>
+        <p:cTn id="1" dur="indefinite" restart="never" nodeType="tmRoot"/>
+      </p:par>
+    </p:tnLst>
+  </p:timing>
+</p:sld>
+</file>
+
+<file path=ppt/slides/slide12.xml><?xml version="1.0" encoding="utf-8"?>
+<p:sld xmlns:a="http://schemas.openxmlformats.org/drawingml/2006/main" xmlns:r="http://schemas.openxmlformats.org/officeDocument/2006/relationships" xmlns:p="http://schemas.openxmlformats.org/presentationml/2006/main">
+  <p:cSld>
+    <p:spTree>
+      <p:nvGrpSpPr>
+        <p:cNvPr id="1" name=""/>
+        <p:cNvGrpSpPr/>
+        <p:nvPr/>
+      </p:nvGrpSpPr>
+      <p:grpSpPr>
+        <a:xfrm>
+          <a:off x="0" y="0"/>
+          <a:ext cx="0" cy="0"/>
+          <a:chOff x="0" y="0"/>
+          <a:chExt cx="0" cy="0"/>
+        </a:xfrm>
+      </p:grpSpPr>
+      <p:sp>
+        <p:nvSpPr>
+          <p:cNvPr id="6" name="Oval 5"/>
+          <p:cNvSpPr/>
+          <p:nvPr/>
+        </p:nvSpPr>
+        <p:spPr>
+          <a:xfrm>
+            <a:off x="611089" y="2756767"/>
+            <a:ext cx="3168823" cy="3168351"/>
+          </a:xfrm>
+          <a:prstGeom prst="ellipse">
+            <a:avLst/>
+          </a:prstGeom>
+        </p:spPr>
+        <p:style>
+          <a:lnRef idx="0">
+            <a:schemeClr val="accent6"/>
+          </a:lnRef>
+          <a:fillRef idx="3">
+            <a:schemeClr val="accent6"/>
+          </a:fillRef>
+          <a:effectRef idx="3">
+            <a:schemeClr val="accent6"/>
+          </a:effectRef>
+          <a:fontRef idx="minor">
+            <a:schemeClr val="lt1"/>
+          </a:fontRef>
+        </p:style>
+        <p:txBody>
+          <a:bodyPr rtlCol="0" anchor="ctr"/>
+          <a:lstStyle/>
+          <a:p>
+            <a:pPr algn="ctr"/>
+            <a:endParaRPr lang="en-US"/>
+          </a:p>
+        </p:txBody>
+      </p:sp>
+      <p:sp>
+        <p:nvSpPr>
+          <p:cNvPr id="2" name="Title 1"/>
+          <p:cNvSpPr>
+            <a:spLocks noGrp="1"/>
+          </p:cNvSpPr>
+          <p:nvPr>
+            <p:ph type="title"/>
+          </p:nvPr>
+        </p:nvSpPr>
+        <p:spPr/>
+        <p:txBody>
+          <a:bodyPr>
+            <a:normAutofit/>
+          </a:bodyPr>
+          <a:lstStyle/>
+          <a:p>
+            <a:r>
+              <a:rPr lang="en-US" dirty="0" smtClean="0"/>
+              <a:t>Improvements</a:t>
+            </a:r>
+            <a:endParaRPr lang="en-US" dirty="0">
+              <a:solidFill>
+                <a:srgbClr val="FF0000"/>
+              </a:solidFill>
+            </a:endParaRPr>
+          </a:p>
+        </p:txBody>
+      </p:sp>
+      <p:sp>
+        <p:nvSpPr>
+          <p:cNvPr id="3" name="Content Placeholder 2"/>
+          <p:cNvSpPr>
+            <a:spLocks noGrp="1"/>
+          </p:cNvSpPr>
+          <p:nvPr>
+            <p:ph idx="1"/>
+          </p:nvPr>
+        </p:nvSpPr>
+        <p:spPr/>
+        <p:txBody>
+          <a:bodyPr/>
+          <a:lstStyle/>
+          <a:p>
+            <a:pPr marL="0" indent="0">
+              <a:buNone/>
+            </a:pPr>
+            <a:r>
+              <a:rPr lang="en-US" dirty="0" smtClean="0"/>
+              <a:t>CRUK </a:t>
+            </a:r>
+            <a:r>
+              <a:rPr lang="en-US" dirty="0" smtClean="0"/>
+              <a:t>Registration </a:t>
+            </a:r>
+            <a:r>
+              <a:rPr lang="en-US" dirty="0" smtClean="0"/>
+              <a:t>leveraging</a:t>
+            </a:r>
+            <a:r>
+              <a:rPr lang="en-US" dirty="0">
+                <a:solidFill>
+                  <a:srgbClr val="FF0000"/>
+                </a:solidFill>
+              </a:rPr>
+              <a:t> social network</a:t>
+            </a:r>
+            <a:endParaRPr lang="en-US" dirty="0" smtClean="0"/>
+          </a:p>
+          <a:p>
+            <a:endParaRPr lang="en-US" dirty="0"/>
+          </a:p>
+          <a:p>
+            <a:pPr lvl="1"/>
+            <a:endParaRPr lang="en-US" dirty="0"/>
+          </a:p>
+          <a:p>
+            <a:pPr lvl="1"/>
+            <a:endParaRPr lang="en-US" dirty="0" smtClean="0"/>
+          </a:p>
+          <a:p>
+            <a:endParaRPr lang="en-US" dirty="0"/>
+          </a:p>
+        </p:txBody>
+      </p:sp>
+      <p:pic>
+        <p:nvPicPr>
+          <p:cNvPr id="1026" name="Picture 2"/>
+          <p:cNvPicPr>
+            <a:picLocks noChangeAspect="1" noChangeArrowheads="1"/>
+          </p:cNvPicPr>
+          <p:nvPr/>
+        </p:nvPicPr>
+        <p:blipFill>
+          <a:blip r:embed="rId2">
+            <a:extLst>
+              <a:ext uri="{28A0092B-C50C-407E-A947-70E740481C1C}">
+                <a14:useLocalDpi xmlns:a14="http://schemas.microsoft.com/office/drawing/2010/main" val="0"/>
+              </a:ext>
+            </a:extLst>
+          </a:blip>
+          <a:srcRect/>
+          <a:stretch>
+            <a:fillRect/>
+          </a:stretch>
+        </p:blipFill>
+        <p:spPr bwMode="auto">
+          <a:xfrm>
+            <a:off x="1691209" y="3908894"/>
+            <a:ext cx="947737" cy="952499"/>
+          </a:xfrm>
+          <a:prstGeom prst="rect">
+            <a:avLst/>
+          </a:prstGeom>
+          <a:noFill/>
+          <a:ln>
+            <a:noFill/>
+          </a:ln>
+          <a:extLst>
+            <a:ext uri="{909E8E84-426E-40DD-AFC4-6F175D3DCCD1}">
+              <a14:hiddenFill xmlns:a14="http://schemas.microsoft.com/office/drawing/2010/main">
+                <a:solidFill>
+                  <a:schemeClr val="accent1"/>
+                </a:solidFill>
+              </a14:hiddenFill>
+            </a:ext>
+            <a:ext uri="{91240B29-F687-4F45-9708-019B960494DF}">
+              <a14:hiddenLine xmlns:a14="http://schemas.microsoft.com/office/drawing/2010/main" w="9525">
+                <a:solidFill>
+                  <a:schemeClr val="tx1"/>
+                </a:solidFill>
+                <a:miter lim="800000"/>
+                <a:headEnd/>
+                <a:tailEnd/>
+              </a14:hiddenLine>
+            </a:ext>
+          </a:extLst>
+        </p:spPr>
+      </p:pic>
+      <p:sp>
+        <p:nvSpPr>
+          <p:cNvPr id="4" name="AutoShape 4" descr="Résultats de recherche d'images pour « facebook »"/>
+          <p:cNvSpPr>
+            <a:spLocks noChangeAspect="1" noChangeArrowheads="1"/>
+          </p:cNvSpPr>
+          <p:nvPr/>
+        </p:nvSpPr>
+        <p:spPr bwMode="auto">
+          <a:xfrm>
+            <a:off x="155575" y="-685800"/>
+            <a:ext cx="1438275" cy="1438275"/>
+          </a:xfrm>
+          <a:prstGeom prst="rect">
+            <a:avLst/>
+          </a:prstGeom>
+          <a:noFill/>
+          <a:extLst>
+            <a:ext uri="{909E8E84-426E-40DD-AFC4-6F175D3DCCD1}">
+              <a14:hiddenFill xmlns:a14="http://schemas.microsoft.com/office/drawing/2010/main">
+                <a:solidFill>
+                  <a:srgbClr val="FFFFFF"/>
+                </a:solidFill>
+              </a14:hiddenFill>
+            </a:ext>
+          </a:extLst>
+        </p:spPr>
+        <p:txBody>
+          <a:bodyPr vert="horz" wrap="square" lIns="91440" tIns="45720" rIns="91440" bIns="45720" numCol="1" anchor="t" anchorCtr="0" compatLnSpc="1">
+            <a:prstTxWarp prst="textNoShape">
+              <a:avLst/>
+            </a:prstTxWarp>
+          </a:bodyPr>
+          <a:lstStyle/>
+          <a:p>
+            <a:endParaRPr lang="en-US"/>
+          </a:p>
+        </p:txBody>
+      </p:sp>
+      <p:pic>
+        <p:nvPicPr>
+          <p:cNvPr id="1029" name="Picture 5"/>
+          <p:cNvPicPr>
+            <a:picLocks noChangeAspect="1" noChangeArrowheads="1"/>
+          </p:cNvPicPr>
+          <p:nvPr/>
+        </p:nvPicPr>
+        <p:blipFill>
+          <a:blip r:embed="rId3">
+            <a:extLst>
+              <a:ext uri="{28A0092B-C50C-407E-A947-70E740481C1C}">
+                <a14:useLocalDpi xmlns:a14="http://schemas.microsoft.com/office/drawing/2010/main" val="0"/>
+              </a:ext>
+            </a:extLst>
+          </a:blip>
+          <a:srcRect/>
+          <a:stretch>
+            <a:fillRect/>
+          </a:stretch>
+        </p:blipFill>
+        <p:spPr bwMode="auto">
+          <a:xfrm>
+            <a:off x="989730" y="5452404"/>
+            <a:ext cx="719138" cy="719138"/>
+          </a:xfrm>
+          <a:prstGeom prst="rect">
+            <a:avLst/>
+          </a:prstGeom>
+          <a:noFill/>
+          <a:ln>
+            <a:noFill/>
+          </a:ln>
+          <a:extLst>
+            <a:ext uri="{909E8E84-426E-40DD-AFC4-6F175D3DCCD1}">
+              <a14:hiddenFill xmlns:a14="http://schemas.microsoft.com/office/drawing/2010/main">
+                <a:solidFill>
+                  <a:schemeClr val="accent1"/>
+                </a:solidFill>
+              </a14:hiddenFill>
+            </a:ext>
+            <a:ext uri="{91240B29-F687-4F45-9708-019B960494DF}">
+              <a14:hiddenLine xmlns:a14="http://schemas.microsoft.com/office/drawing/2010/main" w="9525">
+                <a:solidFill>
+                  <a:schemeClr val="tx1"/>
+                </a:solidFill>
+                <a:miter lim="800000"/>
+                <a:headEnd/>
+                <a:tailEnd/>
+              </a14:hiddenLine>
+            </a:ext>
+          </a:extLst>
+        </p:spPr>
+      </p:pic>
+      <p:pic>
+        <p:nvPicPr>
+          <p:cNvPr id="7" name="Picture 3"/>
+          <p:cNvPicPr>
+            <a:picLocks noChangeAspect="1" noChangeArrowheads="1"/>
+          </p:cNvPicPr>
+          <p:nvPr/>
+        </p:nvPicPr>
+        <p:blipFill>
+          <a:blip r:embed="rId4">
+            <a:extLst>
+              <a:ext uri="{28A0092B-C50C-407E-A947-70E740481C1C}">
+                <a14:useLocalDpi xmlns:a14="http://schemas.microsoft.com/office/drawing/2010/main" val="0"/>
+              </a:ext>
+            </a:extLst>
+          </a:blip>
+          <a:srcRect/>
+          <a:stretch>
+            <a:fillRect/>
+          </a:stretch>
+        </p:blipFill>
+        <p:spPr bwMode="auto">
+          <a:xfrm>
+            <a:off x="2413274" y="5307917"/>
+            <a:ext cx="1008112" cy="1008112"/>
+          </a:xfrm>
+          <a:prstGeom prst="rect">
+            <a:avLst/>
+          </a:prstGeom>
+          <a:noFill/>
+          <a:ln>
+            <a:noFill/>
+          </a:ln>
+          <a:extLst>
+            <a:ext uri="{909E8E84-426E-40DD-AFC4-6F175D3DCCD1}">
+              <a14:hiddenFill xmlns:a14="http://schemas.microsoft.com/office/drawing/2010/main">
+                <a:solidFill>
+                  <a:schemeClr val="accent1"/>
+                </a:solidFill>
+              </a14:hiddenFill>
+            </a:ext>
+            <a:ext uri="{91240B29-F687-4F45-9708-019B960494DF}">
+              <a14:hiddenLine xmlns:a14="http://schemas.microsoft.com/office/drawing/2010/main" w="9525">
+                <a:solidFill>
+                  <a:schemeClr val="tx1"/>
+                </a:solidFill>
+                <a:miter lim="800000"/>
+                <a:headEnd/>
+                <a:tailEnd/>
+              </a14:hiddenLine>
+            </a:ext>
+          </a:extLst>
+        </p:spPr>
+      </p:pic>
+      <p:sp>
+        <p:nvSpPr>
+          <p:cNvPr id="5" name="AutoShape 2" descr="data:image/jpeg;base64,/9j/4AAQSkZJRgABAQAAAQABAAD/2wCEAAkGBxISEhQUEhASFBQWEBMSEhYQDA8UFRUQFRQWFhYVFhUYHCggGBolGxUWITIiJSkrLi4uGB8zODQtNygtLisBCgoKDg0OGxAQGi8mICQtLCwsMCwsLCwsLywtLSwsLCwvLCwsLCwsLC8sLCwtLCwsLCwsLCwsLCwsLCwsLCwsLP/AABEIAOEA4QMBEQACEQEDEQH/xAAcAAEAAQUBAQAAAAAAAAAAAAAABwECBAUGAwj/xABOEAABAwIACQYHDQUGBwAAAAABAAIDBBEFBhITITFBYZEHUVJxgaEUFiIyYnKSM0JUgpOisbKzwdHS0yM0NUNzFRdTwuHwJCVjdISjw//EABoBAQACAwEAAAAAAAAAAAAAAAABBAIDBQb/xAA1EQEAAQMBBAYJBAMBAQAAAAAAAQIDEQQSITFRBRNBgbHRMlJhcZGhweHwFBUiMyM0QvFD/9oADAMBAAIRAxEAPwCcUHK4zY5x0xMcQEso0HT5DD6RGs+iO0hVruoijdG+XU0fRld6NuvdT85/ObgcIYy1cx8uoeB0Y3GNo3Wbr7bqlVerq4y7trRWLcfxojv3+P0ax0zjrc49biVrzKxFMR2KZw9I8SmZTiORnD0jxKZkxHIzh6R4lMyYjkZw9I8SmZMRyM4ekeJTMmI5GcPSPEpmTEcjOHpHiUzJiORnD0jxKZkxHIzh6R4lMyYjkZw9I8SmZMRyM4ekeJTMmI5GcPSPEpmTEcjOHpHiUzJiORnD0jxKZkxHIzh6R4lMyYjkZw9I8SmZMRyM4ekeJTMmI5GcPSPEpmTEcjOHpHiUzJiORnD0jxKZkxHIErukfaKZkxHJn0OHqqE3jqJBuc8vb7LrhZ03a6eEtFzSWLkfyojw+cO4xcx7ZIRHUhsbzoD2+5k8zr+YeI6lctaqJ3VOLq+iaqI2rW+OXb93aq24wg5TH3GE00YjiNppAdI1sj1F3WdQ7TsVbUXdiMRxl1OjNHF6vbr9GPnPLzRXdc56YQEFEFjp2DW5vtBMIzCzwtnSHApiTag8MZ0u4qcSbUKeGR9LuKjEm1CvhjOl3FTiTag8MZ0u4piTahTwyPpdxTEm1CvhjOl3FMSbUHhkfS7imJNqDwyPpdxTEm1B4YzpdxTEm1B4ZH0u4piTah6RyBwuDcdRUJicr0BAQEBAQEBBRBIvJ1jEX/8ADSuuWtvC4nSWDWw7wNI3X5le013P8J7nA6V0cU/5qI9/n+dvvd2rjiIUxrrjNVzPJ0CQxt3MjOSLddie1cm9VtVzL2GitRbsU0+zPx3/AGapa1pjz1jGazc8w+/mU4RNUNjgvF/CFVYw05Yw+/l8htucF2lw3tBW2ixVVwhSva+zb41d0b5/Pe6eh5KHO01NYd7YI72O57/yqxTpecudc6X9Sn4z9I829puTHB7R5TZpN76l7Sfk8kLbGnohVq6U1E8JiO7zyzo8QsGgWFI340szjxLll1Fvk1Tr9RP/AF4L/EbB3wOP2pPzJ1Nvkj9dqPXk8RsHfA4/ak/MnU2+R+u1HryeIuDvgcftSfmTqbfI/Xaj15PEbB3wOP2pPzJ1NvkfrtR68niNg74HH7Un5k6m3yP12o9eTxFwd8Dj9qT8ydTb5H67UevJ4jYO+Bx+1J+ZOpt8j9dqPXk8RsHfA4/ak/MnU2+R+u1Hryw8K4sYJponSzU0bWNFzpkJJ2NaMrSSdACiq3bpjMwztarVXKoppqnMoiqsieVz44GwRXsyNpJ8karknS7nPYFz66omd0PSWLVVNOKpzPP87GUFrWFUBAQemL+A6mtdKIZGDNkZWdeW6HFwFrNPRK3W7U18FLUaumxjazv5N1/d1hH/ABab5eT9JbP01fs/O5W/dbXt+EebBw3ifW0sLppZYSxpaDm5Xl3lODRYGMDWRtWNViqmMy2WekKLtcUU5z7o82qp3Xa0nXYKvLoxweqJEHvQVjoZGSt1seHjfY6R2i47VNNWzMSwuW4uUTRPbGE2f2rD0wuvtw8d1FfJBVTMAXOcdbieskrkcZeyjEQy8A4v1Vef2Tc3DezpX3DdGsDa47h2kLbbszUp6nW0Wd08eX5wSbi9iPSUgDgzOyj+ZMASD6DdTOsad5V6izTS4N/XXbs4ziOUfm90mUVtVMQ1lfjFSwHJlqomOGtplBcPii57lhNymN0y3Uae5XGaaZYTcesHONhVtB9KOZo4ltlHXUc2f6G/G+afBt6LCMUwyoZmSDnjla63XY6FlFUTwlprt1UTiqMe9lNOlZMJhV5SUQtyjzonC5hSESo5yJiFMo86GF7CkMZYlfXshjdLK/JY0XcT9AG0k6ABrKiaoiMy20W5rqimmN8oWxmxglwjLc3ZAwnNMv8AOdzvI4DQNpPOu3Zrl6XR6OmzT7e2fp7mI0W0BaF8QEBAQddyPe6VnVF9aVXdLxnu+rhdL8Ke/wCiTVbcVy/KZ/DpvWh+3jWnUf1z3eK70f8A7FPf4Siil8xvqhc6XqY4PRQkQEGx/tCTpLZty0dTTybXE/El1SRUVYIiveOPSDINhO1rO924a7FqxnfVwczWa/Z/hRx58vv4eEoxRNY0Na0Na0ANa1oAAGoADUFc3OJMzM5lbhCujghdLK8MY0XcT12AA2knQANZKTVFMZkooqrrimmN8ohxix0qaxxZCXQQarNdZ7h6bh9UaOe6oXL81cOD0Ol6Pot76t8/Lu/Pg56OiYNdz22HAKvl0tmF5pWdHvKZNmFscDmOD4pHMeNRa8gjqcNIUxVMMarVNUYl2uLHKJJG5sdcMpuoTNb5Q9do0OG8adxVu3qOypx9V0ZGM2vh5JNbM14a5jg5rmhzXNcCC06iCNYVvMS4uJpnEqoLo9amESsnvY5NsrZlXtffZRKacdqP8N491dJJm56GNp1tIqHlj29JjsnSO8bQFWrvVUziYdSzoLV2naor+X3YbeVOa2iib8rJ+VY/qp5Nv7RHrT8HO4xYx1GEHNEjc1EzSI2l1sra4kjynbNw6zfTcvTWvaXRU2eG+ebCaABYalpXlbqEl0C6BdAug6/ke90rOqL60iu6XjPd9XC6X4U9/wBEmq24rl+Uz+HTetD9vGtOo/rnu8V3o/8A2Ke/wlE9KfIb1Bc6XqY4PS6hJdAug97rJgnILrPGqoIg5Q8POq6nMMd+wgcQbanzDQ52+2lo+Mdqo6i5tTiOx3+jtLFFG3PGflDRNFhYalWdVVQCAgtkYHCxCkne3WJGM7qGUQyuJpnnb/KcT57d3SHaNN72bN7Z3TwczXaOLsbVPpR8/Z5fD3TECDpBuDpBB0EK8889I9amGMrXa1CYa7DmB4quIxStuDpa4WymP2Oadh+nUdCxrpiuMS3Wb1VqrapQrhDB8lJO6nl1jSxw1OafNcNx7iCNi5tyiaZxL0+nv03aIqj89ii1rAgICAgICDr+R73Ss6ovrSK7peM931cPpfhT3/RJytuK5flM/h03rQ/bxrTqP657vFd6P/2Ke/wlEtN5jeoLnS9RHB6qEiAg91kwTqGLrYeNy1ONuETS0c0wIDmstH/VeQxnznA9iwuTs0zLfprfW3aaPj7u1B9EyzbnWdPZsXLl6ymMQyFDIQEBAQWTRhwtw3FSiYykHkrw+ZGupJT5cQyoSdsINiz4pItucOZXtPXmNl5/pLT7FXWR28ff90hMbZWnKmRzFBEqZtMJy4/lOwDn6UytH7WAGQW1uh/mN7AMoervWm/b2qc8l7o/UbF3ZnhVu7+zyRZTS5TQduo9a50vTROYeihK2WTJF/oUomcMc17eY8W/imEbR4e3fxb+KG0eHt38W/ihtHh7d/Fv4obTuuRtwMlXbownXzukVzS8Z7nF6W4Ud/0SerbiuW5TT/y6b1oPt41p1H9c93iu9Hf7FPf4ShyKtaABzDnH4rnPTxK/w9u/i38UNo8Pbv4t/FDaPD27+LfxQ2np/ajOY8W/ipRl9CCRdbLxuHC8r9URSRsHv6gE72sY4/SWnsVfUz/GIdLouj/LM8oRywWAHMLKg9GqoBAQEBAQVo611NURVDNbHgkdIanN7Wkt7Vst1bM5aNRai5RNM9qfKWpbI1r2G7XND2kbWuAIPArqROd7yNVM0ziV5emTBnNyZNlUWIII0aiDtClE7nz/AFtF4NUzwbGSODdN/I1s7chzVyrlOzVMPXae51luKucfPt+ai1rDxrPN7R9Kyjixq4JuxVib4FS+S390g96P8Nq6dr0I90PJ6mZ66v3z4tpmW9BvsBZ4aMyZlvQb7AQzJmW9BvsBMG1K5rANQA6gAhmVyIUc0HWAesXQWZlvQb7ATCcyZlvQb7AQzJmW9BvsBMGZMy3oN9gJgzJmW9BvsNTBmVAoZI75YT5NLzZU3/z/ANVW1PCHV6K9Kru+rh1Sd4QEBAQEBBZO27SN3eiJ4JW5LcIZ2ia0m5he6L4uh7ewB1viro6erNHueZ6Rt7N7PPe6t2tblKFESvjSGMof5TafIwg14GiSCNxPO4F8Z7mtVHUx/J6HoyrNrHKZc+qzqPGr83tCmGNXBOWKf7jSf9pB9m1dO16Ee6HktV/dX758W1WbQICAgICAgICAgIPEKGbg+V+K9PA/mnLfaYT/AJFX1PCHT6Ln/JVHs+qPgVRd9VAQEBAQEC6DsuR6oyZqmK+tjZAPUcWk/wDsbwVzSzvmHF6Wo3U1e3H58EmO1q240KIl6RoxlFvK4P21KfQeOD2/iqep4w7fRXCr3w5BVHZec7SRYc4UwiYzDaUuNOEY2NjZUlrGNaxjc3AbMaLAXLLnQNq2ReriMRPgp1aGzVM1TTvn2z5vXxxwn8LPyVN+mp6+vn4I/b7HqfOfM8ccJ/Cz8lTfpp19fPwP2+x6nznzPHHCfws/JU36adfXz8D9vser8583YcmWHqmqfUComMmQ2LJuyJtiS8HzWi+oa1Z09yqrOZczpHT27UU7EYznn7ObvVZctoMe6+WnopZYX5EjXRBrg1ptlSsadDgRqJ2LVeqmmiZha0Vum5eimqMxv8JRg3HLCZF/Czp/6NN+mqXX18/B3f2+x6nznzV8ccJ/Cz8lTfpp19fPwP2+x6vznzPHHCfws/JU36adfXz8D9vsep858zxxwn8LPyVN+mnX18/A/b7HqfOfNf424U+Fn5Km/TU9dXz8EfoNP6nznzTIAVfecc5yh0ZkoJtGmMNmGjYw3d8zKWu9GaJW9DXs36fbu+P3RBTuu0cOC50vTRweihIgICAgICDo+TCS2ESOlBIPqO/yqzpvT7nL6Uj/AA98JdeDdXnAhSx5lCV8aljKKOVie9XBHtbDln48jvyKnqZ3w7vRVP8ACauc+H/rlFUdcQEBAQEHbcjvulX1Q/WkVzS8Z7vq4nS3Cjv+iTlccVy/KZ/DpvWh+2jWjUf1z3eK70f/ALFPf4SiCDzR1LnvTxwXqEiAgyFkwT0HhdV4/C2UNc0tdpa4FrgdrSLEcEIzE5hAFbQupp5adxuWPIBPvm62u7WlpXLrp2Zw9ZYuxcoiuO38lRYN4gICAgICDoeTJl8JA80Eh7mj71Y03puZ0pP+HvhMReFfeewZYQwqDdBBONeEPCa+eQG7GuzbPVjGRcbiQ53xlzr1W1VMvUaK11dmmO/4sFaVwQEBAQEHbcjnulX1Q/WkVzS8Z7vq4nS3Cjv+iTlccVy/KZ/DpvWh+2jWjUf1z3eK70f/ALFPf4Sh+DzR1LnvTxweihIgogyVkwToF1HkVUHA8qeL5extZGPKjGRMBtiv5L/ikm+53oqvqKMxtQ6fRuo2auqnt4e/7/nFHkb7i/8Au6pO7ErkBAQEBAQdpyQUuVPUTW0NjEYO97so90Y4q1po3zLj9K1/xpp9ufz4pMdrVtx4UQc9jzh7wSkfkutLJeOHnBI8p/xQb9ZaNq13a9mn2rOksdbdjPCN8+XehymjyWrnPTw9UBAQEBAUDt+Rz3Sr9WH60iuaXjPd9XF6W4Ud/wBEnq44rl+Uz+HTetD9tGtGo/rnu8V3o/8A2Ke/wlD0PmjqXPenjgvQEBQMhZMU6hdR5FVBc5oLSCAQQQQRcEHWCE7EdqG8c8WHUUhkjBdTvdo25tx9477jt1a9dC9a2ZzHB6HR6uLsbM+l4+3zaFrgdS0ugqgICAg8532G8oiZTNiHgc0tKxrhaR95ZRtDnWs07w0NHWCujZo2aXmNbe625MxwjdDfO1rYrwxcI10cEbpZXBrGi5P0ADaSdAG1RVVFMZlnRRVXVFNPFCmHsMPrZzK+4aPJjZfQ1g1Dr2k7TusufcrmucvSabTxao2Y72ItayICAgICAg3uIeM8NC+cysldnMgNzTYzbJLyb5Tm9ILfZuRRnLna7S139mKZjdnj/wCS7D+9Kj/war5On/VW/wDU08p+Xm5/7Vd5x8/Jp8b8fKarpJII452ucYyDIyEN8iRrzctkJ1NOxa7l+munEQ36XQXLV2K6pjG/hnl7nDw+aOpVXajgvQEBBkKWCdWnR2LpvJqqUPT3qI7WPUQte1zHtDmuBa5rgCCDsIUTGWdMzTOYRnjLiBJETJR3kZrMRN5G+rfzx87rVS5YmN9LsabpCJ3XN08+z7eHucXnrEtcC1wNnAggg8xGsHrVbDqRVExl6BwO0cUZBKDzfONmk6h1phEy77EXE12U2pqm2tZ0UThpytYe8bLaw06b6Tq027Nn/qXH1utzE0W598/SEkR61ahx5YeF8JxUzDJM8NaOLnbGtG07ljVVFMZlstW6rk7NMIdxnxjlr5NN2QtJzcd+zKdzvI7BqG0mjcuTXL0Ol0tNmPb2z+djVhalxW6BdAugXQLoF0C6ClhzDggWHMOCBYcw4IKoF0C6BdBkXUsG9xTx1fSHM1AdJBezSNL4hf3vSZ6OsbOZWLd7Z3Twc/VaGLn8qN1Xyn7/AJ7UrYPrIZ2CSF7ZGHUWnbzEawdx0q3ExMZhw66K6J2aoxLKAWTBTJChOZMgIZlrsLYBpqr3eBjzawcRZ4G57bOHFY1UU1cYbbV+5a9CrHh8HMVXJfRuN2S1Ee4Pjc35zb961Tp6excp6TuxxiJ/Pe8ouSumv5VTUEczcy3vySojTU80z0pc7KY+fm6PA2KdHSnKigGX05CXvHUXeb8Wy2026aeEKt3VXru6qd3Lg3WSFmr5lpcaMYoaGPLf5T3XEUbT5TyPqtGi7vpJAOFdcURlv0+nrv1Yjh2yhvDGFJqyXOzuvsY0XDWN6LRsG/WdqoV1zVOZeisWKLVOzT/6xwsG8QEBAQEBAQEBAQEBAQEBBkLJix5BpPWViyjg9KCsmp3ZcEro3bcl2scxGpw3EFZU1TTwarlmi5GKoy7LBnKfI0BtTTh46cLsl3aw6D2EdSsU6me2HNudFxxoqx7/ADdJR4+0MlrzOjPNLE8cXNu3vW2L1E9qnVob1PZn3NlHjJRu1VlP21UYPAlZdZRzap012P8Aifg9psYaMDTWUw/8yH8ymblPOGNOnuz/AMT8JZrH3AINwQCCDoIOorJhhc06URK6QqZRDGrKtsUb5HmzWMc93qtFzbesZnEZlnTRNVUUx2oMwthKSrmdNKdJNmtvcNaNTBuHebnaufXVNU5l6axZptURTDHWDcICAgICAgICAgICAgICAgIMlZMGO/WesrFnC1AQWlg5kFM0N/FTlGGwxYwYKishiIu0vypP6bAXOB3Gwb8ZZ26dqqIV9Vc6u1NUdydLroPNqt1oiVZVMkOa5QpCMHz225pp6jKwHuWm9OKJW9FETfpz7fCUPxagqD0cLkBAQEBAQEBAQEBAQEBAQEBBkrJgxn6z1lYsoURIgICDquStgNbIealfbtkiF+H0qxp/S7nN6Sn/ABRHt+kpXVxxFW60JXSa0RDEr6Rk0b4ni7XsLXW12O0bxr7FExmMSzormiqKo7EI4ZwVJSTOilG9jgPJezY4bt2w3C59dE0ziXpLF6m7TtQxLrBvEBAQEBAQEBAQEBAQEBAQEGQsmtjv1nrKxZxwW3RJdAugXQbzEKvbBXxlxs2QOgJJ1Zdi357WDtW6zVitS11ua7M47N/w+yac3vV557KoZvQyq5t1KIlbm96hOWuw9gCKriMco5yx7QMpjucfeNRWNdEVRiW2zfqtVbVKGsPYDnopMiZt2knNyNByHjdzHnadI3jSaNduaZ3vQ2NRRepzT8O2GACtbeXRJdAugXQLoF0C6BdAugXQLoF0C6BdAugyVk1sd+s9ZUM44LUBBQuCBljnQWSEH/ZREpcxExt8JYIpXDPsbrP81o98PS5x29V21d2oxPFwdZperq2qfRn5fnY64SLdlRwq99kIhbnEynC5j7oiYYuEqSOdjopY2vY7W1w4EHWCNhGkKJiJjEs7dVVE7VM4lFONWJUlLeSG8kGs7Xxj0gNbfSHbbWadyzNO+ODt6bWxc/jVun5S5drrrSvqoCAgICAgICAgICAgICDJUsGLI/SesqGUcGzwXi9V1NjFA7JPv3Way3OHOsD2XWdNuqrhDRc1Nu36UuooeTCQgGeqa3nbFG559txFuBW6NPPbKlX0nHCmn4+X3bqm5PKJvnZ2T1pQ36gCzixSr1dIXp4Yj89rPixMoG6qYH1pZnfS5ZRaojsap1l6f+vB7vxQoBp8Ej+d+KnqqOTGNXe9aVYcWqNjg5tNG1zSC1wDgQRqIN9CmLdMdiJ1F2YxNUtw3WsmhWVTJCxQlfHrUwiVHa1BC1EuCxwxFyg6ekbZwuXwtGh2+PmPo6jssdBr3LOd9LpaXXY/hc+Pmjlruw7QedVXYVRIgICAgICAgICAgICDJUsEr4ExOpaezizOya8uUA2Pos1N69J3q7TappcG7q7lzdnEex0V1sVXoPNUo7WmwrjHS09xLO0OHvG3e/ta25HbZa6rlNPGVi3p7lz0YcvW8pkY0Q07375JGs7bNDr9y1TqI7IXKOjap9Kr4b/JqqjlKq3HyIado3slceOWB3LCdRU3U9G244zPy8nh/eJW9GD5F351HX1sv2617fj9mVTcpdQPPghd6okZ3lzvoWUairthhV0bRPCZ8fJuaLlMp3kCaGSI20lpbK0cLO+as41ETxV6+ja49GYn5fnxdfR1ccrA+N7XsOpzTcf6Hct0TExmFGqmaZxVG9kxa1kwlR+tQmFqD1iUolwePmKIlDqiBtpQLyNaPdAPfAdMd/Xrr3bWd8Olo9XsTsV8Oz2fZGbXXVR2VUSICAgICAgICAgICDJWTWnrJK6DzDV4ew7DRsypnWJvkMbpe8jot5t50BY11xTG9us2K7s4pRlh/HaqqbtY4wRdGJxDnD05NZ6hYdaqV3qqnXs6K3b3zvn2+Tmg1al1cgICAgEIM/AuG56R+VC/QfOY7Sx3rN+8WO9Z01zTwab1ii7GKoStirjdBV+TfNzW0xuOvnMbvfjvHMrdu7FXvcTUaSu1v4xz83QPbpW1WhTJPMoHpGpRLzySoSijlHwD4PMJmNtHM43AGhs2tw6iLuHU7cql6jE5h29Bf26dmeMeDkloXxAQEBAQEBAQEBAQZKyYJhxsxnZRRXsHSuBETCdZ2ud6I79W8XblyKIcDTaab1Xs7UNV1ZJPI6WZ5e92snm2ADYBsAVGqqZnMu/RRTRTs0xueKhmICAgICAgIKbQQSCCCCCQQRpBBGo70EiYnY/m4hrHbmTnR2S/n486tW73ZU5Oq0H/AFa+Hl5JFzgVlysKh10MKZwIYajG3B4qaSaK13ZGXH/VZ5TeJFuolYXI2qZhv01zq7sVfH3IMaVz3pFyAgICAgICAgICBdBneDP6J4LPEtW3TzZuPWd8PqBKblslma7CG2VGB8Vw7brK9nbnLVotnqKZp/J7WiWpaEBAQEBAQEBAQEEgcnWMxuKWZ1xqgcdhH8snm5uHMFZs3P8AmXK12m/+lPf5+aSI1ZhypeaJVBQQPhunzVRMy1g2aRo9UPOT3WXPqjEzD0lmrat0z7IYSxbRAQEBAQEBAQEHpTU7pXsjZ50j2xt9Z5DR3lTEZnCKqopiap4RvT54q0/N9C6fVw8r+qrczysYtOlYKuJt3xtyZgBpdCLkPHOWknsJ5lp1FvMbULvRmpiieqq4Tw9/3RJdUXdFIICAgICAgICAgujkLXBzTZwILSNYcDcEdRRExExiU+YErM9BHLa2XG15HM4gXHYbhdCicxl5q7RsVzTyeyIEEL48NtXVHrg8WNP3qld9OXf0n9NP52tGsFgQEBAQEBAQEBBI3JNi0XP8MlbZjLtpwR5zzdrpOoC4G8nmVrT28zty5PSepiKepp4zx8ksK44QgjXHHk1y3OmoslpNy6AkNaTzxu1N9U6N4VW7p876XY0nSezGxd+Pn+Z96MsIUMsDsmeJ8TuaRhbf1SdDhvF1Uqpmni7Nuum5GaJz7mPdYshSCAgICAgICAgmfk7eTQQ32GUdglfZXLM/whwddGL893hDfLYrCCGMe3Xr5/WYOETB9ypXfTl3tJ/TT+dstCsFkQEBAQEBAUD0pYHyuyImOkd0Y2Oe7g3SpiM8EVVRTGapxHtSHinyZyOIkrvIYNIha4F7vXc3Q0bgb7wrVvT531OVqek6YjZs755+SVYo2taGtaGtaA1oaAAGgWAAGoK44czMzmV6IEBBrcYvcH9Sxr4Ntn04fP8Ahj3V3WubXxeps+hDCWLYICAgICAgICCZuTj9wi9ab7Z6uWPQ+Pi4eu/vnu8IdA/WtqrC1QlCmOP77Uf1T9ypXPTl3tL/AE0tMsG8QEBAQEBB7Unnt61McWNXCU9Ylfu4XRt8HmNV6bfrYrCAg//Z"/>
+          <p:cNvSpPr>
+            <a:spLocks noChangeAspect="1" noChangeArrowheads="1"/>
+          </p:cNvSpPr>
+          <p:nvPr/>
+        </p:nvSpPr>
+        <p:spPr bwMode="auto">
+          <a:xfrm>
+            <a:off x="155575" y="-144463"/>
+            <a:ext cx="304800" cy="304801"/>
+          </a:xfrm>
+          <a:prstGeom prst="rect">
+            <a:avLst/>
+          </a:prstGeom>
+          <a:noFill/>
+          <a:extLst>
+            <a:ext uri="{909E8E84-426E-40DD-AFC4-6F175D3DCCD1}">
+              <a14:hiddenFill xmlns:a14="http://schemas.microsoft.com/office/drawing/2010/main">
+                <a:solidFill>
+                  <a:srgbClr val="FFFFFF"/>
+                </a:solidFill>
+              </a14:hiddenFill>
+            </a:ext>
+          </a:extLst>
+        </p:spPr>
+        <p:txBody>
+          <a:bodyPr vert="horz" wrap="square" lIns="91440" tIns="45720" rIns="91440" bIns="45720" numCol="1" anchor="t" anchorCtr="0" compatLnSpc="1">
+            <a:prstTxWarp prst="textNoShape">
+              <a:avLst/>
+            </a:prstTxWarp>
+          </a:bodyPr>
+          <a:lstStyle/>
+          <a:p>
+            <a:endParaRPr lang="en-US"/>
+          </a:p>
+        </p:txBody>
+      </p:sp>
+      <p:pic>
+        <p:nvPicPr>
+          <p:cNvPr id="2051" name="Picture 3"/>
+          <p:cNvPicPr>
+            <a:picLocks noChangeAspect="1" noChangeArrowheads="1"/>
+          </p:cNvPicPr>
+          <p:nvPr/>
+        </p:nvPicPr>
+        <p:blipFill>
+          <a:blip r:embed="rId5" cstate="print">
+            <a:extLst>
+              <a:ext uri="{28A0092B-C50C-407E-A947-70E740481C1C}">
+                <a14:useLocalDpi xmlns:a14="http://schemas.microsoft.com/office/drawing/2010/main" val="0"/>
+              </a:ext>
+            </a:extLst>
+          </a:blip>
+          <a:srcRect/>
+          <a:stretch>
+            <a:fillRect/>
+          </a:stretch>
+        </p:blipFill>
+        <p:spPr bwMode="auto">
+          <a:xfrm>
+            <a:off x="446087" y="3200556"/>
+            <a:ext cx="719138" cy="719138"/>
+          </a:xfrm>
+          <a:prstGeom prst="rect">
+            <a:avLst/>
+          </a:prstGeom>
+          <a:noFill/>
+          <a:ln>
+            <a:noFill/>
+          </a:ln>
+          <a:extLst>
+            <a:ext uri="{909E8E84-426E-40DD-AFC4-6F175D3DCCD1}">
+              <a14:hiddenFill xmlns:a14="http://schemas.microsoft.com/office/drawing/2010/main">
+                <a:solidFill>
+                  <a:schemeClr val="accent1"/>
+                </a:solidFill>
+              </a14:hiddenFill>
+            </a:ext>
+            <a:ext uri="{91240B29-F687-4F45-9708-019B960494DF}">
+              <a14:hiddenLine xmlns:a14="http://schemas.microsoft.com/office/drawing/2010/main" w="9525">
+                <a:solidFill>
+                  <a:schemeClr val="tx1"/>
+                </a:solidFill>
+                <a:miter lim="800000"/>
+                <a:headEnd/>
+                <a:tailEnd/>
+              </a14:hiddenLine>
+            </a:ext>
+          </a:extLst>
+        </p:spPr>
+      </p:pic>
+      <p:pic>
+        <p:nvPicPr>
+          <p:cNvPr id="2052" name="Picture 4" descr="C:\Users\guyomarch\Desktop\Hackathon\github\template\images\amazon.jpg"/>
+          <p:cNvPicPr>
+            <a:picLocks noChangeAspect="1" noChangeArrowheads="1"/>
+          </p:cNvPicPr>
+          <p:nvPr/>
+        </p:nvPicPr>
+        <p:blipFill>
+          <a:blip r:embed="rId6">
+            <a:extLst>
+              <a:ext uri="{28A0092B-C50C-407E-A947-70E740481C1C}">
+                <a14:useLocalDpi xmlns:a14="http://schemas.microsoft.com/office/drawing/2010/main" val="0"/>
+              </a:ext>
+            </a:extLst>
+          </a:blip>
+          <a:srcRect/>
+          <a:stretch>
+            <a:fillRect/>
+          </a:stretch>
+        </p:blipFill>
+        <p:spPr bwMode="auto">
+          <a:xfrm>
+            <a:off x="1629296" y="2348880"/>
+            <a:ext cx="1071562" cy="1071562"/>
+          </a:xfrm>
+          <a:prstGeom prst="rect">
+            <a:avLst/>
+          </a:prstGeom>
+          <a:noFill/>
+          <a:extLst>
+            <a:ext uri="{909E8E84-426E-40DD-AFC4-6F175D3DCCD1}">
+              <a14:hiddenFill xmlns:a14="http://schemas.microsoft.com/office/drawing/2010/main">
+                <a:solidFill>
+                  <a:srgbClr val="FFFFFF"/>
+                </a:solidFill>
+              </a14:hiddenFill>
+            </a:ext>
+          </a:extLst>
+        </p:spPr>
+      </p:pic>
+      <p:pic>
+        <p:nvPicPr>
+          <p:cNvPr id="2053" name="Picture 5" descr="C:\Users\guyomarch\Desktop\Hackathon\github\template\images\paypal.jpg"/>
+          <p:cNvPicPr>
+            <a:picLocks noChangeAspect="1" noChangeArrowheads="1"/>
+          </p:cNvPicPr>
+          <p:nvPr/>
+        </p:nvPicPr>
+        <p:blipFill>
+          <a:blip r:embed="rId7">
+            <a:extLst>
+              <a:ext uri="{28A0092B-C50C-407E-A947-70E740481C1C}">
+                <a14:useLocalDpi xmlns:a14="http://schemas.microsoft.com/office/drawing/2010/main" val="0"/>
+              </a:ext>
+            </a:extLst>
+          </a:blip>
+          <a:srcRect/>
+          <a:stretch>
+            <a:fillRect/>
+          </a:stretch>
+        </p:blipFill>
+        <p:spPr bwMode="auto">
+          <a:xfrm>
+            <a:off x="3059832" y="2984969"/>
+            <a:ext cx="1233488" cy="923925"/>
+          </a:xfrm>
+          <a:prstGeom prst="rect">
+            <a:avLst/>
+          </a:prstGeom>
+          <a:noFill/>
+          <a:extLst>
+            <a:ext uri="{909E8E84-426E-40DD-AFC4-6F175D3DCCD1}">
+              <a14:hiddenFill xmlns:a14="http://schemas.microsoft.com/office/drawing/2010/main">
+                <a:solidFill>
+                  <a:srgbClr val="FFFFFF"/>
+                </a:solidFill>
+              </a14:hiddenFill>
+            </a:ext>
+          </a:extLst>
+        </p:spPr>
+      </p:pic>
+      <p:pic>
+        <p:nvPicPr>
+          <p:cNvPr id="13" name="Picture 3"/>
+          <p:cNvPicPr>
+            <a:picLocks noChangeAspect="1" noChangeArrowheads="1"/>
+          </p:cNvPicPr>
+          <p:nvPr/>
+        </p:nvPicPr>
+        <p:blipFill>
+          <a:blip r:embed="rId8">
+            <a:extLst>
+              <a:ext uri="{28A0092B-C50C-407E-A947-70E740481C1C}">
+                <a14:useLocalDpi xmlns:a14="http://schemas.microsoft.com/office/drawing/2010/main" val="0"/>
+              </a:ext>
+            </a:extLst>
+          </a:blip>
+          <a:srcRect/>
+          <a:stretch>
+            <a:fillRect/>
+          </a:stretch>
+        </p:blipFill>
+        <p:spPr bwMode="auto">
+          <a:xfrm>
+            <a:off x="5571143" y="2141788"/>
+            <a:ext cx="3435471" cy="2610285"/>
+          </a:xfrm>
+          <a:prstGeom prst="rect">
+            <a:avLst/>
+          </a:prstGeom>
+          <a:noFill/>
+          <a:ln>
+            <a:noFill/>
+          </a:ln>
+          <a:effectLst/>
+          <a:extLst>
+            <a:ext uri="{909E8E84-426E-40DD-AFC4-6F175D3DCCD1}">
+              <a14:hiddenFill xmlns:a14="http://schemas.microsoft.com/office/drawing/2010/main">
+                <a:solidFill>
+                  <a:schemeClr val="accent1"/>
+                </a:solidFill>
+              </a14:hiddenFill>
+            </a:ext>
+            <a:ext uri="{91240B29-F687-4F45-9708-019B960494DF}">
+              <a14:hiddenLine xmlns:a14="http://schemas.microsoft.com/office/drawing/2010/main" w="9525">
+                <a:solidFill>
+                  <a:schemeClr val="tx1"/>
+                </a:solidFill>
+                <a:miter lim="800000"/>
+                <a:headEnd/>
+                <a:tailEnd/>
+              </a14:hiddenLine>
+            </a:ext>
+            <a:ext uri="{AF507438-7753-43E0-B8FC-AC1667EBCBE1}">
+              <a14:hiddenEffects xmlns:a14="http://schemas.microsoft.com/office/drawing/2010/main">
+                <a:effectLst>
+                  <a:outerShdw dist="35921" dir="2700000" algn="ctr" rotWithShape="0">
+                    <a:schemeClr val="bg2"/>
+                  </a:outerShdw>
+                </a:effectLst>
+              </a14:hiddenEffects>
+            </a:ext>
+          </a:extLst>
+        </p:spPr>
+      </p:pic>
+      <p:pic>
+        <p:nvPicPr>
+          <p:cNvPr id="14" name="Picture 2" descr="Race for Life"/>
+          <p:cNvPicPr>
+            <a:picLocks noChangeAspect="1" noChangeArrowheads="1"/>
+          </p:cNvPicPr>
+          <p:nvPr/>
+        </p:nvPicPr>
+        <p:blipFill>
+          <a:blip r:embed="rId9">
+            <a:extLst>
+              <a:ext uri="{28A0092B-C50C-407E-A947-70E740481C1C}">
+                <a14:useLocalDpi xmlns:a14="http://schemas.microsoft.com/office/drawing/2010/main" val="0"/>
+              </a:ext>
+            </a:extLst>
+          </a:blip>
+          <a:srcRect/>
+          <a:stretch>
+            <a:fillRect/>
+          </a:stretch>
+        </p:blipFill>
+        <p:spPr bwMode="auto">
+          <a:xfrm>
+            <a:off x="155575" y="46197"/>
+            <a:ext cx="2019300" cy="838201"/>
+          </a:xfrm>
+          <a:prstGeom prst="rect">
+            <a:avLst/>
+          </a:prstGeom>
+          <a:noFill/>
+          <a:extLst>
+            <a:ext uri="{909E8E84-426E-40DD-AFC4-6F175D3DCCD1}">
+              <a14:hiddenFill xmlns:a14="http://schemas.microsoft.com/office/drawing/2010/main">
+                <a:solidFill>
+                  <a:srgbClr val="FFFFFF"/>
+                </a:solidFill>
+              </a14:hiddenFill>
+            </a:ext>
+          </a:extLst>
+        </p:spPr>
+      </p:pic>
+    </p:spTree>
+    <p:extLst>
+      <p:ext uri="{BB962C8B-B14F-4D97-AF65-F5344CB8AC3E}">
+        <p14:creationId xmlns:p14="http://schemas.microsoft.com/office/powerpoint/2010/main" val="1876660904"/>
+      </p:ext>
+    </p:extLst>
+  </p:cSld>
+  <p:clrMapOvr>
+    <a:masterClrMapping/>
+  </p:clrMapOvr>
+  <p:timing>
+    <p:tnLst>
+      <p:par>
+        <p:cTn id="1" dur="indefinite" restart="never" nodeType="tmRoot"/>
+      </p:par>
+    </p:tnLst>
+  </p:timing>
+</p:sld>
+</file>
+
+<file path=ppt/slides/slide13.xml><?xml version="1.0" encoding="utf-8"?>
+<p:sld xmlns:a="http://schemas.openxmlformats.org/drawingml/2006/main" xmlns:r="http://schemas.openxmlformats.org/officeDocument/2006/relationships" xmlns:p="http://schemas.openxmlformats.org/presentationml/2006/main">
+  <p:cSld>
+    <p:spTree>
+      <p:nvGrpSpPr>
+        <p:cNvPr id="1" name=""/>
+        <p:cNvGrpSpPr/>
+        <p:nvPr/>
+      </p:nvGrpSpPr>
+      <p:grpSpPr>
+        <a:xfrm>
+          <a:off x="0" y="0"/>
+          <a:ext cx="0" cy="0"/>
+          <a:chOff x="0" y="0"/>
+          <a:chExt cx="0" cy="0"/>
+        </a:xfrm>
+      </p:grpSpPr>
+      <p:sp>
+        <p:nvSpPr>
+          <p:cNvPr id="2" name="Title 1"/>
+          <p:cNvSpPr>
+            <a:spLocks noGrp="1"/>
+          </p:cNvSpPr>
+          <p:nvPr>
+            <p:ph type="title"/>
+          </p:nvPr>
+        </p:nvSpPr>
+        <p:spPr/>
+        <p:txBody>
+          <a:bodyPr/>
+          <a:lstStyle/>
+          <a:p>
+            <a:r>
+              <a:rPr lang="en-US" dirty="0" smtClean="0"/>
+              <a:t>Step 2 : Payment ideas</a:t>
+            </a:r>
+            <a:endParaRPr lang="en-US" dirty="0"/>
+          </a:p>
+        </p:txBody>
+      </p:sp>
+      <p:sp>
+        <p:nvSpPr>
+          <p:cNvPr id="3" name="Content Placeholder 2"/>
+          <p:cNvSpPr>
+            <a:spLocks noGrp="1"/>
+          </p:cNvSpPr>
+          <p:nvPr>
+            <p:ph idx="1"/>
+          </p:nvPr>
+        </p:nvSpPr>
+        <p:spPr/>
+        <p:txBody>
+          <a:bodyPr/>
+          <a:lstStyle/>
+          <a:p>
+            <a:r>
+              <a:rPr lang="en-US" dirty="0" err="1" smtClean="0"/>
+              <a:t>Paypal</a:t>
+            </a:r>
+            <a:endParaRPr lang="en-US" dirty="0" smtClean="0"/>
+          </a:p>
+          <a:p>
+            <a:r>
+              <a:rPr lang="en-US" dirty="0" smtClean="0"/>
+              <a:t>Google wallet / Amazon Pay</a:t>
+            </a:r>
+          </a:p>
+          <a:p>
+            <a:r>
+              <a:rPr lang="en-US" dirty="0" smtClean="0"/>
+              <a:t>Carrier charges</a:t>
+            </a:r>
+          </a:p>
+          <a:p>
+            <a:r>
+              <a:rPr lang="en-US" dirty="0" err="1" smtClean="0"/>
+              <a:t>PayOne</a:t>
+            </a:r>
+            <a:r>
+              <a:rPr lang="en-US" dirty="0" smtClean="0"/>
+              <a:t> : </a:t>
+            </a:r>
+            <a:r>
+              <a:rPr lang="en-US" dirty="0" smtClean="0">
+                <a:hlinkClick r:id="rId2"/>
+              </a:rPr>
+              <a:t>http</a:t>
+            </a:r>
+            <a:r>
+              <a:rPr lang="en-US" dirty="0">
+                <a:hlinkClick r:id="rId2"/>
+              </a:rPr>
+              <a:t>://www.payone.com</a:t>
+            </a:r>
+            <a:r>
+              <a:rPr lang="en-US" dirty="0" smtClean="0">
+                <a:hlinkClick r:id="rId2"/>
+              </a:rPr>
+              <a:t>/</a:t>
+            </a:r>
+            <a:endParaRPr lang="en-US" dirty="0" smtClean="0"/>
+          </a:p>
+          <a:p>
+            <a:r>
+              <a:rPr lang="en-US" dirty="0" smtClean="0"/>
+              <a:t>Stripe</a:t>
+            </a:r>
+          </a:p>
+          <a:p>
+            <a:r>
+              <a:rPr lang="en-US" dirty="0" smtClean="0"/>
+              <a:t>Delay the payment of a virtual product at any point before the event</a:t>
+            </a:r>
+            <a:endParaRPr lang="en-US" dirty="0"/>
+          </a:p>
+        </p:txBody>
+      </p:sp>
+    </p:spTree>
+    <p:extLst>
+      <p:ext uri="{BB962C8B-B14F-4D97-AF65-F5344CB8AC3E}">
+        <p14:creationId xmlns:p14="http://schemas.microsoft.com/office/powerpoint/2010/main" val="2701530816"/>
+      </p:ext>
+    </p:extLst>
+  </p:cSld>
+  <p:clrMapOvr>
+    <a:masterClrMapping/>
+  </p:clrMapOvr>
+  <p:timing>
+    <p:tnLst>
+      <p:par>
+        <p:cTn id="1" dur="indefinite" restart="never" nodeType="tmRoot"/>
+      </p:par>
+    </p:tnLst>
+  </p:timing>
+</p:sld>
+</file>
+
+<file path=ppt/slides/slide14.xml><?xml version="1.0" encoding="utf-8"?>
+<p:sld xmlns:a="http://schemas.openxmlformats.org/drawingml/2006/main" xmlns:r="http://schemas.openxmlformats.org/officeDocument/2006/relationships" xmlns:p="http://schemas.openxmlformats.org/presentationml/2006/main">
+  <p:cSld>
+    <p:spTree>
+      <p:nvGrpSpPr>
+        <p:cNvPr id="1" name=""/>
+        <p:cNvGrpSpPr/>
+        <p:nvPr/>
+      </p:nvGrpSpPr>
+      <p:grpSpPr>
+        <a:xfrm>
+          <a:off x="0" y="0"/>
+          <a:ext cx="0" cy="0"/>
+          <a:chOff x="0" y="0"/>
+          <a:chExt cx="0" cy="0"/>
+        </a:xfrm>
+      </p:grpSpPr>
+      <p:sp>
+        <p:nvSpPr>
+          <p:cNvPr id="4" name="Title 3"/>
+          <p:cNvSpPr>
+            <a:spLocks noGrp="1"/>
+          </p:cNvSpPr>
+          <p:nvPr>
+            <p:ph type="title"/>
+          </p:nvPr>
+        </p:nvSpPr>
+        <p:spPr/>
+        <p:txBody>
+          <a:bodyPr/>
+          <a:lstStyle/>
+          <a:p>
+            <a:r>
+              <a:rPr lang="en-US" dirty="0" smtClean="0"/>
+              <a:t>EXTRA points</a:t>
+            </a:r>
+            <a:endParaRPr lang="en-US" dirty="0"/>
+          </a:p>
+        </p:txBody>
+      </p:sp>
+      <p:sp>
+        <p:nvSpPr>
+          <p:cNvPr id="5" name="Text Placeholder 4"/>
+          <p:cNvSpPr>
+            <a:spLocks noGrp="1"/>
+          </p:cNvSpPr>
+          <p:nvPr>
+            <p:ph type="body" idx="1"/>
+          </p:nvPr>
+        </p:nvSpPr>
+        <p:spPr/>
+        <p:txBody>
+          <a:bodyPr/>
+          <a:lstStyle/>
+          <a:p>
+            <a:endParaRPr lang="en-US"/>
+          </a:p>
+        </p:txBody>
+      </p:sp>
+    </p:spTree>
+    <p:extLst>
+      <p:ext uri="{BB962C8B-B14F-4D97-AF65-F5344CB8AC3E}">
+        <p14:creationId xmlns:p14="http://schemas.microsoft.com/office/powerpoint/2010/main" val="1506022325"/>
+      </p:ext>
+    </p:extLst>
+  </p:cSld>
+  <p:clrMapOvr>
+    <a:masterClrMapping/>
+  </p:clrMapOvr>
+  <p:timing>
+    <p:tnLst>
+      <p:par>
+        <p:cTn id="1" dur="indefinite" restart="never" nodeType="tmRoot"/>
+      </p:par>
+    </p:tnLst>
+  </p:timing>
+</p:sld>
+</file>
+
+<file path=ppt/slides/slide15.xml><?xml version="1.0" encoding="utf-8"?>
+<p:sld xmlns:a="http://schemas.openxmlformats.org/drawingml/2006/main" xmlns:r="http://schemas.openxmlformats.org/officeDocument/2006/relationships" xmlns:p="http://schemas.openxmlformats.org/presentationml/2006/main">
+  <p:cSld>
+    <p:spTree>
+      <p:nvGrpSpPr>
+        <p:cNvPr id="1" name=""/>
+        <p:cNvGrpSpPr/>
+        <p:nvPr/>
+      </p:nvGrpSpPr>
+      <p:grpSpPr>
+        <a:xfrm>
+          <a:off x="0" y="0"/>
+          <a:ext cx="0" cy="0"/>
+          <a:chOff x="0" y="0"/>
+          <a:chExt cx="0" cy="0"/>
+        </a:xfrm>
+      </p:grpSpPr>
+      <p:sp>
+        <p:nvSpPr>
+          <p:cNvPr id="4" name="Title 3"/>
+          <p:cNvSpPr>
+            <a:spLocks noGrp="1"/>
+          </p:cNvSpPr>
+          <p:nvPr>
+            <p:ph type="title"/>
+          </p:nvPr>
+        </p:nvSpPr>
+        <p:spPr/>
+        <p:txBody>
+          <a:bodyPr/>
+          <a:lstStyle/>
+          <a:p>
+            <a:r>
+              <a:rPr lang="en-US" dirty="0" smtClean="0"/>
+              <a:t>Collaborative</a:t>
+            </a:r>
+            <a:endParaRPr lang="en-US" dirty="0"/>
+          </a:p>
+        </p:txBody>
+      </p:sp>
+      <p:sp>
+        <p:nvSpPr>
+          <p:cNvPr id="5" name="Content Placeholder 4"/>
+          <p:cNvSpPr>
+            <a:spLocks noGrp="1"/>
+          </p:cNvSpPr>
+          <p:nvPr>
+            <p:ph idx="1"/>
+          </p:nvPr>
+        </p:nvSpPr>
+        <p:spPr/>
+        <p:txBody>
+          <a:bodyPr/>
+          <a:lstStyle/>
+          <a:p>
+            <a:r>
+              <a:rPr lang="en-US" dirty="0" smtClean="0"/>
+              <a:t>Tell your friends you are running using </a:t>
+            </a:r>
+            <a:endParaRPr lang="en-US" dirty="0"/>
+          </a:p>
+        </p:txBody>
+      </p:sp>
+      <p:pic>
+        <p:nvPicPr>
+          <p:cNvPr id="6" name="Picture 5"/>
+          <p:cNvPicPr>
+            <a:picLocks noChangeAspect="1" noChangeArrowheads="1"/>
+          </p:cNvPicPr>
+          <p:nvPr/>
+        </p:nvPicPr>
+        <p:blipFill>
+          <a:blip r:embed="rId2">
+            <a:extLst>
+              <a:ext uri="{28A0092B-C50C-407E-A947-70E740481C1C}">
+                <a14:useLocalDpi xmlns:a14="http://schemas.microsoft.com/office/drawing/2010/main" val="0"/>
+              </a:ext>
+            </a:extLst>
+          </a:blip>
+          <a:srcRect/>
+          <a:stretch>
+            <a:fillRect/>
+          </a:stretch>
+        </p:blipFill>
+        <p:spPr bwMode="auto">
+          <a:xfrm>
+            <a:off x="7236296" y="1556792"/>
+            <a:ext cx="719138" cy="719138"/>
+          </a:xfrm>
+          <a:prstGeom prst="rect">
+            <a:avLst/>
+          </a:prstGeom>
+          <a:noFill/>
+          <a:ln>
+            <a:noFill/>
+          </a:ln>
+          <a:extLst>
+            <a:ext uri="{909E8E84-426E-40DD-AFC4-6F175D3DCCD1}">
+              <a14:hiddenFill xmlns:a14="http://schemas.microsoft.com/office/drawing/2010/main">
+                <a:solidFill>
+                  <a:schemeClr val="accent1"/>
+                </a:solidFill>
+              </a14:hiddenFill>
+            </a:ext>
+            <a:ext uri="{91240B29-F687-4F45-9708-019B960494DF}">
+              <a14:hiddenLine xmlns:a14="http://schemas.microsoft.com/office/drawing/2010/main" w="9525">
+                <a:solidFill>
+                  <a:schemeClr val="tx1"/>
+                </a:solidFill>
+                <a:miter lim="800000"/>
+                <a:headEnd/>
+                <a:tailEnd/>
+              </a14:hiddenLine>
+            </a:ext>
+          </a:extLst>
+        </p:spPr>
+      </p:pic>
+      <p:sp>
+        <p:nvSpPr>
+          <p:cNvPr id="7" name="AutoShape 2" descr="Résultats de recherche d'images pour « linkedin »"/>
+          <p:cNvSpPr>
+            <a:spLocks noChangeAspect="1" noChangeArrowheads="1"/>
+          </p:cNvSpPr>
+          <p:nvPr/>
+        </p:nvSpPr>
+        <p:spPr bwMode="auto">
+          <a:xfrm>
+            <a:off x="155575" y="-685800"/>
+            <a:ext cx="1438275" cy="1438275"/>
+          </a:xfrm>
+          <a:prstGeom prst="rect">
+            <a:avLst/>
+          </a:prstGeom>
+          <a:noFill/>
+          <a:extLst>
+            <a:ext uri="{909E8E84-426E-40DD-AFC4-6F175D3DCCD1}">
+              <a14:hiddenFill xmlns:a14="http://schemas.microsoft.com/office/drawing/2010/main">
+                <a:solidFill>
+                  <a:srgbClr val="FFFFFF"/>
+                </a:solidFill>
+              </a14:hiddenFill>
+            </a:ext>
+          </a:extLst>
+        </p:spPr>
+        <p:txBody>
+          <a:bodyPr vert="horz" wrap="square" lIns="91440" tIns="45720" rIns="91440" bIns="45720" numCol="1" anchor="t" anchorCtr="0" compatLnSpc="1">
+            <a:prstTxWarp prst="textNoShape">
+              <a:avLst/>
+            </a:prstTxWarp>
+          </a:bodyPr>
+          <a:lstStyle/>
+          <a:p>
+            <a:endParaRPr lang="en-US"/>
+          </a:p>
+        </p:txBody>
+      </p:sp>
+    </p:spTree>
+    <p:extLst>
+      <p:ext uri="{BB962C8B-B14F-4D97-AF65-F5344CB8AC3E}">
+        <p14:creationId xmlns:p14="http://schemas.microsoft.com/office/powerpoint/2010/main" val="2828222772"/>
+      </p:ext>
+    </p:extLst>
+  </p:cSld>
+  <p:clrMapOvr>
+    <a:masterClrMapping/>
+  </p:clrMapOvr>
+  <p:timing>
+    <p:tnLst>
+      <p:par>
+        <p:cTn id="1" dur="indefinite" restart="never" nodeType="tmRoot"/>
+      </p:par>
+    </p:tnLst>
+  </p:timing>
+</p:sld>
+</file>
+
+<file path=ppt/slides/slide16.xml><?xml version="1.0" encoding="utf-8"?>
+<p:sld xmlns:a="http://schemas.openxmlformats.org/drawingml/2006/main" xmlns:r="http://schemas.openxmlformats.org/officeDocument/2006/relationships" xmlns:p="http://schemas.openxmlformats.org/presentationml/2006/main">
+  <p:cSld>
+    <p:spTree>
+      <p:nvGrpSpPr>
+        <p:cNvPr id="1" name=""/>
+        <p:cNvGrpSpPr/>
+        <p:nvPr/>
+      </p:nvGrpSpPr>
+      <p:grpSpPr>
+        <a:xfrm>
+          <a:off x="0" y="0"/>
+          <a:ext cx="0" cy="0"/>
+          <a:chOff x="0" y="0"/>
+          <a:chExt cx="0" cy="0"/>
+        </a:xfrm>
+      </p:grpSpPr>
+      <p:sp>
+        <p:nvSpPr>
+          <p:cNvPr id="4" name="Title 3"/>
+          <p:cNvSpPr>
+            <a:spLocks noGrp="1"/>
+          </p:cNvSpPr>
+          <p:nvPr>
+            <p:ph type="title"/>
+          </p:nvPr>
+        </p:nvSpPr>
+        <p:spPr/>
+        <p:txBody>
+          <a:bodyPr/>
+          <a:lstStyle/>
+          <a:p>
+            <a:r>
+              <a:rPr lang="en-US" dirty="0" smtClean="0"/>
+              <a:t>Analytics</a:t>
+            </a:r>
+            <a:endParaRPr lang="en-US" dirty="0"/>
+          </a:p>
+        </p:txBody>
+      </p:sp>
+      <p:sp>
+        <p:nvSpPr>
+          <p:cNvPr id="5" name="Content Placeholder 4"/>
+          <p:cNvSpPr>
+            <a:spLocks noGrp="1"/>
+          </p:cNvSpPr>
+          <p:nvPr>
+            <p:ph idx="1"/>
+          </p:nvPr>
+        </p:nvSpPr>
+        <p:spPr/>
+        <p:txBody>
+          <a:bodyPr>
+            <a:normAutofit fontScale="92500" lnSpcReduction="20000"/>
+          </a:bodyPr>
+          <a:lstStyle/>
+          <a:p>
+            <a:r>
+              <a:rPr lang="en-US" dirty="0" smtClean="0"/>
+              <a:t>Where does the user quit ? (which field exactly)</a:t>
+            </a:r>
+            <a:endParaRPr lang="en-US" dirty="0" smtClean="0">
+              <a:hlinkClick r:id="rId2"/>
+            </a:endParaRPr>
+          </a:p>
+          <a:p>
+            <a:pPr lvl="1"/>
+            <a:r>
+              <a:rPr lang="en-US" dirty="0" smtClean="0">
+                <a:hlinkClick r:id="rId2"/>
+              </a:rPr>
+              <a:t>http</a:t>
+            </a:r>
+            <a:r>
+              <a:rPr lang="en-US" dirty="0">
+                <a:hlinkClick r:id="rId2"/>
+              </a:rPr>
+              <a:t>://www.lunametrics.com/blog/2012/11/13/track-form-abandonment-google-analytics/#sr=d&amp;m=n&amp;cp=d&amp;ct=-</a:t>
+            </a:r>
+            <a:r>
+              <a:rPr lang="en-US" dirty="0" smtClean="0">
+                <a:hlinkClick r:id="rId2"/>
+              </a:rPr>
+              <a:t>tmc&amp;ts=1415739360</a:t>
+            </a:r>
+            <a:endParaRPr lang="en-US" dirty="0" smtClean="0"/>
+          </a:p>
+          <a:p>
+            <a:pPr lvl="1"/>
+            <a:r>
+              <a:rPr lang="en-US" dirty="0"/>
+              <a:t>$(document).ready(function() { </a:t>
+            </a:r>
+            <a:r>
+              <a:rPr lang="en-US" dirty="0" err="1"/>
+              <a:t>var</a:t>
+            </a:r>
+            <a:r>
+              <a:rPr lang="en-US" dirty="0"/>
+              <a:t> </a:t>
+            </a:r>
+            <a:r>
+              <a:rPr lang="en-US" dirty="0" err="1"/>
+              <a:t>currentPage</a:t>
+            </a:r>
+            <a:r>
+              <a:rPr lang="en-US" dirty="0"/>
+              <a:t> = </a:t>
+            </a:r>
+            <a:r>
+              <a:rPr lang="en-US" dirty="0" err="1"/>
+              <a:t>jQuery.url.attr</a:t>
+            </a:r>
+            <a:r>
+              <a:rPr lang="en-US" dirty="0"/>
+              <a:t>("path"); $(':input').blur(function () { if($(this).</a:t>
+            </a:r>
+            <a:r>
+              <a:rPr lang="en-US" dirty="0" err="1"/>
+              <a:t>val</a:t>
+            </a:r>
+            <a:r>
+              <a:rPr lang="en-US" dirty="0"/>
+              <a:t>().length &gt; 0){ //</a:t>
+            </a:r>
+            <a:r>
+              <a:rPr lang="en-US" dirty="0" err="1"/>
+              <a:t>pageTracker</a:t>
+            </a:r>
+            <a:r>
+              <a:rPr lang="en-US" dirty="0"/>
+              <a:t>._</a:t>
+            </a:r>
+            <a:r>
+              <a:rPr lang="en-US" dirty="0" err="1"/>
+              <a:t>trackEvent</a:t>
+            </a:r>
+            <a:r>
+              <a:rPr lang="en-US" dirty="0"/>
+              <a:t>("Form: " + </a:t>
+            </a:r>
+            <a:r>
+              <a:rPr lang="en-US" dirty="0" err="1"/>
+              <a:t>currentPage</a:t>
+            </a:r>
+            <a:r>
+              <a:rPr lang="en-US" dirty="0"/>
+              <a:t>, "</a:t>
+            </a:r>
+            <a:r>
+              <a:rPr lang="en-US" dirty="0" err="1"/>
+              <a:t>input_exit</a:t>
+            </a:r>
+            <a:r>
+              <a:rPr lang="en-US" dirty="0"/>
+              <a:t>", $(this).</a:t>
+            </a:r>
+            <a:r>
+              <a:rPr lang="en-US" dirty="0" err="1"/>
+              <a:t>attr</a:t>
+            </a:r>
+            <a:r>
+              <a:rPr lang="en-US" dirty="0"/>
+              <a:t>('name'));//old GA Tracking code _</a:t>
+            </a:r>
+            <a:r>
+              <a:rPr lang="en-US" dirty="0" err="1"/>
+              <a:t>gaq.push</a:t>
+            </a:r>
+            <a:r>
+              <a:rPr lang="en-US" dirty="0"/>
+              <a:t>(['_</a:t>
+            </a:r>
+            <a:r>
+              <a:rPr lang="en-US" dirty="0" err="1"/>
+              <a:t>trackEvent</a:t>
+            </a:r>
+            <a:r>
+              <a:rPr lang="en-US" dirty="0"/>
+              <a:t>', "Form: " + </a:t>
+            </a:r>
+            <a:r>
+              <a:rPr lang="en-US" dirty="0" err="1"/>
+              <a:t>currentPage</a:t>
+            </a:r>
+            <a:r>
+              <a:rPr lang="en-US" dirty="0"/>
+              <a:t>, "</a:t>
+            </a:r>
+            <a:r>
+              <a:rPr lang="en-US" dirty="0" err="1"/>
+              <a:t>input_exit</a:t>
+            </a:r>
+            <a:r>
+              <a:rPr lang="en-US" dirty="0"/>
+              <a:t>", $(this).</a:t>
+            </a:r>
+            <a:r>
+              <a:rPr lang="en-US" dirty="0" err="1"/>
+              <a:t>attr</a:t>
+            </a:r>
+            <a:r>
+              <a:rPr lang="en-US" dirty="0"/>
+              <a:t>('name')]);//new GA Tracking code } }); });</a:t>
+            </a:r>
+          </a:p>
+        </p:txBody>
+      </p:sp>
+    </p:spTree>
+    <p:extLst>
+      <p:ext uri="{BB962C8B-B14F-4D97-AF65-F5344CB8AC3E}">
+        <p14:creationId xmlns:p14="http://schemas.microsoft.com/office/powerpoint/2010/main" val="2152295026"/>
+      </p:ext>
+    </p:extLst>
+  </p:cSld>
+  <p:clrMapOvr>
+    <a:masterClrMapping/>
+  </p:clrMapOvr>
+</p:sld>
+</file>
+
+<file path=ppt/slides/slide17.xml><?xml version="1.0" encoding="utf-8"?>
+<p:sld xmlns:a="http://schemas.openxmlformats.org/drawingml/2006/main" xmlns:r="http://schemas.openxmlformats.org/officeDocument/2006/relationships" xmlns:p="http://schemas.openxmlformats.org/presentationml/2006/main">
+  <p:cSld>
+    <p:spTree>
+      <p:nvGrpSpPr>
+        <p:cNvPr id="1" name=""/>
+        <p:cNvGrpSpPr/>
+        <p:nvPr/>
+      </p:nvGrpSpPr>
+      <p:grpSpPr>
+        <a:xfrm>
+          <a:off x="0" y="0"/>
+          <a:ext cx="0" cy="0"/>
+          <a:chOff x="0" y="0"/>
+          <a:chExt cx="0" cy="0"/>
+        </a:xfrm>
+      </p:grpSpPr>
+      <p:sp>
+        <p:nvSpPr>
+          <p:cNvPr id="2" name="Title 1"/>
+          <p:cNvSpPr>
+            <a:spLocks noGrp="1"/>
+          </p:cNvSpPr>
+          <p:nvPr>
+            <p:ph type="title"/>
+          </p:nvPr>
+        </p:nvSpPr>
+        <p:spPr/>
+        <p:txBody>
+          <a:bodyPr/>
+          <a:lstStyle/>
+          <a:p>
+            <a:r>
+              <a:rPr lang="en-US" dirty="0" smtClean="0"/>
+              <a:t>Current Situation</a:t>
+            </a:r>
+            <a:endParaRPr lang="en-US" dirty="0"/>
+          </a:p>
+        </p:txBody>
+      </p:sp>
+      <p:sp>
+        <p:nvSpPr>
+          <p:cNvPr id="3" name="Content Placeholder 2"/>
+          <p:cNvSpPr>
+            <a:spLocks noGrp="1"/>
+          </p:cNvSpPr>
+          <p:nvPr>
+            <p:ph idx="1"/>
+          </p:nvPr>
+        </p:nvSpPr>
+        <p:spPr/>
+        <p:txBody>
+          <a:bodyPr>
+            <a:normAutofit lnSpcReduction="10000"/>
+          </a:bodyPr>
+          <a:lstStyle/>
+          <a:p>
+            <a:pPr marL="514350" indent="-514350">
+              <a:buFont typeface="+mj-lt"/>
+              <a:buAutoNum type="arabicPeriod"/>
+            </a:pPr>
+            <a:r>
+              <a:rPr lang="en-US" dirty="0"/>
+              <a:t>Credit Card payment</a:t>
+            </a:r>
+          </a:p>
+          <a:p>
+            <a:pPr marL="514350" indent="-514350">
+              <a:buFont typeface="+mj-lt"/>
+              <a:buAutoNum type="arabicPeriod"/>
+            </a:pPr>
+            <a:endParaRPr lang="en-US" dirty="0" smtClean="0"/>
+          </a:p>
+          <a:p>
+            <a:pPr marL="514350" indent="-514350">
+              <a:buFont typeface="+mj-lt"/>
+              <a:buAutoNum type="arabicPeriod"/>
+            </a:pPr>
+            <a:r>
+              <a:rPr lang="en-US" dirty="0"/>
+              <a:t>Long </a:t>
+            </a:r>
+            <a:r>
+              <a:rPr lang="en-US" dirty="0" smtClean="0"/>
+              <a:t>subscription form</a:t>
+            </a:r>
+            <a:endParaRPr lang="en-US" dirty="0"/>
+          </a:p>
+          <a:p>
+            <a:pPr marL="514350" indent="-514350">
+              <a:buFont typeface="+mj-lt"/>
+              <a:buAutoNum type="arabicPeriod"/>
+            </a:pPr>
+            <a:endParaRPr lang="en-US" dirty="0" smtClean="0"/>
+          </a:p>
+          <a:p>
+            <a:pPr marL="514350" indent="-514350">
+              <a:buFont typeface="+mj-lt"/>
+              <a:buAutoNum type="arabicPeriod"/>
+            </a:pPr>
+            <a:r>
+              <a:rPr lang="en-US" dirty="0" smtClean="0"/>
+              <a:t>5-steps process</a:t>
+            </a:r>
+          </a:p>
+          <a:p>
+            <a:pPr marL="514350" indent="-514350">
+              <a:buFont typeface="+mj-lt"/>
+              <a:buAutoNum type="arabicPeriod"/>
+            </a:pPr>
+            <a:endParaRPr lang="en-US" dirty="0" smtClean="0"/>
+          </a:p>
+          <a:p>
+            <a:pPr marL="514350" indent="-514350">
+              <a:buFont typeface="+mj-lt"/>
+              <a:buAutoNum type="arabicPeriod"/>
+            </a:pPr>
+            <a:r>
+              <a:rPr lang="en-US" dirty="0"/>
+              <a:t>No User dashboard</a:t>
+            </a:r>
+          </a:p>
+          <a:p>
+            <a:pPr marL="457200" lvl="1" indent="0">
+              <a:buNone/>
+            </a:pPr>
+            <a:r>
+              <a:rPr lang="en-US" dirty="0"/>
+              <a:t>User has to enter her information for each race</a:t>
+            </a:r>
+          </a:p>
+          <a:p>
+            <a:endParaRPr lang="en-US" dirty="0"/>
+          </a:p>
+          <a:p>
+            <a:endParaRPr lang="en-US" dirty="0"/>
+          </a:p>
+        </p:txBody>
+      </p:sp>
+      <p:pic>
+        <p:nvPicPr>
+          <p:cNvPr id="4" name="Picture 2" descr="Race for Life"/>
+          <p:cNvPicPr>
+            <a:picLocks noChangeAspect="1" noChangeArrowheads="1"/>
+          </p:cNvPicPr>
+          <p:nvPr/>
+        </p:nvPicPr>
+        <p:blipFill>
+          <a:blip r:embed="rId2">
+            <a:extLst>
+              <a:ext uri="{28A0092B-C50C-407E-A947-70E740481C1C}">
+                <a14:useLocalDpi xmlns:a14="http://schemas.microsoft.com/office/drawing/2010/main" val="0"/>
+              </a:ext>
+            </a:extLst>
+          </a:blip>
+          <a:srcRect/>
+          <a:stretch>
+            <a:fillRect/>
+          </a:stretch>
+        </p:blipFill>
+        <p:spPr bwMode="auto">
+          <a:xfrm>
+            <a:off x="155575" y="46197"/>
+            <a:ext cx="2019300" cy="838201"/>
+          </a:xfrm>
+          <a:prstGeom prst="rect">
+            <a:avLst/>
+          </a:prstGeom>
+          <a:noFill/>
+          <a:extLst>
+            <a:ext uri="{909E8E84-426E-40DD-AFC4-6F175D3DCCD1}">
+              <a14:hiddenFill xmlns:a14="http://schemas.microsoft.com/office/drawing/2010/main">
+                <a:solidFill>
+                  <a:srgbClr val="FFFFFF"/>
+                </a:solidFill>
+              </a14:hiddenFill>
+            </a:ext>
+          </a:extLst>
+        </p:spPr>
+      </p:pic>
+    </p:spTree>
+    <p:extLst>
+      <p:ext uri="{BB962C8B-B14F-4D97-AF65-F5344CB8AC3E}">
+        <p14:creationId xmlns:p14="http://schemas.microsoft.com/office/powerpoint/2010/main" val="2530732546"/>
+      </p:ext>
+    </p:extLst>
+  </p:cSld>
+  <p:clrMapOvr>
+    <a:masterClrMapping/>
+  </p:clrMapOvr>
+  <p:timing>
+    <p:tnLst>
+      <p:par>
+        <p:cTn id="1" dur="indefinite" restart="never" nodeType="tmRoot"/>
+      </p:par>
+    </p:tnLst>
+  </p:timing>
+</p:sld>
+</file>
+
+<file path=ppt/slides/slide18.xml><?xml version="1.0" encoding="utf-8"?>
+<p:sld xmlns:a="http://schemas.openxmlformats.org/drawingml/2006/main" xmlns:r="http://schemas.openxmlformats.org/officeDocument/2006/relationships" xmlns:p="http://schemas.openxmlformats.org/presentationml/2006/main">
+  <p:cSld>
+    <p:spTree>
+      <p:nvGrpSpPr>
+        <p:cNvPr id="1" name=""/>
+        <p:cNvGrpSpPr/>
+        <p:nvPr/>
+      </p:nvGrpSpPr>
+      <p:grpSpPr>
+        <a:xfrm>
+          <a:off x="0" y="0"/>
+          <a:ext cx="0" cy="0"/>
+          <a:chOff x="0" y="0"/>
+          <a:chExt cx="0" cy="0"/>
+        </a:xfrm>
+      </p:grpSpPr>
+      <p:sp>
+        <p:nvSpPr>
+          <p:cNvPr id="2" name="Title 1"/>
+          <p:cNvSpPr>
+            <a:spLocks noGrp="1"/>
+          </p:cNvSpPr>
+          <p:nvPr>
+            <p:ph type="title"/>
+          </p:nvPr>
+        </p:nvSpPr>
+        <p:spPr/>
+        <p:txBody>
+          <a:bodyPr/>
+          <a:lstStyle/>
+          <a:p>
+            <a:endParaRPr lang="en-US"/>
+          </a:p>
+        </p:txBody>
+      </p:sp>
+      <p:sp>
+        <p:nvSpPr>
+          <p:cNvPr id="3" name="Content Placeholder 2"/>
+          <p:cNvSpPr>
+            <a:spLocks noGrp="1"/>
+          </p:cNvSpPr>
+          <p:nvPr>
+            <p:ph idx="1"/>
+          </p:nvPr>
+        </p:nvSpPr>
+        <p:spPr/>
+        <p:txBody>
+          <a:bodyPr/>
+          <a:lstStyle/>
+          <a:p>
+            <a:endParaRPr lang="en-US"/>
+          </a:p>
+        </p:txBody>
+      </p:sp>
+    </p:spTree>
+    <p:extLst>
+      <p:ext uri="{BB962C8B-B14F-4D97-AF65-F5344CB8AC3E}">
+        <p14:creationId xmlns:p14="http://schemas.microsoft.com/office/powerpoint/2010/main" val="81688420"/>
+      </p:ext>
+    </p:extLst>
+  </p:cSld>
+  <p:clrMapOvr>
+    <a:masterClrMapping/>
+  </p:clrMapOvr>
+</p:sld>
+</file>
+
+<file path=ppt/slides/slide2.xml><?xml version="1.0" encoding="utf-8"?>
+<p:sld xmlns:a="http://schemas.openxmlformats.org/drawingml/2006/main" xmlns:r="http://schemas.openxmlformats.org/officeDocument/2006/relationships" xmlns:p="http://schemas.openxmlformats.org/presentationml/2006/main">
+  <p:cSld>
+    <p:spTree>
+      <p:nvGrpSpPr>
+        <p:cNvPr id="1" name=""/>
+        <p:cNvGrpSpPr/>
+        <p:nvPr/>
+      </p:nvGrpSpPr>
+      <p:grpSpPr>
+        <a:xfrm>
+          <a:off x="0" y="0"/>
+          <a:ext cx="0" cy="0"/>
+          <a:chOff x="0" y="0"/>
+          <a:chExt cx="0" cy="0"/>
+        </a:xfrm>
+      </p:grpSpPr>
+      <p:sp>
+        <p:nvSpPr>
+          <p:cNvPr id="2" name="Title 1"/>
+          <p:cNvSpPr>
+            <a:spLocks noGrp="1"/>
+          </p:cNvSpPr>
+          <p:nvPr>
+            <p:ph type="title"/>
+          </p:nvPr>
+        </p:nvSpPr>
+        <p:spPr/>
+        <p:txBody>
+          <a:bodyPr/>
+          <a:lstStyle/>
+          <a:p>
+            <a:r>
+              <a:rPr lang="en-US" dirty="0" smtClean="0"/>
+              <a:t>Agenda</a:t>
+            </a:r>
+            <a:endParaRPr lang="en-US" dirty="0"/>
+          </a:p>
+        </p:txBody>
+      </p:sp>
+      <p:sp>
+        <p:nvSpPr>
+          <p:cNvPr id="3" name="Content Placeholder 2"/>
+          <p:cNvSpPr>
+            <a:spLocks noGrp="1"/>
+          </p:cNvSpPr>
+          <p:nvPr>
+            <p:ph idx="1"/>
+          </p:nvPr>
+        </p:nvSpPr>
+        <p:spPr/>
+        <p:txBody>
+          <a:bodyPr/>
+          <a:lstStyle/>
+          <a:p>
+            <a:r>
+              <a:rPr lang="en-US" dirty="0" smtClean="0"/>
+              <a:t>Our solution</a:t>
+            </a:r>
+          </a:p>
+          <a:p>
+            <a:endParaRPr lang="en-US" dirty="0"/>
+          </a:p>
+          <a:p>
+            <a:endParaRPr lang="en-US" dirty="0" smtClean="0"/>
+          </a:p>
+          <a:p>
+            <a:r>
+              <a:rPr lang="en-US" dirty="0" smtClean="0"/>
+              <a:t>Demo</a:t>
+            </a:r>
+          </a:p>
+          <a:p>
+            <a:endParaRPr lang="en-US" dirty="0"/>
+          </a:p>
+          <a:p>
+            <a:endParaRPr lang="en-US" dirty="0" smtClean="0"/>
+          </a:p>
+          <a:p>
+            <a:r>
+              <a:rPr lang="en-US" dirty="0" smtClean="0"/>
+              <a:t>AWS Architecture</a:t>
+            </a:r>
+            <a:endParaRPr lang="en-US" dirty="0"/>
+          </a:p>
+        </p:txBody>
+      </p:sp>
+      <p:pic>
+        <p:nvPicPr>
+          <p:cNvPr id="4" name="Picture 2" descr="Race for Life"/>
+          <p:cNvPicPr>
+            <a:picLocks noChangeAspect="1" noChangeArrowheads="1"/>
+          </p:cNvPicPr>
+          <p:nvPr/>
+        </p:nvPicPr>
+        <p:blipFill>
+          <a:blip r:embed="rId2">
+            <a:extLst>
+              <a:ext uri="{28A0092B-C50C-407E-A947-70E740481C1C}">
+                <a14:useLocalDpi xmlns:a14="http://schemas.microsoft.com/office/drawing/2010/main" val="0"/>
+              </a:ext>
+            </a:extLst>
+          </a:blip>
+          <a:srcRect/>
+          <a:stretch>
+            <a:fillRect/>
+          </a:stretch>
+        </p:blipFill>
+        <p:spPr bwMode="auto">
+          <a:xfrm>
+            <a:off x="155575" y="46197"/>
+            <a:ext cx="2019300" cy="838201"/>
+          </a:xfrm>
+          <a:prstGeom prst="rect">
+            <a:avLst/>
+          </a:prstGeom>
+          <a:noFill/>
+          <a:extLst>
+            <a:ext uri="{909E8E84-426E-40DD-AFC4-6F175D3DCCD1}">
+              <a14:hiddenFill xmlns:a14="http://schemas.microsoft.com/office/drawing/2010/main">
+                <a:solidFill>
+                  <a:srgbClr val="FFFFFF"/>
+                </a:solidFill>
+              </a14:hiddenFill>
+            </a:ext>
+          </a:extLst>
+        </p:spPr>
+      </p:pic>
+    </p:spTree>
+    <p:extLst>
+      <p:ext uri="{BB962C8B-B14F-4D97-AF65-F5344CB8AC3E}">
+        <p14:creationId xmlns:p14="http://schemas.microsoft.com/office/powerpoint/2010/main" val="2747925830"/>
+      </p:ext>
+    </p:extLst>
+  </p:cSld>
+  <p:clrMapOvr>
+    <a:masterClrMapping/>
+  </p:clrMapOvr>
+  <p:timing>
+    <p:tnLst>
+      <p:par>
+        <p:cTn id="1" dur="indefinite" restart="never" nodeType="tmRoot"/>
+      </p:par>
+    </p:tnLst>
+  </p:timing>
 </p:sld>
 </file>
 
@@ -4605,6 +6433,44 @@
       </p:grpSpPr>
       <p:sp>
         <p:nvSpPr>
+          <p:cNvPr id="14" name="Rounded Rectangle 13"/>
+          <p:cNvSpPr/>
+          <p:nvPr/>
+        </p:nvSpPr>
+        <p:spPr>
+          <a:xfrm>
+            <a:off x="395536" y="4725144"/>
+            <a:ext cx="8568952" cy="1944216"/>
+          </a:xfrm>
+          <a:prstGeom prst="roundRect">
+            <a:avLst/>
+          </a:prstGeom>
+        </p:spPr>
+        <p:style>
+          <a:lnRef idx="0">
+            <a:schemeClr val="accent4"/>
+          </a:lnRef>
+          <a:fillRef idx="3">
+            <a:schemeClr val="accent4"/>
+          </a:fillRef>
+          <a:effectRef idx="3">
+            <a:schemeClr val="accent4"/>
+          </a:effectRef>
+          <a:fontRef idx="minor">
+            <a:schemeClr val="lt1"/>
+          </a:fontRef>
+        </p:style>
+        <p:txBody>
+          <a:bodyPr rtlCol="0" anchor="ctr"/>
+          <a:lstStyle/>
+          <a:p>
+            <a:pPr algn="ctr"/>
+            <a:endParaRPr lang="en-US" dirty="0"/>
+          </a:p>
+        </p:txBody>
+      </p:sp>
+      <p:sp>
+        <p:nvSpPr>
           <p:cNvPr id="2" name="Title 1"/>
           <p:cNvSpPr>
             <a:spLocks noGrp="1"/>
@@ -4613,44 +6479,1803 @@
             <p:ph type="title"/>
           </p:nvPr>
         </p:nvSpPr>
-        <p:spPr/>
+        <p:spPr>
+          <a:xfrm>
+            <a:off x="457200" y="413792"/>
+            <a:ext cx="8229600" cy="1143000"/>
+          </a:xfrm>
+        </p:spPr>
         <p:txBody>
           <a:bodyPr/>
           <a:lstStyle/>
           <a:p>
-            <a:endParaRPr lang="en-US"/>
-          </a:p>
-        </p:txBody>
-      </p:sp>
-      <p:sp>
-        <p:nvSpPr>
-          <p:cNvPr id="3" name="Content Placeholder 2"/>
-          <p:cNvSpPr>
-            <a:spLocks noGrp="1"/>
-          </p:cNvSpPr>
-          <p:nvPr>
-            <p:ph idx="1"/>
-          </p:nvPr>
-        </p:nvSpPr>
-        <p:spPr/>
-        <p:txBody>
-          <a:bodyPr/>
-          <a:lstStyle/>
-          <a:p>
-            <a:endParaRPr lang="en-US"/>
-          </a:p>
-        </p:txBody>
-      </p:sp>
+            <a:r>
+              <a:rPr lang="en-US" dirty="0" smtClean="0"/>
+              <a:t>Buy directly from the event search</a:t>
+            </a:r>
+            <a:endParaRPr lang="en-US" dirty="0"/>
+          </a:p>
+        </p:txBody>
+      </p:sp>
+      <p:pic>
+        <p:nvPicPr>
+          <p:cNvPr id="7170" name="Picture 2"/>
+          <p:cNvPicPr>
+            <a:picLocks noChangeAspect="1" noChangeArrowheads="1"/>
+          </p:cNvPicPr>
+          <p:nvPr/>
+        </p:nvPicPr>
+        <p:blipFill>
+          <a:blip r:embed="rId2">
+            <a:extLst>
+              <a:ext uri="{28A0092B-C50C-407E-A947-70E740481C1C}">
+                <a14:useLocalDpi xmlns:a14="http://schemas.microsoft.com/office/drawing/2010/main" val="0"/>
+              </a:ext>
+            </a:extLst>
+          </a:blip>
+          <a:srcRect/>
+          <a:stretch>
+            <a:fillRect/>
+          </a:stretch>
+        </p:blipFill>
+        <p:spPr bwMode="auto">
+          <a:xfrm>
+            <a:off x="467072" y="1340768"/>
+            <a:ext cx="6553200" cy="2543175"/>
+          </a:xfrm>
+          <a:prstGeom prst="rect">
+            <a:avLst/>
+          </a:prstGeom>
+          <a:noFill/>
+          <a:ln>
+            <a:noFill/>
+          </a:ln>
+          <a:effectLst/>
+          <a:extLst>
+            <a:ext uri="{909E8E84-426E-40DD-AFC4-6F175D3DCCD1}">
+              <a14:hiddenFill xmlns:a14="http://schemas.microsoft.com/office/drawing/2010/main">
+                <a:solidFill>
+                  <a:schemeClr val="accent1"/>
+                </a:solidFill>
+              </a14:hiddenFill>
+            </a:ext>
+            <a:ext uri="{91240B29-F687-4F45-9708-019B960494DF}">
+              <a14:hiddenLine xmlns:a14="http://schemas.microsoft.com/office/drawing/2010/main" w="9525">
+                <a:solidFill>
+                  <a:schemeClr val="tx1"/>
+                </a:solidFill>
+                <a:miter lim="800000"/>
+                <a:headEnd/>
+                <a:tailEnd/>
+              </a14:hiddenLine>
+            </a:ext>
+            <a:ext uri="{AF507438-7753-43E0-B8FC-AC1667EBCBE1}">
+              <a14:hiddenEffects xmlns:a14="http://schemas.microsoft.com/office/drawing/2010/main">
+                <a:effectLst>
+                  <a:outerShdw dist="35921" dir="2700000" algn="ctr" rotWithShape="0">
+                    <a:schemeClr val="bg2"/>
+                  </a:outerShdw>
+                </a:effectLst>
+              </a14:hiddenEffects>
+            </a:ext>
+          </a:extLst>
+        </p:spPr>
+      </p:pic>
+      <p:cxnSp>
+        <p:nvCxnSpPr>
+          <p:cNvPr id="6" name="Straight Arrow Connector 5"/>
+          <p:cNvCxnSpPr/>
+          <p:nvPr/>
+        </p:nvCxnSpPr>
+        <p:spPr>
+          <a:xfrm flipH="1">
+            <a:off x="3923928" y="2852936"/>
+            <a:ext cx="2316203" cy="1872208"/>
+          </a:xfrm>
+          <a:prstGeom prst="straightConnector1">
+            <a:avLst/>
+          </a:prstGeom>
+          <a:ln>
+            <a:tailEnd type="arrow"/>
+          </a:ln>
+        </p:spPr>
+        <p:style>
+          <a:lnRef idx="3">
+            <a:schemeClr val="accent4"/>
+          </a:lnRef>
+          <a:fillRef idx="0">
+            <a:schemeClr val="accent4"/>
+          </a:fillRef>
+          <a:effectRef idx="2">
+            <a:schemeClr val="accent4"/>
+          </a:effectRef>
+          <a:fontRef idx="minor">
+            <a:schemeClr val="tx1"/>
+          </a:fontRef>
+        </p:style>
+      </p:cxnSp>
+      <p:pic>
+        <p:nvPicPr>
+          <p:cNvPr id="8" name="Picture 5"/>
+          <p:cNvPicPr>
+            <a:picLocks noChangeAspect="1" noChangeArrowheads="1"/>
+          </p:cNvPicPr>
+          <p:nvPr/>
+        </p:nvPicPr>
+        <p:blipFill>
+          <a:blip r:embed="rId3">
+            <a:extLst>
+              <a:ext uri="{28A0092B-C50C-407E-A947-70E740481C1C}">
+                <a14:useLocalDpi xmlns:a14="http://schemas.microsoft.com/office/drawing/2010/main" val="0"/>
+              </a:ext>
+            </a:extLst>
+          </a:blip>
+          <a:srcRect/>
+          <a:stretch>
+            <a:fillRect/>
+          </a:stretch>
+        </p:blipFill>
+        <p:spPr bwMode="auto">
+          <a:xfrm>
+            <a:off x="5167987" y="5661719"/>
+            <a:ext cx="719138" cy="719138"/>
+          </a:xfrm>
+          <a:prstGeom prst="rect">
+            <a:avLst/>
+          </a:prstGeom>
+          <a:noFill/>
+          <a:ln>
+            <a:noFill/>
+          </a:ln>
+          <a:extLst>
+            <a:ext uri="{909E8E84-426E-40DD-AFC4-6F175D3DCCD1}">
+              <a14:hiddenFill xmlns:a14="http://schemas.microsoft.com/office/drawing/2010/main">
+                <a:solidFill>
+                  <a:schemeClr val="accent1"/>
+                </a:solidFill>
+              </a14:hiddenFill>
+            </a:ext>
+            <a:ext uri="{91240B29-F687-4F45-9708-019B960494DF}">
+              <a14:hiddenLine xmlns:a14="http://schemas.microsoft.com/office/drawing/2010/main" w="9525">
+                <a:solidFill>
+                  <a:schemeClr val="tx1"/>
+                </a:solidFill>
+                <a:miter lim="800000"/>
+                <a:headEnd/>
+                <a:tailEnd/>
+              </a14:hiddenLine>
+            </a:ext>
+          </a:extLst>
+        </p:spPr>
+      </p:pic>
+      <p:pic>
+        <p:nvPicPr>
+          <p:cNvPr id="9" name="Picture 3"/>
+          <p:cNvPicPr>
+            <a:picLocks noChangeAspect="1" noChangeArrowheads="1"/>
+          </p:cNvPicPr>
+          <p:nvPr/>
+        </p:nvPicPr>
+        <p:blipFill>
+          <a:blip r:embed="rId4">
+            <a:extLst>
+              <a:ext uri="{28A0092B-C50C-407E-A947-70E740481C1C}">
+                <a14:useLocalDpi xmlns:a14="http://schemas.microsoft.com/office/drawing/2010/main" val="0"/>
+              </a:ext>
+            </a:extLst>
+          </a:blip>
+          <a:srcRect/>
+          <a:stretch>
+            <a:fillRect/>
+          </a:stretch>
+        </p:blipFill>
+        <p:spPr bwMode="auto">
+          <a:xfrm>
+            <a:off x="6024107" y="5517232"/>
+            <a:ext cx="1008112" cy="1008112"/>
+          </a:xfrm>
+          <a:prstGeom prst="rect">
+            <a:avLst/>
+          </a:prstGeom>
+          <a:noFill/>
+          <a:ln>
+            <a:noFill/>
+          </a:ln>
+          <a:extLst>
+            <a:ext uri="{909E8E84-426E-40DD-AFC4-6F175D3DCCD1}">
+              <a14:hiddenFill xmlns:a14="http://schemas.microsoft.com/office/drawing/2010/main">
+                <a:solidFill>
+                  <a:schemeClr val="accent1"/>
+                </a:solidFill>
+              </a14:hiddenFill>
+            </a:ext>
+            <a:ext uri="{91240B29-F687-4F45-9708-019B960494DF}">
+              <a14:hiddenLine xmlns:a14="http://schemas.microsoft.com/office/drawing/2010/main" w="9525">
+                <a:solidFill>
+                  <a:schemeClr val="tx1"/>
+                </a:solidFill>
+                <a:miter lim="800000"/>
+                <a:headEnd/>
+                <a:tailEnd/>
+              </a14:hiddenLine>
+            </a:ext>
+          </a:extLst>
+        </p:spPr>
+      </p:pic>
+      <p:pic>
+        <p:nvPicPr>
+          <p:cNvPr id="10" name="Picture 3"/>
+          <p:cNvPicPr>
+            <a:picLocks noChangeAspect="1" noChangeArrowheads="1"/>
+          </p:cNvPicPr>
+          <p:nvPr/>
+        </p:nvPicPr>
+        <p:blipFill>
+          <a:blip r:embed="rId5" cstate="print">
+            <a:extLst>
+              <a:ext uri="{28A0092B-C50C-407E-A947-70E740481C1C}">
+                <a14:useLocalDpi xmlns:a14="http://schemas.microsoft.com/office/drawing/2010/main" val="0"/>
+              </a:ext>
+            </a:extLst>
+          </a:blip>
+          <a:srcRect/>
+          <a:stretch>
+            <a:fillRect/>
+          </a:stretch>
+        </p:blipFill>
+        <p:spPr bwMode="auto">
+          <a:xfrm>
+            <a:off x="683568" y="5702002"/>
+            <a:ext cx="719138" cy="719138"/>
+          </a:xfrm>
+          <a:prstGeom prst="rect">
+            <a:avLst/>
+          </a:prstGeom>
+          <a:noFill/>
+          <a:ln>
+            <a:noFill/>
+          </a:ln>
+          <a:extLst>
+            <a:ext uri="{909E8E84-426E-40DD-AFC4-6F175D3DCCD1}">
+              <a14:hiddenFill xmlns:a14="http://schemas.microsoft.com/office/drawing/2010/main">
+                <a:solidFill>
+                  <a:schemeClr val="accent1"/>
+                </a:solidFill>
+              </a14:hiddenFill>
+            </a:ext>
+            <a:ext uri="{91240B29-F687-4F45-9708-019B960494DF}">
+              <a14:hiddenLine xmlns:a14="http://schemas.microsoft.com/office/drawing/2010/main" w="9525">
+                <a:solidFill>
+                  <a:schemeClr val="tx1"/>
+                </a:solidFill>
+                <a:miter lim="800000"/>
+                <a:headEnd/>
+                <a:tailEnd/>
+              </a14:hiddenLine>
+            </a:ext>
+          </a:extLst>
+        </p:spPr>
+      </p:pic>
+      <p:pic>
+        <p:nvPicPr>
+          <p:cNvPr id="11" name="Picture 4" descr="C:\Users\guyomarch\Desktop\Hackathon\github\template\images\amazon.jpg"/>
+          <p:cNvPicPr>
+            <a:picLocks noChangeAspect="1" noChangeArrowheads="1"/>
+          </p:cNvPicPr>
+          <p:nvPr/>
+        </p:nvPicPr>
+        <p:blipFill>
+          <a:blip r:embed="rId6">
+            <a:extLst>
+              <a:ext uri="{28A0092B-C50C-407E-A947-70E740481C1C}">
+                <a14:useLocalDpi xmlns:a14="http://schemas.microsoft.com/office/drawing/2010/main" val="0"/>
+              </a:ext>
+            </a:extLst>
+          </a:blip>
+          <a:srcRect/>
+          <a:stretch>
+            <a:fillRect/>
+          </a:stretch>
+        </p:blipFill>
+        <p:spPr bwMode="auto">
+          <a:xfrm>
+            <a:off x="3207891" y="5525790"/>
+            <a:ext cx="1071562" cy="1071562"/>
+          </a:xfrm>
+          <a:prstGeom prst="rect">
+            <a:avLst/>
+          </a:prstGeom>
+          <a:noFill/>
+          <a:extLst>
+            <a:ext uri="{909E8E84-426E-40DD-AFC4-6F175D3DCCD1}">
+              <a14:hiddenFill xmlns:a14="http://schemas.microsoft.com/office/drawing/2010/main">
+                <a:solidFill>
+                  <a:srgbClr val="FFFFFF"/>
+                </a:solidFill>
+              </a14:hiddenFill>
+            </a:ext>
+          </a:extLst>
+        </p:spPr>
+      </p:pic>
+      <p:pic>
+        <p:nvPicPr>
+          <p:cNvPr id="12" name="Picture 5" descr="C:\Users\guyomarch\Desktop\Hackathon\github\template\images\paypal.jpg"/>
+          <p:cNvPicPr>
+            <a:picLocks noChangeAspect="1" noChangeArrowheads="1"/>
+          </p:cNvPicPr>
+          <p:nvPr/>
+        </p:nvPicPr>
+        <p:blipFill>
+          <a:blip r:embed="rId7">
+            <a:extLst>
+              <a:ext uri="{28A0092B-C50C-407E-A947-70E740481C1C}">
+                <a14:useLocalDpi xmlns:a14="http://schemas.microsoft.com/office/drawing/2010/main" val="0"/>
+              </a:ext>
+            </a:extLst>
+          </a:blip>
+          <a:srcRect/>
+          <a:stretch>
+            <a:fillRect/>
+          </a:stretch>
+        </p:blipFill>
+        <p:spPr bwMode="auto">
+          <a:xfrm>
+            <a:off x="1619672" y="5599609"/>
+            <a:ext cx="1233488" cy="923925"/>
+          </a:xfrm>
+          <a:prstGeom prst="rect">
+            <a:avLst/>
+          </a:prstGeom>
+          <a:noFill/>
+          <a:extLst>
+            <a:ext uri="{909E8E84-426E-40DD-AFC4-6F175D3DCCD1}">
+              <a14:hiddenFill xmlns:a14="http://schemas.microsoft.com/office/drawing/2010/main">
+                <a:solidFill>
+                  <a:srgbClr val="FFFFFF"/>
+                </a:solidFill>
+              </a14:hiddenFill>
+            </a:ext>
+          </a:extLst>
+        </p:spPr>
+      </p:pic>
+      <p:sp>
+        <p:nvSpPr>
+          <p:cNvPr id="15" name="TextBox 14"/>
+          <p:cNvSpPr txBox="1"/>
+          <p:nvPr/>
+        </p:nvSpPr>
+        <p:spPr>
+          <a:xfrm>
+            <a:off x="827584" y="5013176"/>
+            <a:ext cx="3332002" cy="369332"/>
+          </a:xfrm>
+          <a:prstGeom prst="rect">
+            <a:avLst/>
+          </a:prstGeom>
+          <a:noFill/>
+        </p:spPr>
+        <p:txBody>
+          <a:bodyPr wrap="none" rtlCol="0">
+            <a:spAutoFit/>
+          </a:bodyPr>
+          <a:lstStyle/>
+          <a:p>
+            <a:r>
+              <a:rPr lang="en-US" b="1" dirty="0" smtClean="0">
+                <a:solidFill>
+                  <a:schemeClr val="bg1"/>
+                </a:solidFill>
+              </a:rPr>
+              <a:t>One-click registration &amp; payment</a:t>
+            </a:r>
+            <a:endParaRPr lang="en-US" b="1" dirty="0">
+              <a:solidFill>
+                <a:schemeClr val="bg1"/>
+              </a:solidFill>
+            </a:endParaRPr>
+          </a:p>
+        </p:txBody>
+      </p:sp>
+      <p:sp>
+        <p:nvSpPr>
+          <p:cNvPr id="17" name="TextBox 16"/>
+          <p:cNvSpPr txBox="1"/>
+          <p:nvPr/>
+        </p:nvSpPr>
+        <p:spPr>
+          <a:xfrm>
+            <a:off x="5018509" y="5006450"/>
+            <a:ext cx="2217787" cy="369332"/>
+          </a:xfrm>
+          <a:prstGeom prst="rect">
+            <a:avLst/>
+          </a:prstGeom>
+          <a:noFill/>
+        </p:spPr>
+        <p:txBody>
+          <a:bodyPr wrap="none" rtlCol="0">
+            <a:spAutoFit/>
+          </a:bodyPr>
+          <a:lstStyle/>
+          <a:p>
+            <a:r>
+              <a:rPr lang="en-US" b="1" dirty="0" smtClean="0">
+                <a:solidFill>
+                  <a:schemeClr val="bg1"/>
+                </a:solidFill>
+              </a:rPr>
+              <a:t>One-click registration</a:t>
+            </a:r>
+            <a:endParaRPr lang="en-US" b="1" dirty="0">
+              <a:solidFill>
+                <a:schemeClr val="bg1"/>
+              </a:solidFill>
+            </a:endParaRPr>
+          </a:p>
+        </p:txBody>
+      </p:sp>
+      <p:sp>
+        <p:nvSpPr>
+          <p:cNvPr id="18" name="TextBox 17"/>
+          <p:cNvSpPr txBox="1"/>
+          <p:nvPr/>
+        </p:nvSpPr>
+        <p:spPr>
+          <a:xfrm>
+            <a:off x="7596336" y="5662989"/>
+            <a:ext cx="1284839" cy="646331"/>
+          </a:xfrm>
+          <a:prstGeom prst="rect">
+            <a:avLst/>
+          </a:prstGeom>
+          <a:noFill/>
+        </p:spPr>
+        <p:txBody>
+          <a:bodyPr wrap="none" rtlCol="0">
+            <a:spAutoFit/>
+          </a:bodyPr>
+          <a:lstStyle/>
+          <a:p>
+            <a:r>
+              <a:rPr lang="en-US" b="1" dirty="0" smtClean="0">
+                <a:solidFill>
+                  <a:schemeClr val="bg1"/>
+                </a:solidFill>
+              </a:rPr>
+              <a:t>Full</a:t>
+            </a:r>
+          </a:p>
+          <a:p>
+            <a:r>
+              <a:rPr lang="en-US" b="1" dirty="0" smtClean="0">
+                <a:solidFill>
+                  <a:schemeClr val="bg1"/>
+                </a:solidFill>
+              </a:rPr>
+              <a:t>registration</a:t>
+            </a:r>
+            <a:endParaRPr lang="en-US" b="1" dirty="0">
+              <a:solidFill>
+                <a:schemeClr val="bg1"/>
+              </a:solidFill>
+            </a:endParaRPr>
+          </a:p>
+        </p:txBody>
+      </p:sp>
+      <p:pic>
+        <p:nvPicPr>
+          <p:cNvPr id="19" name="Picture 2" descr="Race for Life"/>
+          <p:cNvPicPr>
+            <a:picLocks noChangeAspect="1" noChangeArrowheads="1"/>
+          </p:cNvPicPr>
+          <p:nvPr/>
+        </p:nvPicPr>
+        <p:blipFill>
+          <a:blip r:embed="rId8">
+            <a:extLst>
+              <a:ext uri="{28A0092B-C50C-407E-A947-70E740481C1C}">
+                <a14:useLocalDpi xmlns:a14="http://schemas.microsoft.com/office/drawing/2010/main" val="0"/>
+              </a:ext>
+            </a:extLst>
+          </a:blip>
+          <a:srcRect/>
+          <a:stretch>
+            <a:fillRect/>
+          </a:stretch>
+        </p:blipFill>
+        <p:spPr bwMode="auto">
+          <a:xfrm>
+            <a:off x="155575" y="46197"/>
+            <a:ext cx="2019300" cy="838201"/>
+          </a:xfrm>
+          <a:prstGeom prst="rect">
+            <a:avLst/>
+          </a:prstGeom>
+          <a:noFill/>
+          <a:extLst>
+            <a:ext uri="{909E8E84-426E-40DD-AFC4-6F175D3DCCD1}">
+              <a14:hiddenFill xmlns:a14="http://schemas.microsoft.com/office/drawing/2010/main">
+                <a:solidFill>
+                  <a:srgbClr val="FFFFFF"/>
+                </a:solidFill>
+              </a14:hiddenFill>
+            </a:ext>
+          </a:extLst>
+        </p:spPr>
+      </p:pic>
     </p:spTree>
     <p:extLst>
       <p:ext uri="{BB962C8B-B14F-4D97-AF65-F5344CB8AC3E}">
-        <p14:creationId xmlns:p14="http://schemas.microsoft.com/office/powerpoint/2010/main" val="1614758942"/>
+        <p14:creationId xmlns:p14="http://schemas.microsoft.com/office/powerpoint/2010/main" val="2497367072"/>
       </p:ext>
     </p:extLst>
   </p:cSld>
   <p:clrMapOvr>
     <a:masterClrMapping/>
   </p:clrMapOvr>
+  <p:timing>
+    <p:tnLst>
+      <p:par>
+        <p:cTn id="1" dur="indefinite" restart="never" nodeType="tmRoot"/>
+      </p:par>
+    </p:tnLst>
+  </p:timing>
+</p:sld>
+</file>
+
+<file path=ppt/slides/slide4.xml><?xml version="1.0" encoding="utf-8"?>
+<p:sld xmlns:a="http://schemas.openxmlformats.org/drawingml/2006/main" xmlns:r="http://schemas.openxmlformats.org/officeDocument/2006/relationships" xmlns:p="http://schemas.openxmlformats.org/presentationml/2006/main">
+  <p:cSld>
+    <p:spTree>
+      <p:nvGrpSpPr>
+        <p:cNvPr id="1" name=""/>
+        <p:cNvGrpSpPr/>
+        <p:nvPr/>
+      </p:nvGrpSpPr>
+      <p:grpSpPr>
+        <a:xfrm>
+          <a:off x="0" y="0"/>
+          <a:ext cx="0" cy="0"/>
+          <a:chOff x="0" y="0"/>
+          <a:chExt cx="0" cy="0"/>
+        </a:xfrm>
+      </p:grpSpPr>
+      <p:sp>
+        <p:nvSpPr>
+          <p:cNvPr id="2" name="Title 1"/>
+          <p:cNvSpPr>
+            <a:spLocks noGrp="1"/>
+          </p:cNvSpPr>
+          <p:nvPr>
+            <p:ph type="title"/>
+          </p:nvPr>
+        </p:nvSpPr>
+        <p:spPr>
+          <a:xfrm>
+            <a:off x="457200" y="413792"/>
+            <a:ext cx="8229600" cy="1143000"/>
+          </a:xfrm>
+        </p:spPr>
+        <p:txBody>
+          <a:bodyPr>
+            <a:normAutofit/>
+          </a:bodyPr>
+          <a:lstStyle/>
+          <a:p>
+            <a:pPr marL="0" indent="0"/>
+            <a:r>
+              <a:rPr lang="en-US" dirty="0"/>
+              <a:t>One-click Subscription &amp; </a:t>
+            </a:r>
+            <a:r>
+              <a:rPr lang="en-US" dirty="0" smtClean="0"/>
+              <a:t>Payment</a:t>
+            </a:r>
+            <a:endParaRPr lang="en-US" dirty="0"/>
+          </a:p>
+        </p:txBody>
+      </p:sp>
+      <p:sp>
+        <p:nvSpPr>
+          <p:cNvPr id="3" name="Content Placeholder 2"/>
+          <p:cNvSpPr>
+            <a:spLocks noGrp="1"/>
+          </p:cNvSpPr>
+          <p:nvPr>
+            <p:ph idx="1"/>
+          </p:nvPr>
+        </p:nvSpPr>
+        <p:spPr/>
+        <p:txBody>
+          <a:bodyPr/>
+          <a:lstStyle/>
+          <a:p>
+            <a:pPr marL="514350" indent="-514350">
+              <a:buFont typeface="+mj-lt"/>
+              <a:buAutoNum type="arabicPeriod"/>
+            </a:pPr>
+            <a:endParaRPr lang="en-US" dirty="0"/>
+          </a:p>
+          <a:p>
+            <a:endParaRPr lang="en-US" dirty="0"/>
+          </a:p>
+        </p:txBody>
+      </p:sp>
+      <p:pic>
+        <p:nvPicPr>
+          <p:cNvPr id="4" name="Picture 2" descr="https://duckduckgo.com/i/8a8134f5.png"/>
+          <p:cNvPicPr>
+            <a:picLocks noChangeAspect="1" noChangeArrowheads="1"/>
+          </p:cNvPicPr>
+          <p:nvPr/>
+        </p:nvPicPr>
+        <p:blipFill>
+          <a:blip r:embed="rId2">
+            <a:extLst>
+              <a:ext uri="{28A0092B-C50C-407E-A947-70E740481C1C}">
+                <a14:useLocalDpi xmlns:a14="http://schemas.microsoft.com/office/drawing/2010/main" val="0"/>
+              </a:ext>
+            </a:extLst>
+          </a:blip>
+          <a:srcRect/>
+          <a:stretch>
+            <a:fillRect/>
+          </a:stretch>
+        </p:blipFill>
+        <p:spPr bwMode="auto">
+          <a:xfrm>
+            <a:off x="1115616" y="1772816"/>
+            <a:ext cx="900112" cy="952499"/>
+          </a:xfrm>
+          <a:prstGeom prst="rect">
+            <a:avLst/>
+          </a:prstGeom>
+          <a:noFill/>
+          <a:extLst>
+            <a:ext uri="{909E8E84-426E-40DD-AFC4-6F175D3DCCD1}">
+              <a14:hiddenFill xmlns:a14="http://schemas.microsoft.com/office/drawing/2010/main">
+                <a:solidFill>
+                  <a:srgbClr val="FFFFFF"/>
+                </a:solidFill>
+              </a14:hiddenFill>
+            </a:ext>
+          </a:extLst>
+        </p:spPr>
+      </p:pic>
+      <p:pic>
+        <p:nvPicPr>
+          <p:cNvPr id="5" name="Picture 3"/>
+          <p:cNvPicPr>
+            <a:picLocks noChangeAspect="1" noChangeArrowheads="1"/>
+          </p:cNvPicPr>
+          <p:nvPr/>
+        </p:nvPicPr>
+        <p:blipFill>
+          <a:blip r:embed="rId3">
+            <a:extLst>
+              <a:ext uri="{28A0092B-C50C-407E-A947-70E740481C1C}">
+                <a14:useLocalDpi xmlns:a14="http://schemas.microsoft.com/office/drawing/2010/main" val="0"/>
+              </a:ext>
+            </a:extLst>
+          </a:blip>
+          <a:srcRect/>
+          <a:stretch>
+            <a:fillRect/>
+          </a:stretch>
+        </p:blipFill>
+        <p:spPr bwMode="auto">
+          <a:xfrm>
+            <a:off x="3923927" y="1858540"/>
+            <a:ext cx="1371600" cy="866775"/>
+          </a:xfrm>
+          <a:prstGeom prst="rect">
+            <a:avLst/>
+          </a:prstGeom>
+          <a:noFill/>
+          <a:ln>
+            <a:noFill/>
+          </a:ln>
+          <a:extLst>
+            <a:ext uri="{909E8E84-426E-40DD-AFC4-6F175D3DCCD1}">
+              <a14:hiddenFill xmlns:a14="http://schemas.microsoft.com/office/drawing/2010/main">
+                <a:solidFill>
+                  <a:schemeClr val="accent1"/>
+                </a:solidFill>
+              </a14:hiddenFill>
+            </a:ext>
+            <a:ext uri="{91240B29-F687-4F45-9708-019B960494DF}">
+              <a14:hiddenLine xmlns:a14="http://schemas.microsoft.com/office/drawing/2010/main" w="9525">
+                <a:solidFill>
+                  <a:schemeClr val="tx1"/>
+                </a:solidFill>
+                <a:miter lim="800000"/>
+                <a:headEnd/>
+                <a:tailEnd/>
+              </a14:hiddenLine>
+            </a:ext>
+          </a:extLst>
+        </p:spPr>
+      </p:pic>
+      <p:pic>
+        <p:nvPicPr>
+          <p:cNvPr id="6" name="Picture 4"/>
+          <p:cNvPicPr>
+            <a:picLocks noChangeAspect="1" noChangeArrowheads="1"/>
+          </p:cNvPicPr>
+          <p:nvPr/>
+        </p:nvPicPr>
+        <p:blipFill>
+          <a:blip r:embed="rId4">
+            <a:extLst>
+              <a:ext uri="{28A0092B-C50C-407E-A947-70E740481C1C}">
+                <a14:useLocalDpi xmlns:a14="http://schemas.microsoft.com/office/drawing/2010/main" val="0"/>
+              </a:ext>
+            </a:extLst>
+          </a:blip>
+          <a:srcRect/>
+          <a:stretch>
+            <a:fillRect/>
+          </a:stretch>
+        </p:blipFill>
+        <p:spPr bwMode="auto">
+          <a:xfrm>
+            <a:off x="7236295" y="1813301"/>
+            <a:ext cx="871527" cy="871527"/>
+          </a:xfrm>
+          <a:prstGeom prst="rect">
+            <a:avLst/>
+          </a:prstGeom>
+          <a:noFill/>
+          <a:ln>
+            <a:noFill/>
+          </a:ln>
+          <a:extLst>
+            <a:ext uri="{909E8E84-426E-40DD-AFC4-6F175D3DCCD1}">
+              <a14:hiddenFill xmlns:a14="http://schemas.microsoft.com/office/drawing/2010/main">
+                <a:solidFill>
+                  <a:schemeClr val="accent1"/>
+                </a:solidFill>
+              </a14:hiddenFill>
+            </a:ext>
+            <a:ext uri="{91240B29-F687-4F45-9708-019B960494DF}">
+              <a14:hiddenLine xmlns:a14="http://schemas.microsoft.com/office/drawing/2010/main" w="9525">
+                <a:solidFill>
+                  <a:schemeClr val="tx1"/>
+                </a:solidFill>
+                <a:miter lim="800000"/>
+                <a:headEnd/>
+                <a:tailEnd/>
+              </a14:hiddenLine>
+            </a:ext>
+          </a:extLst>
+        </p:spPr>
+      </p:pic>
+      <p:pic>
+        <p:nvPicPr>
+          <p:cNvPr id="5122" name="Picture 2" descr="Wallet widget preview"/>
+          <p:cNvPicPr>
+            <a:picLocks noChangeAspect="1" noChangeArrowheads="1"/>
+          </p:cNvPicPr>
+          <p:nvPr/>
+        </p:nvPicPr>
+        <p:blipFill>
+          <a:blip r:embed="rId5">
+            <a:extLst>
+              <a:ext uri="{28A0092B-C50C-407E-A947-70E740481C1C}">
+                <a14:useLocalDpi xmlns:a14="http://schemas.microsoft.com/office/drawing/2010/main" val="0"/>
+              </a:ext>
+            </a:extLst>
+          </a:blip>
+          <a:srcRect/>
+          <a:stretch>
+            <a:fillRect/>
+          </a:stretch>
+        </p:blipFill>
+        <p:spPr bwMode="auto">
+          <a:xfrm>
+            <a:off x="4049951" y="3284984"/>
+            <a:ext cx="4698513" cy="2610285"/>
+          </a:xfrm>
+          <a:prstGeom prst="rect">
+            <a:avLst/>
+          </a:prstGeom>
+          <a:noFill/>
+          <a:extLst>
+            <a:ext uri="{909E8E84-426E-40DD-AFC4-6F175D3DCCD1}">
+              <a14:hiddenFill xmlns:a14="http://schemas.microsoft.com/office/drawing/2010/main">
+                <a:solidFill>
+                  <a:srgbClr val="FFFFFF"/>
+                </a:solidFill>
+              </a14:hiddenFill>
+            </a:ext>
+          </a:extLst>
+        </p:spPr>
+      </p:pic>
+      <p:pic>
+        <p:nvPicPr>
+          <p:cNvPr id="9" name="Picture 2" descr="Race for Life"/>
+          <p:cNvPicPr>
+            <a:picLocks noChangeAspect="1" noChangeArrowheads="1"/>
+          </p:cNvPicPr>
+          <p:nvPr/>
+        </p:nvPicPr>
+        <p:blipFill>
+          <a:blip r:embed="rId6">
+            <a:extLst>
+              <a:ext uri="{28A0092B-C50C-407E-A947-70E740481C1C}">
+                <a14:useLocalDpi xmlns:a14="http://schemas.microsoft.com/office/drawing/2010/main" val="0"/>
+              </a:ext>
+            </a:extLst>
+          </a:blip>
+          <a:srcRect/>
+          <a:stretch>
+            <a:fillRect/>
+          </a:stretch>
+        </p:blipFill>
+        <p:spPr bwMode="auto">
+          <a:xfrm>
+            <a:off x="155575" y="46197"/>
+            <a:ext cx="2019300" cy="838201"/>
+          </a:xfrm>
+          <a:prstGeom prst="rect">
+            <a:avLst/>
+          </a:prstGeom>
+          <a:noFill/>
+          <a:extLst>
+            <a:ext uri="{909E8E84-426E-40DD-AFC4-6F175D3DCCD1}">
+              <a14:hiddenFill xmlns:a14="http://schemas.microsoft.com/office/drawing/2010/main">
+                <a:solidFill>
+                  <a:srgbClr val="FFFFFF"/>
+                </a:solidFill>
+              </a14:hiddenFill>
+            </a:ext>
+          </a:extLst>
+        </p:spPr>
+      </p:pic>
+      <p:pic>
+        <p:nvPicPr>
+          <p:cNvPr id="10" name="Picture 3"/>
+          <p:cNvPicPr>
+            <a:picLocks noChangeAspect="1" noChangeArrowheads="1"/>
+          </p:cNvPicPr>
+          <p:nvPr/>
+        </p:nvPicPr>
+        <p:blipFill>
+          <a:blip r:embed="rId7">
+            <a:extLst>
+              <a:ext uri="{28A0092B-C50C-407E-A947-70E740481C1C}">
+                <a14:useLocalDpi xmlns:a14="http://schemas.microsoft.com/office/drawing/2010/main" val="0"/>
+              </a:ext>
+            </a:extLst>
+          </a:blip>
+          <a:srcRect/>
+          <a:stretch>
+            <a:fillRect/>
+          </a:stretch>
+        </p:blipFill>
+        <p:spPr bwMode="auto">
+          <a:xfrm>
+            <a:off x="344441" y="3284983"/>
+            <a:ext cx="3435471" cy="2610285"/>
+          </a:xfrm>
+          <a:prstGeom prst="rect">
+            <a:avLst/>
+          </a:prstGeom>
+          <a:noFill/>
+          <a:ln>
+            <a:noFill/>
+          </a:ln>
+          <a:effectLst/>
+          <a:extLst>
+            <a:ext uri="{909E8E84-426E-40DD-AFC4-6F175D3DCCD1}">
+              <a14:hiddenFill xmlns:a14="http://schemas.microsoft.com/office/drawing/2010/main">
+                <a:solidFill>
+                  <a:schemeClr val="accent1"/>
+                </a:solidFill>
+              </a14:hiddenFill>
+            </a:ext>
+            <a:ext uri="{91240B29-F687-4F45-9708-019B960494DF}">
+              <a14:hiddenLine xmlns:a14="http://schemas.microsoft.com/office/drawing/2010/main" w="9525">
+                <a:solidFill>
+                  <a:schemeClr val="tx1"/>
+                </a:solidFill>
+                <a:miter lim="800000"/>
+                <a:headEnd/>
+                <a:tailEnd/>
+              </a14:hiddenLine>
+            </a:ext>
+            <a:ext uri="{AF507438-7753-43E0-B8FC-AC1667EBCBE1}">
+              <a14:hiddenEffects xmlns:a14="http://schemas.microsoft.com/office/drawing/2010/main">
+                <a:effectLst>
+                  <a:outerShdw dist="35921" dir="2700000" algn="ctr" rotWithShape="0">
+                    <a:schemeClr val="bg2"/>
+                  </a:outerShdw>
+                </a:effectLst>
+              </a14:hiddenEffects>
+            </a:ext>
+          </a:extLst>
+        </p:spPr>
+      </p:pic>
+    </p:spTree>
+    <p:extLst>
+      <p:ext uri="{BB962C8B-B14F-4D97-AF65-F5344CB8AC3E}">
+        <p14:creationId xmlns:p14="http://schemas.microsoft.com/office/powerpoint/2010/main" val="2062972357"/>
+      </p:ext>
+    </p:extLst>
+  </p:cSld>
+  <p:clrMapOvr>
+    <a:masterClrMapping/>
+  </p:clrMapOvr>
+  <p:timing>
+    <p:tnLst>
+      <p:par>
+        <p:cTn id="1" dur="indefinite" restart="never" nodeType="tmRoot"/>
+      </p:par>
+    </p:tnLst>
+  </p:timing>
+</p:sld>
+</file>
+
+<file path=ppt/slides/slide5.xml><?xml version="1.0" encoding="utf-8"?>
+<p:sld xmlns:a="http://schemas.openxmlformats.org/drawingml/2006/main" xmlns:r="http://schemas.openxmlformats.org/officeDocument/2006/relationships" xmlns:p="http://schemas.openxmlformats.org/presentationml/2006/main">
+  <p:cSld>
+    <p:spTree>
+      <p:nvGrpSpPr>
+        <p:cNvPr id="1" name=""/>
+        <p:cNvGrpSpPr/>
+        <p:nvPr/>
+      </p:nvGrpSpPr>
+      <p:grpSpPr>
+        <a:xfrm>
+          <a:off x="0" y="0"/>
+          <a:ext cx="0" cy="0"/>
+          <a:chOff x="0" y="0"/>
+          <a:chExt cx="0" cy="0"/>
+        </a:xfrm>
+      </p:grpSpPr>
+      <p:sp>
+        <p:nvSpPr>
+          <p:cNvPr id="2" name="Title 1"/>
+          <p:cNvSpPr>
+            <a:spLocks noGrp="1"/>
+          </p:cNvSpPr>
+          <p:nvPr>
+            <p:ph type="title"/>
+          </p:nvPr>
+        </p:nvSpPr>
+        <p:spPr>
+          <a:xfrm>
+            <a:off x="467544" y="620688"/>
+            <a:ext cx="8229600" cy="1143000"/>
+          </a:xfrm>
+        </p:spPr>
+        <p:txBody>
+          <a:bodyPr>
+            <a:normAutofit fontScale="90000"/>
+          </a:bodyPr>
+          <a:lstStyle/>
+          <a:p>
+            <a:r>
+              <a:rPr lang="en-US" dirty="0" smtClean="0"/>
+              <a:t>After One-Click registration or full registration process</a:t>
+            </a:r>
+            <a:endParaRPr lang="en-US" dirty="0"/>
+          </a:p>
+        </p:txBody>
+      </p:sp>
+      <p:sp>
+        <p:nvSpPr>
+          <p:cNvPr id="3" name="Content Placeholder 2"/>
+          <p:cNvSpPr>
+            <a:spLocks noGrp="1"/>
+          </p:cNvSpPr>
+          <p:nvPr>
+            <p:ph idx="1"/>
+          </p:nvPr>
+        </p:nvSpPr>
+        <p:spPr>
+          <a:xfrm>
+            <a:off x="467544" y="2964085"/>
+            <a:ext cx="8229600" cy="3273227"/>
+          </a:xfrm>
+        </p:spPr>
+        <p:txBody>
+          <a:bodyPr>
+            <a:normAutofit/>
+          </a:bodyPr>
+          <a:lstStyle/>
+          <a:p>
+            <a:pPr marL="0" indent="0">
+              <a:buNone/>
+            </a:pPr>
+            <a:r>
+              <a:rPr lang="en-US" dirty="0"/>
+              <a:t>Payment through </a:t>
+            </a:r>
+            <a:endParaRPr lang="en-US" dirty="0" smtClean="0"/>
+          </a:p>
+          <a:p>
+            <a:pPr marL="0" indent="0">
+              <a:buNone/>
+            </a:pPr>
+            <a:r>
+              <a:rPr lang="en-US" dirty="0" smtClean="0">
+                <a:solidFill>
+                  <a:srgbClr val="FF0000"/>
+                </a:solidFill>
+              </a:rPr>
+              <a:t>mobile </a:t>
+            </a:r>
+            <a:r>
+              <a:rPr lang="en-US" dirty="0">
+                <a:solidFill>
+                  <a:srgbClr val="FF0000"/>
+                </a:solidFill>
+              </a:rPr>
+              <a:t>carriers</a:t>
+            </a:r>
+          </a:p>
+          <a:p>
+            <a:pPr marL="514350" indent="-514350">
+              <a:buFont typeface="+mj-lt"/>
+              <a:buAutoNum type="arabicPeriod"/>
+            </a:pPr>
+            <a:endParaRPr lang="en-US" dirty="0" smtClean="0"/>
+          </a:p>
+          <a:p>
+            <a:pPr marL="514350" indent="-514350">
+              <a:buFont typeface="+mj-lt"/>
+              <a:buAutoNum type="arabicPeriod"/>
+            </a:pPr>
+            <a:endParaRPr lang="en-US" dirty="0" smtClean="0"/>
+          </a:p>
+        </p:txBody>
+      </p:sp>
+      <p:pic>
+        <p:nvPicPr>
+          <p:cNvPr id="3077" name="Picture 5"/>
+          <p:cNvPicPr>
+            <a:picLocks noChangeAspect="1" noChangeArrowheads="1"/>
+          </p:cNvPicPr>
+          <p:nvPr/>
+        </p:nvPicPr>
+        <p:blipFill>
+          <a:blip r:embed="rId2">
+            <a:extLst>
+              <a:ext uri="{28A0092B-C50C-407E-A947-70E740481C1C}">
+                <a14:useLocalDpi xmlns:a14="http://schemas.microsoft.com/office/drawing/2010/main" val="0"/>
+              </a:ext>
+            </a:extLst>
+          </a:blip>
+          <a:srcRect/>
+          <a:stretch>
+            <a:fillRect/>
+          </a:stretch>
+        </p:blipFill>
+        <p:spPr bwMode="auto">
+          <a:xfrm>
+            <a:off x="755576" y="4474443"/>
+            <a:ext cx="2286000" cy="466725"/>
+          </a:xfrm>
+          <a:prstGeom prst="rect">
+            <a:avLst/>
+          </a:prstGeom>
+          <a:noFill/>
+          <a:ln>
+            <a:noFill/>
+          </a:ln>
+          <a:extLst>
+            <a:ext uri="{909E8E84-426E-40DD-AFC4-6F175D3DCCD1}">
+              <a14:hiddenFill xmlns:a14="http://schemas.microsoft.com/office/drawing/2010/main">
+                <a:solidFill>
+                  <a:schemeClr val="accent1"/>
+                </a:solidFill>
+              </a14:hiddenFill>
+            </a:ext>
+            <a:ext uri="{91240B29-F687-4F45-9708-019B960494DF}">
+              <a14:hiddenLine xmlns:a14="http://schemas.microsoft.com/office/drawing/2010/main" w="9525">
+                <a:solidFill>
+                  <a:schemeClr val="tx1"/>
+                </a:solidFill>
+                <a:miter lim="800000"/>
+                <a:headEnd/>
+                <a:tailEnd/>
+              </a14:hiddenLine>
+            </a:ext>
+          </a:extLst>
+        </p:spPr>
+      </p:pic>
+      <p:pic>
+        <p:nvPicPr>
+          <p:cNvPr id="3078" name="Picture 6"/>
+          <p:cNvPicPr>
+            <a:picLocks noChangeAspect="1" noChangeArrowheads="1"/>
+          </p:cNvPicPr>
+          <p:nvPr/>
+        </p:nvPicPr>
+        <p:blipFill>
+          <a:blip r:embed="rId3">
+            <a:extLst>
+              <a:ext uri="{28A0092B-C50C-407E-A947-70E740481C1C}">
+                <a14:useLocalDpi xmlns:a14="http://schemas.microsoft.com/office/drawing/2010/main" val="0"/>
+              </a:ext>
+            </a:extLst>
+          </a:blip>
+          <a:srcRect/>
+          <a:stretch>
+            <a:fillRect/>
+          </a:stretch>
+        </p:blipFill>
+        <p:spPr bwMode="auto">
+          <a:xfrm>
+            <a:off x="4247135" y="1865048"/>
+            <a:ext cx="4645345" cy="4804311"/>
+          </a:xfrm>
+          <a:prstGeom prst="rect">
+            <a:avLst/>
+          </a:prstGeom>
+          <a:noFill/>
+          <a:ln>
+            <a:noFill/>
+          </a:ln>
+          <a:effectLst/>
+          <a:extLst>
+            <a:ext uri="{909E8E84-426E-40DD-AFC4-6F175D3DCCD1}">
+              <a14:hiddenFill xmlns:a14="http://schemas.microsoft.com/office/drawing/2010/main">
+                <a:solidFill>
+                  <a:schemeClr val="accent1"/>
+                </a:solidFill>
+              </a14:hiddenFill>
+            </a:ext>
+            <a:ext uri="{91240B29-F687-4F45-9708-019B960494DF}">
+              <a14:hiddenLine xmlns:a14="http://schemas.microsoft.com/office/drawing/2010/main" w="9525">
+                <a:solidFill>
+                  <a:schemeClr val="tx1"/>
+                </a:solidFill>
+                <a:miter lim="800000"/>
+                <a:headEnd/>
+                <a:tailEnd/>
+              </a14:hiddenLine>
+            </a:ext>
+            <a:ext uri="{AF507438-7753-43E0-B8FC-AC1667EBCBE1}">
+              <a14:hiddenEffects xmlns:a14="http://schemas.microsoft.com/office/drawing/2010/main">
+                <a:effectLst>
+                  <a:outerShdw dist="35921" dir="2700000" algn="ctr" rotWithShape="0">
+                    <a:schemeClr val="bg2"/>
+                  </a:outerShdw>
+                </a:effectLst>
+              </a14:hiddenEffects>
+            </a:ext>
+          </a:extLst>
+        </p:spPr>
+      </p:pic>
+      <p:pic>
+        <p:nvPicPr>
+          <p:cNvPr id="9" name="Picture 2" descr="Race for Life"/>
+          <p:cNvPicPr>
+            <a:picLocks noChangeAspect="1" noChangeArrowheads="1"/>
+          </p:cNvPicPr>
+          <p:nvPr/>
+        </p:nvPicPr>
+        <p:blipFill>
+          <a:blip r:embed="rId4">
+            <a:extLst>
+              <a:ext uri="{28A0092B-C50C-407E-A947-70E740481C1C}">
+                <a14:useLocalDpi xmlns:a14="http://schemas.microsoft.com/office/drawing/2010/main" val="0"/>
+              </a:ext>
+            </a:extLst>
+          </a:blip>
+          <a:srcRect/>
+          <a:stretch>
+            <a:fillRect/>
+          </a:stretch>
+        </p:blipFill>
+        <p:spPr bwMode="auto">
+          <a:xfrm>
+            <a:off x="155575" y="46197"/>
+            <a:ext cx="2019300" cy="838201"/>
+          </a:xfrm>
+          <a:prstGeom prst="rect">
+            <a:avLst/>
+          </a:prstGeom>
+          <a:noFill/>
+          <a:extLst>
+            <a:ext uri="{909E8E84-426E-40DD-AFC4-6F175D3DCCD1}">
+              <a14:hiddenFill xmlns:a14="http://schemas.microsoft.com/office/drawing/2010/main">
+                <a:solidFill>
+                  <a:srgbClr val="FFFFFF"/>
+                </a:solidFill>
+              </a14:hiddenFill>
+            </a:ext>
+          </a:extLst>
+        </p:spPr>
+      </p:pic>
+    </p:spTree>
+    <p:extLst>
+      <p:ext uri="{BB962C8B-B14F-4D97-AF65-F5344CB8AC3E}">
+        <p14:creationId xmlns:p14="http://schemas.microsoft.com/office/powerpoint/2010/main" val="995984960"/>
+      </p:ext>
+    </p:extLst>
+  </p:cSld>
+  <p:clrMapOvr>
+    <a:masterClrMapping/>
+  </p:clrMapOvr>
+  <p:timing>
+    <p:tnLst>
+      <p:par>
+        <p:cTn id="1" dur="indefinite" restart="never" nodeType="tmRoot"/>
+      </p:par>
+    </p:tnLst>
+  </p:timing>
+</p:sld>
+</file>
+
+<file path=ppt/slides/slide6.xml><?xml version="1.0" encoding="utf-8"?>
+<p:sld xmlns:a="http://schemas.openxmlformats.org/drawingml/2006/main" xmlns:r="http://schemas.openxmlformats.org/officeDocument/2006/relationships" xmlns:p="http://schemas.openxmlformats.org/presentationml/2006/main">
+  <p:cSld>
+    <p:spTree>
+      <p:nvGrpSpPr>
+        <p:cNvPr id="1" name=""/>
+        <p:cNvGrpSpPr/>
+        <p:nvPr/>
+      </p:nvGrpSpPr>
+      <p:grpSpPr>
+        <a:xfrm>
+          <a:off x="0" y="0"/>
+          <a:ext cx="0" cy="0"/>
+          <a:chOff x="0" y="0"/>
+          <a:chExt cx="0" cy="0"/>
+        </a:xfrm>
+      </p:grpSpPr>
+      <p:sp>
+        <p:nvSpPr>
+          <p:cNvPr id="2" name="Title 1"/>
+          <p:cNvSpPr>
+            <a:spLocks noGrp="1"/>
+          </p:cNvSpPr>
+          <p:nvPr>
+            <p:ph type="title"/>
+          </p:nvPr>
+        </p:nvSpPr>
+        <p:spPr/>
+        <p:txBody>
+          <a:bodyPr/>
+          <a:lstStyle/>
+          <a:p>
+            <a:r>
+              <a:rPr lang="en-US" dirty="0" smtClean="0"/>
+              <a:t>Demo</a:t>
+            </a:r>
+            <a:endParaRPr lang="en-US" dirty="0"/>
+          </a:p>
+        </p:txBody>
+      </p:sp>
+      <p:sp>
+        <p:nvSpPr>
+          <p:cNvPr id="4" name="Text Placeholder 3"/>
+          <p:cNvSpPr>
+            <a:spLocks noGrp="1"/>
+          </p:cNvSpPr>
+          <p:nvPr>
+            <p:ph type="body" idx="1"/>
+          </p:nvPr>
+        </p:nvSpPr>
+        <p:spPr/>
+        <p:txBody>
+          <a:bodyPr/>
+          <a:lstStyle/>
+          <a:p>
+            <a:endParaRPr lang="en-US"/>
+          </a:p>
+        </p:txBody>
+      </p:sp>
+      <p:pic>
+        <p:nvPicPr>
+          <p:cNvPr id="5" name="Picture 2" descr="Race for Life"/>
+          <p:cNvPicPr>
+            <a:picLocks noChangeAspect="1" noChangeArrowheads="1"/>
+          </p:cNvPicPr>
+          <p:nvPr/>
+        </p:nvPicPr>
+        <p:blipFill>
+          <a:blip r:embed="rId2">
+            <a:extLst>
+              <a:ext uri="{28A0092B-C50C-407E-A947-70E740481C1C}">
+                <a14:useLocalDpi xmlns:a14="http://schemas.microsoft.com/office/drawing/2010/main" val="0"/>
+              </a:ext>
+            </a:extLst>
+          </a:blip>
+          <a:srcRect/>
+          <a:stretch>
+            <a:fillRect/>
+          </a:stretch>
+        </p:blipFill>
+        <p:spPr bwMode="auto">
+          <a:xfrm>
+            <a:off x="155575" y="46197"/>
+            <a:ext cx="2019300" cy="838201"/>
+          </a:xfrm>
+          <a:prstGeom prst="rect">
+            <a:avLst/>
+          </a:prstGeom>
+          <a:noFill/>
+          <a:extLst>
+            <a:ext uri="{909E8E84-426E-40DD-AFC4-6F175D3DCCD1}">
+              <a14:hiddenFill xmlns:a14="http://schemas.microsoft.com/office/drawing/2010/main">
+                <a:solidFill>
+                  <a:srgbClr val="FFFFFF"/>
+                </a:solidFill>
+              </a14:hiddenFill>
+            </a:ext>
+          </a:extLst>
+        </p:spPr>
+      </p:pic>
+    </p:spTree>
+    <p:extLst>
+      <p:ext uri="{BB962C8B-B14F-4D97-AF65-F5344CB8AC3E}">
+        <p14:creationId xmlns:p14="http://schemas.microsoft.com/office/powerpoint/2010/main" val="1993217722"/>
+      </p:ext>
+    </p:extLst>
+  </p:cSld>
+  <p:clrMapOvr>
+    <a:masterClrMapping/>
+  </p:clrMapOvr>
+  <p:timing>
+    <p:tnLst>
+      <p:par>
+        <p:cTn id="1" dur="indefinite" restart="never" nodeType="tmRoot"/>
+      </p:par>
+    </p:tnLst>
+  </p:timing>
+</p:sld>
+</file>
+
+<file path=ppt/slides/slide7.xml><?xml version="1.0" encoding="utf-8"?>
+<p:sld xmlns:a="http://schemas.openxmlformats.org/drawingml/2006/main" xmlns:r="http://schemas.openxmlformats.org/officeDocument/2006/relationships" xmlns:p="http://schemas.openxmlformats.org/presentationml/2006/main">
+  <p:cSld>
+    <p:spTree>
+      <p:nvGrpSpPr>
+        <p:cNvPr id="1" name=""/>
+        <p:cNvGrpSpPr/>
+        <p:nvPr/>
+      </p:nvGrpSpPr>
+      <p:grpSpPr>
+        <a:xfrm>
+          <a:off x="0" y="0"/>
+          <a:ext cx="0" cy="0"/>
+          <a:chOff x="0" y="0"/>
+          <a:chExt cx="0" cy="0"/>
+        </a:xfrm>
+      </p:grpSpPr>
+      <p:sp>
+        <p:nvSpPr>
+          <p:cNvPr id="2" name="Title 1"/>
+          <p:cNvSpPr>
+            <a:spLocks noGrp="1"/>
+          </p:cNvSpPr>
+          <p:nvPr>
+            <p:ph type="title"/>
+          </p:nvPr>
+        </p:nvSpPr>
+        <p:spPr/>
+        <p:txBody>
+          <a:bodyPr/>
+          <a:lstStyle/>
+          <a:p>
+            <a:r>
+              <a:rPr lang="en-US" dirty="0" smtClean="0"/>
+              <a:t>Future Improvements</a:t>
+            </a:r>
+            <a:endParaRPr lang="en-US" dirty="0"/>
+          </a:p>
+        </p:txBody>
+      </p:sp>
+      <p:sp>
+        <p:nvSpPr>
+          <p:cNvPr id="3" name="Content Placeholder 2"/>
+          <p:cNvSpPr>
+            <a:spLocks noGrp="1"/>
+          </p:cNvSpPr>
+          <p:nvPr>
+            <p:ph idx="1"/>
+          </p:nvPr>
+        </p:nvSpPr>
+        <p:spPr/>
+        <p:txBody>
+          <a:bodyPr>
+            <a:normAutofit/>
+          </a:bodyPr>
+          <a:lstStyle/>
+          <a:p>
+            <a:r>
+              <a:rPr lang="en-US" dirty="0" smtClean="0"/>
+              <a:t>User </a:t>
+            </a:r>
+            <a:r>
+              <a:rPr lang="en-US" dirty="0"/>
+              <a:t>dashboard</a:t>
+            </a:r>
+          </a:p>
+          <a:p>
+            <a:pPr marL="400050" lvl="1" indent="0">
+              <a:buNone/>
+            </a:pPr>
+            <a:r>
+              <a:rPr lang="en-US" dirty="0"/>
+              <a:t>	Avoid user to give her details again and again</a:t>
+            </a:r>
+          </a:p>
+          <a:p>
+            <a:pPr marL="514350" indent="-514350">
+              <a:buFont typeface="+mj-lt"/>
+              <a:buAutoNum type="arabicPeriod"/>
+            </a:pPr>
+            <a:endParaRPr lang="en-US" dirty="0"/>
+          </a:p>
+          <a:p>
+            <a:r>
+              <a:rPr lang="en-US" dirty="0"/>
+              <a:t>Improving user experience by leveraging existing data</a:t>
+            </a:r>
+          </a:p>
+          <a:p>
+            <a:endParaRPr lang="en-US" dirty="0" smtClean="0"/>
+          </a:p>
+          <a:p>
+            <a:r>
+              <a:rPr lang="en-US" dirty="0" smtClean="0"/>
+              <a:t>Advertising on races near her location</a:t>
+            </a:r>
+          </a:p>
+          <a:p>
+            <a:pPr lvl="1"/>
+            <a:r>
+              <a:rPr lang="en-US" dirty="0" smtClean="0"/>
+              <a:t>Extra revenue generation</a:t>
+            </a:r>
+            <a:endParaRPr lang="en-US" dirty="0"/>
+          </a:p>
+        </p:txBody>
+      </p:sp>
+      <p:pic>
+        <p:nvPicPr>
+          <p:cNvPr id="4" name="Picture 2" descr="Race for Life"/>
+          <p:cNvPicPr>
+            <a:picLocks noChangeAspect="1" noChangeArrowheads="1"/>
+          </p:cNvPicPr>
+          <p:nvPr/>
+        </p:nvPicPr>
+        <p:blipFill>
+          <a:blip r:embed="rId2">
+            <a:extLst>
+              <a:ext uri="{28A0092B-C50C-407E-A947-70E740481C1C}">
+                <a14:useLocalDpi xmlns:a14="http://schemas.microsoft.com/office/drawing/2010/main" val="0"/>
+              </a:ext>
+            </a:extLst>
+          </a:blip>
+          <a:srcRect/>
+          <a:stretch>
+            <a:fillRect/>
+          </a:stretch>
+        </p:blipFill>
+        <p:spPr bwMode="auto">
+          <a:xfrm>
+            <a:off x="155575" y="46197"/>
+            <a:ext cx="2019300" cy="838201"/>
+          </a:xfrm>
+          <a:prstGeom prst="rect">
+            <a:avLst/>
+          </a:prstGeom>
+          <a:noFill/>
+          <a:extLst>
+            <a:ext uri="{909E8E84-426E-40DD-AFC4-6F175D3DCCD1}">
+              <a14:hiddenFill xmlns:a14="http://schemas.microsoft.com/office/drawing/2010/main">
+                <a:solidFill>
+                  <a:srgbClr val="FFFFFF"/>
+                </a:solidFill>
+              </a14:hiddenFill>
+            </a:ext>
+          </a:extLst>
+        </p:spPr>
+      </p:pic>
+    </p:spTree>
+    <p:extLst>
+      <p:ext uri="{BB962C8B-B14F-4D97-AF65-F5344CB8AC3E}">
+        <p14:creationId xmlns:p14="http://schemas.microsoft.com/office/powerpoint/2010/main" val="590760031"/>
+      </p:ext>
+    </p:extLst>
+  </p:cSld>
+  <p:clrMapOvr>
+    <a:masterClrMapping/>
+  </p:clrMapOvr>
+  <p:timing>
+    <p:tnLst>
+      <p:par>
+        <p:cTn id="1" dur="indefinite" restart="never" nodeType="tmRoot"/>
+      </p:par>
+    </p:tnLst>
+  </p:timing>
+</p:sld>
+</file>
+
+<file path=ppt/slides/slide8.xml><?xml version="1.0" encoding="utf-8"?>
+<p:sld xmlns:a="http://schemas.openxmlformats.org/drawingml/2006/main" xmlns:r="http://schemas.openxmlformats.org/officeDocument/2006/relationships" xmlns:p="http://schemas.openxmlformats.org/presentationml/2006/main">
+  <p:cSld>
+    <p:spTree>
+      <p:nvGrpSpPr>
+        <p:cNvPr id="1" name=""/>
+        <p:cNvGrpSpPr/>
+        <p:nvPr/>
+      </p:nvGrpSpPr>
+      <p:grpSpPr>
+        <a:xfrm>
+          <a:off x="0" y="0"/>
+          <a:ext cx="0" cy="0"/>
+          <a:chOff x="0" y="0"/>
+          <a:chExt cx="0" cy="0"/>
+        </a:xfrm>
+      </p:grpSpPr>
+      <p:sp>
+        <p:nvSpPr>
+          <p:cNvPr id="2" name="Title 1"/>
+          <p:cNvSpPr>
+            <a:spLocks noGrp="1"/>
+          </p:cNvSpPr>
+          <p:nvPr>
+            <p:ph type="title"/>
+          </p:nvPr>
+        </p:nvSpPr>
+        <p:spPr/>
+        <p:txBody>
+          <a:bodyPr/>
+          <a:lstStyle/>
+          <a:p>
+            <a:r>
+              <a:rPr lang="en-US" dirty="0" smtClean="0"/>
+              <a:t>Future Improvements</a:t>
+            </a:r>
+            <a:endParaRPr lang="en-US" dirty="0"/>
+          </a:p>
+        </p:txBody>
+      </p:sp>
+      <p:sp>
+        <p:nvSpPr>
+          <p:cNvPr id="3" name="Content Placeholder 2"/>
+          <p:cNvSpPr>
+            <a:spLocks noGrp="1"/>
+          </p:cNvSpPr>
+          <p:nvPr>
+            <p:ph idx="1"/>
+          </p:nvPr>
+        </p:nvSpPr>
+        <p:spPr/>
+        <p:txBody>
+          <a:bodyPr/>
+          <a:lstStyle/>
+          <a:p>
+            <a:r>
+              <a:rPr lang="en-US" dirty="0"/>
+              <a:t>Google Analytics </a:t>
+            </a:r>
+            <a:r>
+              <a:rPr lang="en-US" dirty="0" err="1"/>
+              <a:t>pageTracker</a:t>
+            </a:r>
+            <a:r>
+              <a:rPr lang="en-US" dirty="0"/>
+              <a:t>._</a:t>
+            </a:r>
+            <a:r>
+              <a:rPr lang="en-US" dirty="0" err="1"/>
+              <a:t>trackEvent</a:t>
+            </a:r>
+            <a:r>
+              <a:rPr lang="en-US" dirty="0"/>
+              <a:t> to track user clicks and actions.</a:t>
+            </a:r>
+          </a:p>
+          <a:p>
+            <a:pPr marL="0" indent="0">
+              <a:buNone/>
+            </a:pPr>
+            <a:endParaRPr lang="en-US" dirty="0"/>
+          </a:p>
+          <a:p>
+            <a:r>
+              <a:rPr lang="en-US" dirty="0" smtClean="0"/>
+              <a:t>Social interactions</a:t>
+            </a:r>
+          </a:p>
+          <a:p>
+            <a:pPr marL="457200" lvl="1" indent="0">
+              <a:buNone/>
+            </a:pPr>
+            <a:r>
+              <a:rPr lang="en-US" dirty="0" smtClean="0"/>
+              <a:t>“Tell your friends you are running”</a:t>
+            </a:r>
+            <a:endParaRPr lang="en-US" dirty="0"/>
+          </a:p>
+        </p:txBody>
+      </p:sp>
+      <p:pic>
+        <p:nvPicPr>
+          <p:cNvPr id="4" name="Picture 2" descr="Race for Life"/>
+          <p:cNvPicPr>
+            <a:picLocks noChangeAspect="1" noChangeArrowheads="1"/>
+          </p:cNvPicPr>
+          <p:nvPr/>
+        </p:nvPicPr>
+        <p:blipFill>
+          <a:blip r:embed="rId2">
+            <a:extLst>
+              <a:ext uri="{28A0092B-C50C-407E-A947-70E740481C1C}">
+                <a14:useLocalDpi xmlns:a14="http://schemas.microsoft.com/office/drawing/2010/main" val="0"/>
+              </a:ext>
+            </a:extLst>
+          </a:blip>
+          <a:srcRect/>
+          <a:stretch>
+            <a:fillRect/>
+          </a:stretch>
+        </p:blipFill>
+        <p:spPr bwMode="auto">
+          <a:xfrm>
+            <a:off x="155575" y="46197"/>
+            <a:ext cx="2019300" cy="838201"/>
+          </a:xfrm>
+          <a:prstGeom prst="rect">
+            <a:avLst/>
+          </a:prstGeom>
+          <a:noFill/>
+          <a:extLst>
+            <a:ext uri="{909E8E84-426E-40DD-AFC4-6F175D3DCCD1}">
+              <a14:hiddenFill xmlns:a14="http://schemas.microsoft.com/office/drawing/2010/main">
+                <a:solidFill>
+                  <a:srgbClr val="FFFFFF"/>
+                </a:solidFill>
+              </a14:hiddenFill>
+            </a:ext>
+          </a:extLst>
+        </p:spPr>
+      </p:pic>
+    </p:spTree>
+    <p:extLst>
+      <p:ext uri="{BB962C8B-B14F-4D97-AF65-F5344CB8AC3E}">
+        <p14:creationId xmlns:p14="http://schemas.microsoft.com/office/powerpoint/2010/main" val="2074117714"/>
+      </p:ext>
+    </p:extLst>
+  </p:cSld>
+  <p:clrMapOvr>
+    <a:masterClrMapping/>
+  </p:clrMapOvr>
+  <p:timing>
+    <p:tnLst>
+      <p:par>
+        <p:cTn id="1" dur="indefinite" restart="never" nodeType="tmRoot"/>
+      </p:par>
+    </p:tnLst>
+  </p:timing>
+</p:sld>
+</file>
+
+<file path=ppt/slides/slide9.xml><?xml version="1.0" encoding="utf-8"?>
+<p:sld xmlns:a="http://schemas.openxmlformats.org/drawingml/2006/main" xmlns:r="http://schemas.openxmlformats.org/officeDocument/2006/relationships" xmlns:p="http://schemas.openxmlformats.org/presentationml/2006/main">
+  <p:cSld>
+    <p:spTree>
+      <p:nvGrpSpPr>
+        <p:cNvPr id="1" name=""/>
+        <p:cNvGrpSpPr/>
+        <p:nvPr/>
+      </p:nvGrpSpPr>
+      <p:grpSpPr>
+        <a:xfrm>
+          <a:off x="0" y="0"/>
+          <a:ext cx="0" cy="0"/>
+          <a:chOff x="0" y="0"/>
+          <a:chExt cx="0" cy="0"/>
+        </a:xfrm>
+      </p:grpSpPr>
+      <p:sp>
+        <p:nvSpPr>
+          <p:cNvPr id="6" name="Title 5"/>
+          <p:cNvSpPr>
+            <a:spLocks noGrp="1"/>
+          </p:cNvSpPr>
+          <p:nvPr>
+            <p:ph type="title"/>
+          </p:nvPr>
+        </p:nvSpPr>
+        <p:spPr/>
+        <p:txBody>
+          <a:bodyPr/>
+          <a:lstStyle/>
+          <a:p>
+            <a:r>
+              <a:rPr lang="en-US" dirty="0" smtClean="0"/>
+              <a:t>AWS Architecture</a:t>
+            </a:r>
+            <a:endParaRPr lang="en-US" dirty="0"/>
+          </a:p>
+        </p:txBody>
+      </p:sp>
+      <p:sp>
+        <p:nvSpPr>
+          <p:cNvPr id="7" name="Text Placeholder 6"/>
+          <p:cNvSpPr>
+            <a:spLocks noGrp="1"/>
+          </p:cNvSpPr>
+          <p:nvPr>
+            <p:ph type="body" idx="1"/>
+          </p:nvPr>
+        </p:nvSpPr>
+        <p:spPr/>
+        <p:txBody>
+          <a:bodyPr/>
+          <a:lstStyle/>
+          <a:p>
+            <a:endParaRPr lang="en-US" dirty="0"/>
+          </a:p>
+        </p:txBody>
+      </p:sp>
+      <p:pic>
+        <p:nvPicPr>
+          <p:cNvPr id="4" name="Picture 2" descr="Race for Life"/>
+          <p:cNvPicPr>
+            <a:picLocks noChangeAspect="1" noChangeArrowheads="1"/>
+          </p:cNvPicPr>
+          <p:nvPr/>
+        </p:nvPicPr>
+        <p:blipFill>
+          <a:blip r:embed="rId2">
+            <a:extLst>
+              <a:ext uri="{28A0092B-C50C-407E-A947-70E740481C1C}">
+                <a14:useLocalDpi xmlns:a14="http://schemas.microsoft.com/office/drawing/2010/main" val="0"/>
+              </a:ext>
+            </a:extLst>
+          </a:blip>
+          <a:srcRect/>
+          <a:stretch>
+            <a:fillRect/>
+          </a:stretch>
+        </p:blipFill>
+        <p:spPr bwMode="auto">
+          <a:xfrm>
+            <a:off x="155575" y="46197"/>
+            <a:ext cx="2019300" cy="838201"/>
+          </a:xfrm>
+          <a:prstGeom prst="rect">
+            <a:avLst/>
+          </a:prstGeom>
+          <a:noFill/>
+          <a:extLst>
+            <a:ext uri="{909E8E84-426E-40DD-AFC4-6F175D3DCCD1}">
+              <a14:hiddenFill xmlns:a14="http://schemas.microsoft.com/office/drawing/2010/main">
+                <a:solidFill>
+                  <a:srgbClr val="FFFFFF"/>
+                </a:solidFill>
+              </a14:hiddenFill>
+            </a:ext>
+          </a:extLst>
+        </p:spPr>
+      </p:pic>
+    </p:spTree>
+    <p:extLst>
+      <p:ext uri="{BB962C8B-B14F-4D97-AF65-F5344CB8AC3E}">
+        <p14:creationId xmlns:p14="http://schemas.microsoft.com/office/powerpoint/2010/main" val="3308620095"/>
+      </p:ext>
+    </p:extLst>
+  </p:cSld>
+  <p:clrMapOvr>
+    <a:masterClrMapping/>
+  </p:clrMapOvr>
+  <p:timing>
+    <p:tnLst>
+      <p:par>
+        <p:cTn id="1" dur="indefinite" restart="never" nodeType="tmRoot"/>
+      </p:par>
+    </p:tnLst>
+  </p:timing>
 </p:sld>
 </file>
 

--- a/docs/Architecture.pptx
+++ b/docs/Architecture.pptx
@@ -7,10 +7,10 @@
   <p:sldIdLst>
     <p:sldId id="256" r:id="rId2"/>
     <p:sldId id="271" r:id="rId3"/>
-    <p:sldId id="275" r:id="rId4"/>
-    <p:sldId id="268" r:id="rId5"/>
-    <p:sldId id="266" r:id="rId6"/>
-    <p:sldId id="270" r:id="rId7"/>
+    <p:sldId id="277" r:id="rId4"/>
+    <p:sldId id="275" r:id="rId5"/>
+    <p:sldId id="268" r:id="rId6"/>
+    <p:sldId id="266" r:id="rId7"/>
     <p:sldId id="269" r:id="rId8"/>
     <p:sldId id="273" r:id="rId9"/>
     <p:sldId id="260" r:id="rId10"/>
@@ -5995,6 +5995,13 @@
   <p:clrMapOvr>
     <a:masterClrMapping/>
   </p:clrMapOvr>
+  <p:timing>
+    <p:tnLst>
+      <p:par>
+        <p:cTn id="1" dur="indefinite" restart="never" nodeType="tmRoot"/>
+      </p:par>
+    </p:tnLst>
+  </p:timing>
 </p:sld>
 </file>
 
@@ -6263,6 +6270,13 @@
   <p:clrMapOvr>
     <a:masterClrMapping/>
   </p:clrMapOvr>
+  <p:timing>
+    <p:tnLst>
+      <p:par>
+        <p:cTn id="1" dur="indefinite" restart="never" nodeType="tmRoot"/>
+      </p:par>
+    </p:tnLst>
+  </p:timing>
 </p:sld>
 </file>
 
@@ -6324,18 +6338,6 @@
             <a:r>
               <a:rPr lang="en-US" dirty="0" smtClean="0"/>
               <a:t>Our solution</a:t>
-            </a:r>
-          </a:p>
-          <a:p>
-            <a:endParaRPr lang="en-US" dirty="0"/>
-          </a:p>
-          <a:p>
-            <a:endParaRPr lang="en-US" dirty="0" smtClean="0"/>
-          </a:p>
-          <a:p>
-            <a:r>
-              <a:rPr lang="en-US" dirty="0" smtClean="0"/>
-              <a:t>Demo</a:t>
             </a:r>
           </a:p>
           <a:p>
@@ -6433,6 +6435,161 @@
       </p:grpSpPr>
       <p:sp>
         <p:nvSpPr>
+          <p:cNvPr id="4" name="Title 3"/>
+          <p:cNvSpPr>
+            <a:spLocks noGrp="1"/>
+          </p:cNvSpPr>
+          <p:nvPr>
+            <p:ph type="title"/>
+          </p:nvPr>
+        </p:nvSpPr>
+        <p:spPr/>
+        <p:txBody>
+          <a:bodyPr/>
+          <a:lstStyle/>
+          <a:p>
+            <a:r>
+              <a:rPr lang="en-US" dirty="0" smtClean="0"/>
+              <a:t>Our Solution</a:t>
+            </a:r>
+            <a:endParaRPr lang="en-US" dirty="0"/>
+          </a:p>
+        </p:txBody>
+      </p:sp>
+      <p:sp>
+        <p:nvSpPr>
+          <p:cNvPr id="5" name="Text Placeholder 4"/>
+          <p:cNvSpPr>
+            <a:spLocks noGrp="1"/>
+          </p:cNvSpPr>
+          <p:nvPr>
+            <p:ph type="body" idx="1"/>
+          </p:nvPr>
+        </p:nvSpPr>
+        <p:spPr/>
+        <p:txBody>
+          <a:bodyPr/>
+          <a:lstStyle/>
+          <a:p>
+            <a:endParaRPr lang="en-US"/>
+          </a:p>
+        </p:txBody>
+      </p:sp>
+    </p:spTree>
+    <p:extLst>
+      <p:ext uri="{BB962C8B-B14F-4D97-AF65-F5344CB8AC3E}">
+        <p14:creationId xmlns:p14="http://schemas.microsoft.com/office/powerpoint/2010/main" val="4219466938"/>
+      </p:ext>
+    </p:extLst>
+  </p:cSld>
+  <p:clrMapOvr>
+    <a:masterClrMapping/>
+  </p:clrMapOvr>
+  <p:timing>
+    <p:tnLst>
+      <p:par>
+        <p:cTn id="1" dur="indefinite" restart="never" nodeType="tmRoot"/>
+      </p:par>
+    </p:tnLst>
+  </p:timing>
+</p:sld>
+</file>
+
+<file path=ppt/slides/slide4.xml><?xml version="1.0" encoding="utf-8"?>
+<p:sld xmlns:a="http://schemas.openxmlformats.org/drawingml/2006/main" xmlns:r="http://schemas.openxmlformats.org/officeDocument/2006/relationships" xmlns:p="http://schemas.openxmlformats.org/presentationml/2006/main">
+  <p:cSld>
+    <p:spTree>
+      <p:nvGrpSpPr>
+        <p:cNvPr id="1" name=""/>
+        <p:cNvGrpSpPr/>
+        <p:nvPr/>
+      </p:nvGrpSpPr>
+      <p:grpSpPr>
+        <a:xfrm>
+          <a:off x="0" y="0"/>
+          <a:ext cx="0" cy="0"/>
+          <a:chOff x="0" y="0"/>
+          <a:chExt cx="0" cy="0"/>
+        </a:xfrm>
+      </p:grpSpPr>
+      <p:sp>
+        <p:nvSpPr>
+          <p:cNvPr id="21" name="Rounded Rectangle 20"/>
+          <p:cNvSpPr/>
+          <p:nvPr/>
+        </p:nvSpPr>
+        <p:spPr>
+          <a:xfrm>
+            <a:off x="7596336" y="4725144"/>
+            <a:ext cx="1440160" cy="1944216"/>
+          </a:xfrm>
+          <a:prstGeom prst="roundRect">
+            <a:avLst/>
+          </a:prstGeom>
+        </p:spPr>
+        <p:style>
+          <a:lnRef idx="0">
+            <a:schemeClr val="accent2"/>
+          </a:lnRef>
+          <a:fillRef idx="3">
+            <a:schemeClr val="accent2"/>
+          </a:fillRef>
+          <a:effectRef idx="3">
+            <a:schemeClr val="accent2"/>
+          </a:effectRef>
+          <a:fontRef idx="minor">
+            <a:schemeClr val="lt1"/>
+          </a:fontRef>
+        </p:style>
+        <p:txBody>
+          <a:bodyPr rtlCol="0" anchor="ctr"/>
+          <a:lstStyle/>
+          <a:p>
+            <a:pPr algn="ctr"/>
+            <a:endParaRPr lang="en-US" dirty="0"/>
+          </a:p>
+        </p:txBody>
+      </p:sp>
+      <p:sp>
+        <p:nvSpPr>
+          <p:cNvPr id="20" name="Rounded Rectangle 19"/>
+          <p:cNvSpPr/>
+          <p:nvPr/>
+        </p:nvSpPr>
+        <p:spPr>
+          <a:xfrm>
+            <a:off x="4644008" y="4725144"/>
+            <a:ext cx="2808312" cy="1944216"/>
+          </a:xfrm>
+          <a:prstGeom prst="roundRect">
+            <a:avLst/>
+          </a:prstGeom>
+        </p:spPr>
+        <p:style>
+          <a:lnRef idx="0">
+            <a:schemeClr val="accent6"/>
+          </a:lnRef>
+          <a:fillRef idx="3">
+            <a:schemeClr val="accent6"/>
+          </a:fillRef>
+          <a:effectRef idx="3">
+            <a:schemeClr val="accent6"/>
+          </a:effectRef>
+          <a:fontRef idx="minor">
+            <a:schemeClr val="lt1"/>
+          </a:fontRef>
+        </p:style>
+        <p:txBody>
+          <a:bodyPr rtlCol="0" anchor="ctr"/>
+          <a:lstStyle/>
+          <a:p>
+            <a:pPr algn="ctr"/>
+            <a:endParaRPr lang="en-US" dirty="0"/>
+          </a:p>
+        </p:txBody>
+      </p:sp>
+      <p:sp>
+        <p:nvSpPr>
           <p:cNvPr id="14" name="Rounded Rectangle 13"/>
           <p:cNvSpPr/>
           <p:nvPr/>
@@ -6440,7 +6597,7 @@
         <p:spPr>
           <a:xfrm>
             <a:off x="395536" y="4725144"/>
-            <a:ext cx="8568952" cy="1944216"/>
+            <a:ext cx="4176464" cy="1944216"/>
           </a:xfrm>
           <a:prstGeom prst="roundRect">
             <a:avLst/>
@@ -6448,13 +6605,13 @@
         </p:spPr>
         <p:style>
           <a:lnRef idx="0">
-            <a:schemeClr val="accent4"/>
+            <a:schemeClr val="accent3"/>
           </a:lnRef>
           <a:fillRef idx="3">
-            <a:schemeClr val="accent4"/>
+            <a:schemeClr val="accent3"/>
           </a:fillRef>
           <a:effectRef idx="3">
-            <a:schemeClr val="accent4"/>
+            <a:schemeClr val="accent3"/>
           </a:effectRef>
           <a:fontRef idx="minor">
             <a:schemeClr val="lt1"/>
@@ -6922,7 +7079,7 @@
         </p:nvSpPr>
         <p:spPr>
           <a:xfrm>
-            <a:off x="7596336" y="5662989"/>
+            <a:off x="7679649" y="4941168"/>
             <a:ext cx="1284839" cy="646331"/>
           </a:xfrm>
           <a:prstGeom prst="rect">
@@ -7023,7 +7180,7 @@
 </p:sld>
 </file>
 
-<file path=ppt/slides/slide4.xml><?xml version="1.0" encoding="utf-8"?>
+<file path=ppt/slides/slide5.xml><?xml version="1.0" encoding="utf-8"?>
 <p:sld xmlns:a="http://schemas.openxmlformats.org/drawingml/2006/main" xmlns:r="http://schemas.openxmlformats.org/officeDocument/2006/relationships" xmlns:p="http://schemas.openxmlformats.org/presentationml/2006/main">
   <p:cSld>
     <p:spTree>
@@ -7040,6 +7197,44 @@
           <a:chExt cx="0" cy="0"/>
         </a:xfrm>
       </p:grpSpPr>
+      <p:sp>
+        <p:nvSpPr>
+          <p:cNvPr id="7" name="Rounded Rectangle 6"/>
+          <p:cNvSpPr/>
+          <p:nvPr/>
+        </p:nvSpPr>
+        <p:spPr>
+          <a:xfrm>
+            <a:off x="611560" y="1484784"/>
+            <a:ext cx="7920880" cy="1656184"/>
+          </a:xfrm>
+          <a:prstGeom prst="roundRect">
+            <a:avLst/>
+          </a:prstGeom>
+        </p:spPr>
+        <p:style>
+          <a:lnRef idx="0">
+            <a:schemeClr val="accent3"/>
+          </a:lnRef>
+          <a:fillRef idx="3">
+            <a:schemeClr val="accent3"/>
+          </a:fillRef>
+          <a:effectRef idx="3">
+            <a:schemeClr val="accent3"/>
+          </a:effectRef>
+          <a:fontRef idx="minor">
+            <a:schemeClr val="lt1"/>
+          </a:fontRef>
+        </p:style>
+        <p:txBody>
+          <a:bodyPr rtlCol="0" anchor="ctr"/>
+          <a:lstStyle/>
+          <a:p>
+            <a:pPr algn="ctr"/>
+            <a:endParaRPr lang="en-US"/>
+          </a:p>
+        </p:txBody>
+      </p:sp>
       <p:sp>
         <p:nvSpPr>
           <p:cNvPr id="2" name="Title 1"/>
@@ -7416,7 +7611,7 @@
 </p:sld>
 </file>
 
-<file path=ppt/slides/slide5.xml><?xml version="1.0" encoding="utf-8"?>
+<file path=ppt/slides/slide6.xml><?xml version="1.0" encoding="utf-8"?>
 <p:sld xmlns:a="http://schemas.openxmlformats.org/drawingml/2006/main" xmlns:r="http://schemas.openxmlformats.org/officeDocument/2006/relationships" xmlns:p="http://schemas.openxmlformats.org/presentationml/2006/main">
   <p:cSld>
     <p:spTree>
@@ -7690,6 +7885,301 @@
           </a:extLst>
         </p:spPr>
       </p:pic>
+      <p:sp>
+        <p:nvSpPr>
+          <p:cNvPr id="4" name="TextBox 3"/>
+          <p:cNvSpPr txBox="1"/>
+          <p:nvPr/>
+        </p:nvSpPr>
+        <p:spPr>
+          <a:xfrm>
+            <a:off x="6300192" y="3368025"/>
+            <a:ext cx="894604" cy="276999"/>
+          </a:xfrm>
+          <a:prstGeom prst="rect">
+            <a:avLst/>
+          </a:prstGeom>
+          <a:solidFill>
+            <a:schemeClr val="bg1"/>
+          </a:solidFill>
+        </p:spPr>
+        <p:txBody>
+          <a:bodyPr wrap="none" rtlCol="0">
+            <a:spAutoFit/>
+          </a:bodyPr>
+          <a:lstStyle/>
+          <a:p>
+            <a:r>
+              <a:rPr lang="en-US" sz="1200" dirty="0" smtClean="0"/>
+              <a:t>Instant Run</a:t>
+            </a:r>
+            <a:endParaRPr lang="en-US" sz="1200" dirty="0"/>
+          </a:p>
+        </p:txBody>
+      </p:sp>
+      <p:pic>
+        <p:nvPicPr>
+          <p:cNvPr id="3079" name="Picture 7"/>
+          <p:cNvPicPr>
+            <a:picLocks noChangeAspect="1" noChangeArrowheads="1"/>
+          </p:cNvPicPr>
+          <p:nvPr/>
+        </p:nvPicPr>
+        <p:blipFill>
+          <a:blip r:embed="rId5">
+            <a:extLst>
+              <a:ext uri="{28A0092B-C50C-407E-A947-70E740481C1C}">
+                <a14:useLocalDpi xmlns:a14="http://schemas.microsoft.com/office/drawing/2010/main" val="0"/>
+              </a:ext>
+            </a:extLst>
+          </a:blip>
+          <a:srcRect/>
+          <a:stretch>
+            <a:fillRect/>
+          </a:stretch>
+        </p:blipFill>
+        <p:spPr bwMode="auto">
+          <a:xfrm>
+            <a:off x="377232" y="5250713"/>
+            <a:ext cx="3595285" cy="1474067"/>
+          </a:xfrm>
+          <a:prstGeom prst="rect">
+            <a:avLst/>
+          </a:prstGeom>
+          <a:noFill/>
+          <a:ln>
+            <a:noFill/>
+          </a:ln>
+          <a:effectLst/>
+          <a:extLst>
+            <a:ext uri="{909E8E84-426E-40DD-AFC4-6F175D3DCCD1}">
+              <a14:hiddenFill xmlns:a14="http://schemas.microsoft.com/office/drawing/2010/main">
+                <a:solidFill>
+                  <a:schemeClr val="accent1"/>
+                </a:solidFill>
+              </a14:hiddenFill>
+            </a:ext>
+            <a:ext uri="{91240B29-F687-4F45-9708-019B960494DF}">
+              <a14:hiddenLine xmlns:a14="http://schemas.microsoft.com/office/drawing/2010/main" w="9525">
+                <a:solidFill>
+                  <a:schemeClr val="tx1"/>
+                </a:solidFill>
+                <a:miter lim="800000"/>
+                <a:headEnd/>
+                <a:tailEnd/>
+              </a14:hiddenLine>
+            </a:ext>
+            <a:ext uri="{AF507438-7753-43E0-B8FC-AC1667EBCBE1}">
+              <a14:hiddenEffects xmlns:a14="http://schemas.microsoft.com/office/drawing/2010/main">
+                <a:effectLst>
+                  <a:outerShdw dist="35921" dir="2700000" algn="ctr" rotWithShape="0">
+                    <a:schemeClr val="bg2"/>
+                  </a:outerShdw>
+                </a:effectLst>
+              </a14:hiddenEffects>
+            </a:ext>
+          </a:extLst>
+        </p:spPr>
+      </p:pic>
+      <p:sp>
+        <p:nvSpPr>
+          <p:cNvPr id="5" name="TextBox 4"/>
+          <p:cNvSpPr txBox="1"/>
+          <p:nvPr/>
+        </p:nvSpPr>
+        <p:spPr>
+          <a:xfrm>
+            <a:off x="1202461" y="5803080"/>
+            <a:ext cx="1944828" cy="369332"/>
+          </a:xfrm>
+          <a:prstGeom prst="rect">
+            <a:avLst/>
+          </a:prstGeom>
+        </p:spPr>
+        <p:style>
+          <a:lnRef idx="1">
+            <a:schemeClr val="accent3"/>
+          </a:lnRef>
+          <a:fillRef idx="3">
+            <a:schemeClr val="accent3"/>
+          </a:fillRef>
+          <a:effectRef idx="2">
+            <a:schemeClr val="accent3"/>
+          </a:effectRef>
+          <a:fontRef idx="minor">
+            <a:schemeClr val="lt1"/>
+          </a:fontRef>
+        </p:style>
+        <p:txBody>
+          <a:bodyPr wrap="none" rtlCol="0">
+            <a:spAutoFit/>
+          </a:bodyPr>
+          <a:lstStyle/>
+          <a:p>
+            <a:r>
+              <a:rPr lang="en-US" dirty="0" smtClean="0"/>
+              <a:t>Your code is 56521</a:t>
+            </a:r>
+            <a:endParaRPr lang="en-US" dirty="0"/>
+          </a:p>
+        </p:txBody>
+      </p:sp>
+      <p:cxnSp>
+        <p:nvCxnSpPr>
+          <p:cNvPr id="7" name="Straight Arrow Connector 6"/>
+          <p:cNvCxnSpPr/>
+          <p:nvPr/>
+        </p:nvCxnSpPr>
+        <p:spPr>
+          <a:xfrm flipH="1">
+            <a:off x="3491880" y="4797152"/>
+            <a:ext cx="1224136" cy="792088"/>
+          </a:xfrm>
+          <a:prstGeom prst="straightConnector1">
+            <a:avLst/>
+          </a:prstGeom>
+          <a:ln>
+            <a:tailEnd type="arrow"/>
+          </a:ln>
+        </p:spPr>
+        <p:style>
+          <a:lnRef idx="3">
+            <a:schemeClr val="accent4"/>
+          </a:lnRef>
+          <a:fillRef idx="0">
+            <a:schemeClr val="accent4"/>
+          </a:fillRef>
+          <a:effectRef idx="2">
+            <a:schemeClr val="accent4"/>
+          </a:effectRef>
+          <a:fontRef idx="minor">
+            <a:schemeClr val="tx1"/>
+          </a:fontRef>
+        </p:style>
+      </p:cxnSp>
+      <p:sp>
+        <p:nvSpPr>
+          <p:cNvPr id="8" name="AutoShape 9" descr="Inline image 1"/>
+          <p:cNvSpPr>
+            <a:spLocks noChangeAspect="1" noChangeArrowheads="1"/>
+          </p:cNvSpPr>
+          <p:nvPr/>
+        </p:nvSpPr>
+        <p:spPr bwMode="auto">
+          <a:xfrm>
+            <a:off x="155575" y="-2566988"/>
+            <a:ext cx="5267325" cy="5353051"/>
+          </a:xfrm>
+          <a:prstGeom prst="rect">
+            <a:avLst/>
+          </a:prstGeom>
+          <a:noFill/>
+          <a:extLst>
+            <a:ext uri="{909E8E84-426E-40DD-AFC4-6F175D3DCCD1}">
+              <a14:hiddenFill xmlns:a14="http://schemas.microsoft.com/office/drawing/2010/main">
+                <a:solidFill>
+                  <a:srgbClr val="FFFFFF"/>
+                </a:solidFill>
+              </a14:hiddenFill>
+            </a:ext>
+          </a:extLst>
+        </p:spPr>
+        <p:txBody>
+          <a:bodyPr vert="horz" wrap="square" lIns="91440" tIns="45720" rIns="91440" bIns="45720" numCol="1" anchor="t" anchorCtr="0" compatLnSpc="1">
+            <a:prstTxWarp prst="textNoShape">
+              <a:avLst/>
+            </a:prstTxWarp>
+          </a:bodyPr>
+          <a:lstStyle/>
+          <a:p>
+            <a:endParaRPr lang="en-US"/>
+          </a:p>
+        </p:txBody>
+      </p:sp>
+      <p:pic>
+        <p:nvPicPr>
+          <p:cNvPr id="3082" name="Picture 10"/>
+          <p:cNvPicPr>
+            <a:picLocks noChangeAspect="1" noChangeArrowheads="1"/>
+          </p:cNvPicPr>
+          <p:nvPr/>
+        </p:nvPicPr>
+        <p:blipFill>
+          <a:blip r:embed="rId6">
+            <a:extLst>
+              <a:ext uri="{28A0092B-C50C-407E-A947-70E740481C1C}">
+                <a14:useLocalDpi xmlns:a14="http://schemas.microsoft.com/office/drawing/2010/main" val="0"/>
+              </a:ext>
+            </a:extLst>
+          </a:blip>
+          <a:srcRect/>
+          <a:stretch>
+            <a:fillRect/>
+          </a:stretch>
+        </p:blipFill>
+        <p:spPr bwMode="auto">
+          <a:xfrm>
+            <a:off x="4249158" y="1700807"/>
+            <a:ext cx="4884086" cy="4968551"/>
+          </a:xfrm>
+          <a:prstGeom prst="rect">
+            <a:avLst/>
+          </a:prstGeom>
+          <a:noFill/>
+          <a:ln>
+            <a:noFill/>
+          </a:ln>
+          <a:extLst>
+            <a:ext uri="{909E8E84-426E-40DD-AFC4-6F175D3DCCD1}">
+              <a14:hiddenFill xmlns:a14="http://schemas.microsoft.com/office/drawing/2010/main">
+                <a:solidFill>
+                  <a:schemeClr val="accent1"/>
+                </a:solidFill>
+              </a14:hiddenFill>
+            </a:ext>
+            <a:ext uri="{91240B29-F687-4F45-9708-019B960494DF}">
+              <a14:hiddenLine xmlns:a14="http://schemas.microsoft.com/office/drawing/2010/main" w="9525">
+                <a:solidFill>
+                  <a:schemeClr val="tx1"/>
+                </a:solidFill>
+                <a:miter lim="800000"/>
+                <a:headEnd/>
+                <a:tailEnd/>
+              </a14:hiddenLine>
+            </a:ext>
+          </a:extLst>
+        </p:spPr>
+      </p:pic>
+      <p:sp>
+        <p:nvSpPr>
+          <p:cNvPr id="10" name="TextBox 9"/>
+          <p:cNvSpPr txBox="1"/>
+          <p:nvPr/>
+        </p:nvSpPr>
+        <p:spPr>
+          <a:xfrm>
+            <a:off x="6012160" y="3203684"/>
+            <a:ext cx="769763" cy="369332"/>
+          </a:xfrm>
+          <a:prstGeom prst="rect">
+            <a:avLst/>
+          </a:prstGeom>
+          <a:noFill/>
+        </p:spPr>
+        <p:txBody>
+          <a:bodyPr wrap="none" rtlCol="0">
+            <a:spAutoFit/>
+          </a:bodyPr>
+          <a:lstStyle/>
+          <a:p>
+            <a:r>
+              <a:rPr lang="en-US" dirty="0" smtClean="0"/>
+              <a:t>56521</a:t>
+            </a:r>
+            <a:endParaRPr lang="en-US" dirty="0"/>
+          </a:p>
+        </p:txBody>
+      </p:sp>
     </p:spTree>
     <p:extLst>
       <p:ext uri="{BB962C8B-B14F-4D97-AF65-F5344CB8AC3E}">
@@ -7703,129 +8193,437 @@
   <p:timing>
     <p:tnLst>
       <p:par>
-        <p:cTn id="1" dur="indefinite" restart="never" nodeType="tmRoot"/>
+        <p:cTn id="1" dur="indefinite" restart="never" nodeType="tmRoot">
+          <p:childTnLst>
+            <p:seq concurrent="1" nextAc="seek">
+              <p:cTn id="2" dur="indefinite" nodeType="mainSeq">
+                <p:childTnLst>
+                  <p:par>
+                    <p:cTn id="3" fill="hold">
+                      <p:stCondLst>
+                        <p:cond delay="indefinite"/>
+                      </p:stCondLst>
+                      <p:childTnLst>
+                        <p:par>
+                          <p:cTn id="4" fill="hold">
+                            <p:stCondLst>
+                              <p:cond delay="0"/>
+                            </p:stCondLst>
+                            <p:childTnLst>
+                              <p:par>
+                                <p:cTn id="5" presetID="2" presetClass="entr" presetSubtype="4" fill="hold" nodeType="clickEffect">
+                                  <p:stCondLst>
+                                    <p:cond delay="0"/>
+                                  </p:stCondLst>
+                                  <p:childTnLst>
+                                    <p:set>
+                                      <p:cBhvr>
+                                        <p:cTn id="6" dur="1" fill="hold">
+                                          <p:stCondLst>
+                                            <p:cond delay="0"/>
+                                          </p:stCondLst>
+                                        </p:cTn>
+                                        <p:tgtEl>
+                                          <p:spTgt spid="3079"/>
+                                        </p:tgtEl>
+                                        <p:attrNameLst>
+                                          <p:attrName>style.visibility</p:attrName>
+                                        </p:attrNameLst>
+                                      </p:cBhvr>
+                                      <p:to>
+                                        <p:strVal val="visible"/>
+                                      </p:to>
+                                    </p:set>
+                                    <p:anim calcmode="lin" valueType="num">
+                                      <p:cBhvr additive="base">
+                                        <p:cTn id="7" dur="500" fill="hold"/>
+                                        <p:tgtEl>
+                                          <p:spTgt spid="3079"/>
+                                        </p:tgtEl>
+                                        <p:attrNameLst>
+                                          <p:attrName>ppt_x</p:attrName>
+                                        </p:attrNameLst>
+                                      </p:cBhvr>
+                                      <p:tavLst>
+                                        <p:tav tm="0">
+                                          <p:val>
+                                            <p:strVal val="#ppt_x"/>
+                                          </p:val>
+                                        </p:tav>
+                                        <p:tav tm="100000">
+                                          <p:val>
+                                            <p:strVal val="#ppt_x"/>
+                                          </p:val>
+                                        </p:tav>
+                                      </p:tavLst>
+                                    </p:anim>
+                                    <p:anim calcmode="lin" valueType="num">
+                                      <p:cBhvr additive="base">
+                                        <p:cTn id="8" dur="500" fill="hold"/>
+                                        <p:tgtEl>
+                                          <p:spTgt spid="3079"/>
+                                        </p:tgtEl>
+                                        <p:attrNameLst>
+                                          <p:attrName>ppt_y</p:attrName>
+                                        </p:attrNameLst>
+                                      </p:cBhvr>
+                                      <p:tavLst>
+                                        <p:tav tm="0">
+                                          <p:val>
+                                            <p:strVal val="1+#ppt_h/2"/>
+                                          </p:val>
+                                        </p:tav>
+                                        <p:tav tm="100000">
+                                          <p:val>
+                                            <p:strVal val="#ppt_y"/>
+                                          </p:val>
+                                        </p:tav>
+                                      </p:tavLst>
+                                    </p:anim>
+                                  </p:childTnLst>
+                                </p:cTn>
+                              </p:par>
+                              <p:par>
+                                <p:cTn id="9" presetID="2" presetClass="entr" presetSubtype="4" fill="hold" nodeType="withEffect">
+                                  <p:stCondLst>
+                                    <p:cond delay="0"/>
+                                  </p:stCondLst>
+                                  <p:childTnLst>
+                                    <p:set>
+                                      <p:cBhvr>
+                                        <p:cTn id="10" dur="1" fill="hold">
+                                          <p:stCondLst>
+                                            <p:cond delay="0"/>
+                                          </p:stCondLst>
+                                        </p:cTn>
+                                        <p:tgtEl>
+                                          <p:spTgt spid="7"/>
+                                        </p:tgtEl>
+                                        <p:attrNameLst>
+                                          <p:attrName>style.visibility</p:attrName>
+                                        </p:attrNameLst>
+                                      </p:cBhvr>
+                                      <p:to>
+                                        <p:strVal val="visible"/>
+                                      </p:to>
+                                    </p:set>
+                                    <p:anim calcmode="lin" valueType="num">
+                                      <p:cBhvr additive="base">
+                                        <p:cTn id="11" dur="500" fill="hold"/>
+                                        <p:tgtEl>
+                                          <p:spTgt spid="7"/>
+                                        </p:tgtEl>
+                                        <p:attrNameLst>
+                                          <p:attrName>ppt_x</p:attrName>
+                                        </p:attrNameLst>
+                                      </p:cBhvr>
+                                      <p:tavLst>
+                                        <p:tav tm="0">
+                                          <p:val>
+                                            <p:strVal val="#ppt_x"/>
+                                          </p:val>
+                                        </p:tav>
+                                        <p:tav tm="100000">
+                                          <p:val>
+                                            <p:strVal val="#ppt_x"/>
+                                          </p:val>
+                                        </p:tav>
+                                      </p:tavLst>
+                                    </p:anim>
+                                    <p:anim calcmode="lin" valueType="num">
+                                      <p:cBhvr additive="base">
+                                        <p:cTn id="12" dur="500" fill="hold"/>
+                                        <p:tgtEl>
+                                          <p:spTgt spid="7"/>
+                                        </p:tgtEl>
+                                        <p:attrNameLst>
+                                          <p:attrName>ppt_y</p:attrName>
+                                        </p:attrNameLst>
+                                      </p:cBhvr>
+                                      <p:tavLst>
+                                        <p:tav tm="0">
+                                          <p:val>
+                                            <p:strVal val="1+#ppt_h/2"/>
+                                          </p:val>
+                                        </p:tav>
+                                        <p:tav tm="100000">
+                                          <p:val>
+                                            <p:strVal val="#ppt_y"/>
+                                          </p:val>
+                                        </p:tav>
+                                      </p:tavLst>
+                                    </p:anim>
+                                  </p:childTnLst>
+                                </p:cTn>
+                              </p:par>
+                              <p:par>
+                                <p:cTn id="13" presetID="2" presetClass="entr" presetSubtype="4" fill="hold" grpId="0" nodeType="withEffect">
+                                  <p:stCondLst>
+                                    <p:cond delay="0"/>
+                                  </p:stCondLst>
+                                  <p:childTnLst>
+                                    <p:set>
+                                      <p:cBhvr>
+                                        <p:cTn id="14" dur="1" fill="hold">
+                                          <p:stCondLst>
+                                            <p:cond delay="0"/>
+                                          </p:stCondLst>
+                                        </p:cTn>
+                                        <p:tgtEl>
+                                          <p:spTgt spid="5"/>
+                                        </p:tgtEl>
+                                        <p:attrNameLst>
+                                          <p:attrName>style.visibility</p:attrName>
+                                        </p:attrNameLst>
+                                      </p:cBhvr>
+                                      <p:to>
+                                        <p:strVal val="visible"/>
+                                      </p:to>
+                                    </p:set>
+                                    <p:anim calcmode="lin" valueType="num">
+                                      <p:cBhvr additive="base">
+                                        <p:cTn id="15" dur="500" fill="hold"/>
+                                        <p:tgtEl>
+                                          <p:spTgt spid="5"/>
+                                        </p:tgtEl>
+                                        <p:attrNameLst>
+                                          <p:attrName>ppt_x</p:attrName>
+                                        </p:attrNameLst>
+                                      </p:cBhvr>
+                                      <p:tavLst>
+                                        <p:tav tm="0">
+                                          <p:val>
+                                            <p:strVal val="#ppt_x"/>
+                                          </p:val>
+                                        </p:tav>
+                                        <p:tav tm="100000">
+                                          <p:val>
+                                            <p:strVal val="#ppt_x"/>
+                                          </p:val>
+                                        </p:tav>
+                                      </p:tavLst>
+                                    </p:anim>
+                                    <p:anim calcmode="lin" valueType="num">
+                                      <p:cBhvr additive="base">
+                                        <p:cTn id="16" dur="500" fill="hold"/>
+                                        <p:tgtEl>
+                                          <p:spTgt spid="5"/>
+                                        </p:tgtEl>
+                                        <p:attrNameLst>
+                                          <p:attrName>ppt_y</p:attrName>
+                                        </p:attrNameLst>
+                                      </p:cBhvr>
+                                      <p:tavLst>
+                                        <p:tav tm="0">
+                                          <p:val>
+                                            <p:strVal val="1+#ppt_h/2"/>
+                                          </p:val>
+                                        </p:tav>
+                                        <p:tav tm="100000">
+                                          <p:val>
+                                            <p:strVal val="#ppt_y"/>
+                                          </p:val>
+                                        </p:tav>
+                                      </p:tavLst>
+                                    </p:anim>
+                                  </p:childTnLst>
+                                </p:cTn>
+                              </p:par>
+                            </p:childTnLst>
+                          </p:cTn>
+                        </p:par>
+                      </p:childTnLst>
+                    </p:cTn>
+                  </p:par>
+                  <p:par>
+                    <p:cTn id="17" fill="hold">
+                      <p:stCondLst>
+                        <p:cond delay="indefinite"/>
+                      </p:stCondLst>
+                      <p:childTnLst>
+                        <p:par>
+                          <p:cTn id="18" fill="hold">
+                            <p:stCondLst>
+                              <p:cond delay="0"/>
+                            </p:stCondLst>
+                            <p:childTnLst>
+                              <p:par>
+                                <p:cTn id="19" presetID="2" presetClass="entr" presetSubtype="4" fill="hold" nodeType="clickEffect">
+                                  <p:stCondLst>
+                                    <p:cond delay="0"/>
+                                  </p:stCondLst>
+                                  <p:childTnLst>
+                                    <p:set>
+                                      <p:cBhvr>
+                                        <p:cTn id="20" dur="1" fill="hold">
+                                          <p:stCondLst>
+                                            <p:cond delay="0"/>
+                                          </p:stCondLst>
+                                        </p:cTn>
+                                        <p:tgtEl>
+                                          <p:spTgt spid="3082"/>
+                                        </p:tgtEl>
+                                        <p:attrNameLst>
+                                          <p:attrName>style.visibility</p:attrName>
+                                        </p:attrNameLst>
+                                      </p:cBhvr>
+                                      <p:to>
+                                        <p:strVal val="visible"/>
+                                      </p:to>
+                                    </p:set>
+                                    <p:anim calcmode="lin" valueType="num">
+                                      <p:cBhvr additive="base">
+                                        <p:cTn id="21" dur="500" fill="hold"/>
+                                        <p:tgtEl>
+                                          <p:spTgt spid="3082"/>
+                                        </p:tgtEl>
+                                        <p:attrNameLst>
+                                          <p:attrName>ppt_x</p:attrName>
+                                        </p:attrNameLst>
+                                      </p:cBhvr>
+                                      <p:tavLst>
+                                        <p:tav tm="0">
+                                          <p:val>
+                                            <p:strVal val="#ppt_x"/>
+                                          </p:val>
+                                        </p:tav>
+                                        <p:tav tm="100000">
+                                          <p:val>
+                                            <p:strVal val="#ppt_x"/>
+                                          </p:val>
+                                        </p:tav>
+                                      </p:tavLst>
+                                    </p:anim>
+                                    <p:anim calcmode="lin" valueType="num">
+                                      <p:cBhvr additive="base">
+                                        <p:cTn id="22" dur="500" fill="hold"/>
+                                        <p:tgtEl>
+                                          <p:spTgt spid="3082"/>
+                                        </p:tgtEl>
+                                        <p:attrNameLst>
+                                          <p:attrName>ppt_y</p:attrName>
+                                        </p:attrNameLst>
+                                      </p:cBhvr>
+                                      <p:tavLst>
+                                        <p:tav tm="0">
+                                          <p:val>
+                                            <p:strVal val="1+#ppt_h/2"/>
+                                          </p:val>
+                                        </p:tav>
+                                        <p:tav tm="100000">
+                                          <p:val>
+                                            <p:strVal val="#ppt_y"/>
+                                          </p:val>
+                                        </p:tav>
+                                      </p:tavLst>
+                                    </p:anim>
+                                  </p:childTnLst>
+                                </p:cTn>
+                              </p:par>
+                              <p:par>
+                                <p:cTn id="23" presetID="2" presetClass="entr" presetSubtype="4" fill="hold" grpId="0" nodeType="withEffect">
+                                  <p:stCondLst>
+                                    <p:cond delay="0"/>
+                                  </p:stCondLst>
+                                  <p:childTnLst>
+                                    <p:set>
+                                      <p:cBhvr>
+                                        <p:cTn id="24" dur="1" fill="hold">
+                                          <p:stCondLst>
+                                            <p:cond delay="0"/>
+                                          </p:stCondLst>
+                                        </p:cTn>
+                                        <p:tgtEl>
+                                          <p:spTgt spid="10"/>
+                                        </p:tgtEl>
+                                        <p:attrNameLst>
+                                          <p:attrName>style.visibility</p:attrName>
+                                        </p:attrNameLst>
+                                      </p:cBhvr>
+                                      <p:to>
+                                        <p:strVal val="visible"/>
+                                      </p:to>
+                                    </p:set>
+                                    <p:anim calcmode="lin" valueType="num">
+                                      <p:cBhvr additive="base">
+                                        <p:cTn id="25" dur="500" fill="hold"/>
+                                        <p:tgtEl>
+                                          <p:spTgt spid="10"/>
+                                        </p:tgtEl>
+                                        <p:attrNameLst>
+                                          <p:attrName>ppt_x</p:attrName>
+                                        </p:attrNameLst>
+                                      </p:cBhvr>
+                                      <p:tavLst>
+                                        <p:tav tm="0">
+                                          <p:val>
+                                            <p:strVal val="#ppt_x"/>
+                                          </p:val>
+                                        </p:tav>
+                                        <p:tav tm="100000">
+                                          <p:val>
+                                            <p:strVal val="#ppt_x"/>
+                                          </p:val>
+                                        </p:tav>
+                                      </p:tavLst>
+                                    </p:anim>
+                                    <p:anim calcmode="lin" valueType="num">
+                                      <p:cBhvr additive="base">
+                                        <p:cTn id="26" dur="500" fill="hold"/>
+                                        <p:tgtEl>
+                                          <p:spTgt spid="10"/>
+                                        </p:tgtEl>
+                                        <p:attrNameLst>
+                                          <p:attrName>ppt_y</p:attrName>
+                                        </p:attrNameLst>
+                                      </p:cBhvr>
+                                      <p:tavLst>
+                                        <p:tav tm="0">
+                                          <p:val>
+                                            <p:strVal val="1+#ppt_h/2"/>
+                                          </p:val>
+                                        </p:tav>
+                                        <p:tav tm="100000">
+                                          <p:val>
+                                            <p:strVal val="#ppt_y"/>
+                                          </p:val>
+                                        </p:tav>
+                                      </p:tavLst>
+                                    </p:anim>
+                                  </p:childTnLst>
+                                </p:cTn>
+                              </p:par>
+                            </p:childTnLst>
+                          </p:cTn>
+                        </p:par>
+                      </p:childTnLst>
+                    </p:cTn>
+                  </p:par>
+                </p:childTnLst>
+              </p:cTn>
+              <p:prevCondLst>
+                <p:cond evt="onPrev" delay="0">
+                  <p:tgtEl>
+                    <p:sldTgt/>
+                  </p:tgtEl>
+                </p:cond>
+              </p:prevCondLst>
+              <p:nextCondLst>
+                <p:cond evt="onNext" delay="0">
+                  <p:tgtEl>
+                    <p:sldTgt/>
+                  </p:tgtEl>
+                </p:cond>
+              </p:nextCondLst>
+            </p:seq>
+          </p:childTnLst>
+        </p:cTn>
       </p:par>
     </p:tnLst>
-  </p:timing>
-</p:sld>
-</file>
-
-<file path=ppt/slides/slide6.xml><?xml version="1.0" encoding="utf-8"?>
-<p:sld xmlns:a="http://schemas.openxmlformats.org/drawingml/2006/main" xmlns:r="http://schemas.openxmlformats.org/officeDocument/2006/relationships" xmlns:p="http://schemas.openxmlformats.org/presentationml/2006/main">
-  <p:cSld>
-    <p:spTree>
-      <p:nvGrpSpPr>
-        <p:cNvPr id="1" name=""/>
-        <p:cNvGrpSpPr/>
-        <p:nvPr/>
-      </p:nvGrpSpPr>
-      <p:grpSpPr>
-        <a:xfrm>
-          <a:off x="0" y="0"/>
-          <a:ext cx="0" cy="0"/>
-          <a:chOff x="0" y="0"/>
-          <a:chExt cx="0" cy="0"/>
-        </a:xfrm>
-      </p:grpSpPr>
-      <p:sp>
-        <p:nvSpPr>
-          <p:cNvPr id="2" name="Title 1"/>
-          <p:cNvSpPr>
-            <a:spLocks noGrp="1"/>
-          </p:cNvSpPr>
-          <p:nvPr>
-            <p:ph type="title"/>
-          </p:nvPr>
-        </p:nvSpPr>
-        <p:spPr/>
-        <p:txBody>
-          <a:bodyPr/>
-          <a:lstStyle/>
-          <a:p>
-            <a:r>
-              <a:rPr lang="en-US" dirty="0" smtClean="0"/>
-              <a:t>Demo</a:t>
-            </a:r>
-            <a:endParaRPr lang="en-US" dirty="0"/>
-          </a:p>
-        </p:txBody>
-      </p:sp>
-      <p:sp>
-        <p:nvSpPr>
-          <p:cNvPr id="4" name="Text Placeholder 3"/>
-          <p:cNvSpPr>
-            <a:spLocks noGrp="1"/>
-          </p:cNvSpPr>
-          <p:nvPr>
-            <p:ph type="body" idx="1"/>
-          </p:nvPr>
-        </p:nvSpPr>
-        <p:spPr/>
-        <p:txBody>
-          <a:bodyPr/>
-          <a:lstStyle/>
-          <a:p>
-            <a:endParaRPr lang="en-US"/>
-          </a:p>
-        </p:txBody>
-      </p:sp>
-      <p:pic>
-        <p:nvPicPr>
-          <p:cNvPr id="5" name="Picture 2" descr="Race for Life"/>
-          <p:cNvPicPr>
-            <a:picLocks noChangeAspect="1" noChangeArrowheads="1"/>
-          </p:cNvPicPr>
-          <p:nvPr/>
-        </p:nvPicPr>
-        <p:blipFill>
-          <a:blip r:embed="rId2">
-            <a:extLst>
-              <a:ext uri="{28A0092B-C50C-407E-A947-70E740481C1C}">
-                <a14:useLocalDpi xmlns:a14="http://schemas.microsoft.com/office/drawing/2010/main" val="0"/>
-              </a:ext>
-            </a:extLst>
-          </a:blip>
-          <a:srcRect/>
-          <a:stretch>
-            <a:fillRect/>
-          </a:stretch>
-        </p:blipFill>
-        <p:spPr bwMode="auto">
-          <a:xfrm>
-            <a:off x="155575" y="46197"/>
-            <a:ext cx="2019300" cy="838201"/>
-          </a:xfrm>
-          <a:prstGeom prst="rect">
-            <a:avLst/>
-          </a:prstGeom>
-          <a:noFill/>
-          <a:extLst>
-            <a:ext uri="{909E8E84-426E-40DD-AFC4-6F175D3DCCD1}">
-              <a14:hiddenFill xmlns:a14="http://schemas.microsoft.com/office/drawing/2010/main">
-                <a:solidFill>
-                  <a:srgbClr val="FFFFFF"/>
-                </a:solidFill>
-              </a14:hiddenFill>
-            </a:ext>
-          </a:extLst>
-        </p:spPr>
-      </p:pic>
-    </p:spTree>
-    <p:extLst>
-      <p:ext uri="{BB962C8B-B14F-4D97-AF65-F5344CB8AC3E}">
-        <p14:creationId xmlns:p14="http://schemas.microsoft.com/office/powerpoint/2010/main" val="1993217722"/>
-      </p:ext>
-    </p:extLst>
-  </p:cSld>
-  <p:clrMapOvr>
-    <a:masterClrMapping/>
-  </p:clrMapOvr>
-  <p:timing>
-    <p:tnLst>
-      <p:par>
-        <p:cTn id="1" dur="indefinite" restart="never" nodeType="tmRoot"/>
-      </p:par>
-    </p:tnLst>
+    <p:bldLst>
+      <p:bldP spid="5" grpId="0" animBg="1"/>
+      <p:bldP spid="10" grpId="0"/>
+    </p:bldLst>
   </p:timing>
 </p:sld>
 </file>
@@ -8052,34 +8850,6 @@
         <p:txBody>
           <a:bodyPr/>
           <a:lstStyle/>
-          <a:p>
-            <a:r>
-              <a:rPr lang="en-US" dirty="0"/>
-              <a:t>Google Analytics </a:t>
-            </a:r>
-            <a:r>
-              <a:rPr lang="en-US" dirty="0" err="1"/>
-              <a:t>pageTracker</a:t>
-            </a:r>
-            <a:r>
-              <a:rPr lang="en-US" dirty="0"/>
-              <a:t>._</a:t>
-            </a:r>
-            <a:r>
-              <a:rPr lang="en-US" dirty="0" err="1"/>
-              <a:t>trackEvent</a:t>
-            </a:r>
-            <a:r>
-              <a:rPr lang="en-US" dirty="0"/>
-              <a:t> to track user clicks and actions.</a:t>
-            </a:r>
-          </a:p>
-          <a:p>
-            <a:pPr marL="0" indent="0">
-              <a:buNone/>
-            </a:pPr>
-            <a:endParaRPr lang="en-US" dirty="0"/>
-          </a:p>
           <a:p>
             <a:r>
               <a:rPr lang="en-US" dirty="0" smtClean="0"/>
